--- a/2016_07_21/ResearchTalkPresentation.pptx
+++ b/2016_07_21/ResearchTalkPresentation.pptx
@@ -4,9 +4,25 @@
   <p:sldMasterIdLst>
     <p:sldMasterId id="2147483648" r:id="rId1"/>
   </p:sldMasterIdLst>
+  <p:notesMasterIdLst>
+    <p:notesMasterId r:id="rId17"/>
+  </p:notesMasterIdLst>
   <p:sldIdLst>
     <p:sldId id="256" r:id="rId2"/>
     <p:sldId id="257" r:id="rId3"/>
+    <p:sldId id="258" r:id="rId4"/>
+    <p:sldId id="261" r:id="rId5"/>
+    <p:sldId id="260" r:id="rId6"/>
+    <p:sldId id="259" r:id="rId7"/>
+    <p:sldId id="265" r:id="rId8"/>
+    <p:sldId id="262" r:id="rId9"/>
+    <p:sldId id="263" r:id="rId10"/>
+    <p:sldId id="264" r:id="rId11"/>
+    <p:sldId id="266" r:id="rId12"/>
+    <p:sldId id="270" r:id="rId13"/>
+    <p:sldId id="268" r:id="rId14"/>
+    <p:sldId id="269" r:id="rId15"/>
+    <p:sldId id="267" r:id="rId16"/>
   </p:sldIdLst>
   <p:sldSz cx="12192000" cy="6858000"/>
   <p:notesSz cx="6858000" cy="9144000"/>
@@ -113,7 +129,7 @@
             <a:srgbClr val="A4A3A4"/>
           </p15:clr>
         </p15:guide>
-        <p15:guide id="2" pos="3840" userDrawn="1">
+        <p15:guide id="2" pos="3863" userDrawn="1">
           <p15:clr>
             <a:srgbClr val="A4A3A4"/>
           </p15:clr>
@@ -122,6 +138,1020 @@
     </p:ext>
   </p:extLst>
 </p:presentation>
+</file>
+
+<file path=ppt/commentAuthors.xml><?xml version="1.0" encoding="utf-8"?>
+<p:cmAuthorLst xmlns:a="http://schemas.openxmlformats.org/drawingml/2006/main" xmlns:r="http://schemas.openxmlformats.org/officeDocument/2006/relationships" xmlns:p="http://schemas.openxmlformats.org/presentationml/2006/main">
+  <p:cmAuthor id="1" name="marc Sze" initials="mS" lastIdx="1" clrIdx="0">
+    <p:extLst>
+      <p:ext uri="{19B8F6BF-5375-455C-9EA6-DF929625EA0E}">
+        <p15:presenceInfo xmlns:p15="http://schemas.microsoft.com/office/powerpoint/2012/main" userId="1c4966853a90f319" providerId="Windows Live"/>
+      </p:ext>
+    </p:extLst>
+  </p:cmAuthor>
+</p:cmAuthorLst>
+</file>
+
+<file path=ppt/notesMasters/notesMaster1.xml><?xml version="1.0" encoding="utf-8"?>
+<p:notesMaster xmlns:a="http://schemas.openxmlformats.org/drawingml/2006/main" xmlns:r="http://schemas.openxmlformats.org/officeDocument/2006/relationships" xmlns:p="http://schemas.openxmlformats.org/presentationml/2006/main">
+  <p:cSld>
+    <p:bg>
+      <p:bgRef idx="1001">
+        <a:schemeClr val="bg1"/>
+      </p:bgRef>
+    </p:bg>
+    <p:spTree>
+      <p:nvGrpSpPr>
+        <p:cNvPr id="1" name=""/>
+        <p:cNvGrpSpPr/>
+        <p:nvPr/>
+      </p:nvGrpSpPr>
+      <p:grpSpPr>
+        <a:xfrm>
+          <a:off x="0" y="0"/>
+          <a:ext cx="0" cy="0"/>
+          <a:chOff x="0" y="0"/>
+          <a:chExt cx="0" cy="0"/>
+        </a:xfrm>
+      </p:grpSpPr>
+      <p:sp>
+        <p:nvSpPr>
+          <p:cNvPr id="2" name="Header Placeholder 1"/>
+          <p:cNvSpPr>
+            <a:spLocks noGrp="1"/>
+          </p:cNvSpPr>
+          <p:nvPr>
+            <p:ph type="hdr" sz="quarter"/>
+          </p:nvPr>
+        </p:nvSpPr>
+        <p:spPr>
+          <a:xfrm>
+            <a:off x="0" y="0"/>
+            <a:ext cx="2971800" cy="458788"/>
+          </a:xfrm>
+          <a:prstGeom prst="rect">
+            <a:avLst/>
+          </a:prstGeom>
+        </p:spPr>
+        <p:txBody>
+          <a:bodyPr vert="horz" lIns="91440" tIns="45720" rIns="91440" bIns="45720" rtlCol="0"/>
+          <a:lstStyle>
+            <a:lvl1pPr algn="l">
+              <a:defRPr sz="1200"/>
+            </a:lvl1pPr>
+          </a:lstStyle>
+          <a:p>
+            <a:endParaRPr lang="en-CA"/>
+          </a:p>
+        </p:txBody>
+      </p:sp>
+      <p:sp>
+        <p:nvSpPr>
+          <p:cNvPr id="3" name="Date Placeholder 2"/>
+          <p:cNvSpPr>
+            <a:spLocks noGrp="1"/>
+          </p:cNvSpPr>
+          <p:nvPr>
+            <p:ph type="dt" idx="1"/>
+          </p:nvPr>
+        </p:nvSpPr>
+        <p:spPr>
+          <a:xfrm>
+            <a:off x="3884613" y="0"/>
+            <a:ext cx="2971800" cy="458788"/>
+          </a:xfrm>
+          <a:prstGeom prst="rect">
+            <a:avLst/>
+          </a:prstGeom>
+        </p:spPr>
+        <p:txBody>
+          <a:bodyPr vert="horz" lIns="91440" tIns="45720" rIns="91440" bIns="45720" rtlCol="0"/>
+          <a:lstStyle>
+            <a:lvl1pPr algn="r">
+              <a:defRPr sz="1200"/>
+            </a:lvl1pPr>
+          </a:lstStyle>
+          <a:p>
+            <a:fld id="{7C6177D2-C595-4CF9-A043-EBA2FE90BA9D}" type="datetimeFigureOut">
+              <a:rPr lang="en-CA" smtClean="0"/>
+              <a:t>2016-07-20</a:t>
+            </a:fld>
+            <a:endParaRPr lang="en-CA"/>
+          </a:p>
+        </p:txBody>
+      </p:sp>
+      <p:sp>
+        <p:nvSpPr>
+          <p:cNvPr id="4" name="Slide Image Placeholder 3"/>
+          <p:cNvSpPr>
+            <a:spLocks noGrp="1" noRot="1" noChangeAspect="1"/>
+          </p:cNvSpPr>
+          <p:nvPr>
+            <p:ph type="sldImg" idx="2"/>
+          </p:nvPr>
+        </p:nvSpPr>
+        <p:spPr>
+          <a:xfrm>
+            <a:off x="685800" y="1143000"/>
+            <a:ext cx="5486400" cy="3086100"/>
+          </a:xfrm>
+          <a:prstGeom prst="rect">
+            <a:avLst/>
+          </a:prstGeom>
+          <a:noFill/>
+          <a:ln w="12700">
+            <a:solidFill>
+              <a:prstClr val="black"/>
+            </a:solidFill>
+          </a:ln>
+        </p:spPr>
+        <p:txBody>
+          <a:bodyPr vert="horz" lIns="91440" tIns="45720" rIns="91440" bIns="45720" rtlCol="0" anchor="ctr"/>
+          <a:lstStyle/>
+          <a:p>
+            <a:endParaRPr lang="en-CA"/>
+          </a:p>
+        </p:txBody>
+      </p:sp>
+      <p:sp>
+        <p:nvSpPr>
+          <p:cNvPr id="5" name="Notes Placeholder 4"/>
+          <p:cNvSpPr>
+            <a:spLocks noGrp="1"/>
+          </p:cNvSpPr>
+          <p:nvPr>
+            <p:ph type="body" sz="quarter" idx="3"/>
+          </p:nvPr>
+        </p:nvSpPr>
+        <p:spPr>
+          <a:xfrm>
+            <a:off x="685800" y="4400550"/>
+            <a:ext cx="5486400" cy="3600450"/>
+          </a:xfrm>
+          <a:prstGeom prst="rect">
+            <a:avLst/>
+          </a:prstGeom>
+        </p:spPr>
+        <p:txBody>
+          <a:bodyPr vert="horz" lIns="91440" tIns="45720" rIns="91440" bIns="45720" rtlCol="0"/>
+          <a:lstStyle/>
+          <a:p>
+            <a:pPr lvl="0"/>
+            <a:r>
+              <a:rPr lang="en-US"/>
+              <a:t>Edit Master text styles</a:t>
+            </a:r>
+          </a:p>
+          <a:p>
+            <a:pPr lvl="1"/>
+            <a:r>
+              <a:rPr lang="en-US"/>
+              <a:t>Second level</a:t>
+            </a:r>
+          </a:p>
+          <a:p>
+            <a:pPr lvl="2"/>
+            <a:r>
+              <a:rPr lang="en-US"/>
+              <a:t>Third level</a:t>
+            </a:r>
+          </a:p>
+          <a:p>
+            <a:pPr lvl="3"/>
+            <a:r>
+              <a:rPr lang="en-US"/>
+              <a:t>Fourth level</a:t>
+            </a:r>
+          </a:p>
+          <a:p>
+            <a:pPr lvl="4"/>
+            <a:r>
+              <a:rPr lang="en-US"/>
+              <a:t>Fifth level</a:t>
+            </a:r>
+            <a:endParaRPr lang="en-CA"/>
+          </a:p>
+        </p:txBody>
+      </p:sp>
+      <p:sp>
+        <p:nvSpPr>
+          <p:cNvPr id="6" name="Footer Placeholder 5"/>
+          <p:cNvSpPr>
+            <a:spLocks noGrp="1"/>
+          </p:cNvSpPr>
+          <p:nvPr>
+            <p:ph type="ftr" sz="quarter" idx="4"/>
+          </p:nvPr>
+        </p:nvSpPr>
+        <p:spPr>
+          <a:xfrm>
+            <a:off x="0" y="8685213"/>
+            <a:ext cx="2971800" cy="458787"/>
+          </a:xfrm>
+          <a:prstGeom prst="rect">
+            <a:avLst/>
+          </a:prstGeom>
+        </p:spPr>
+        <p:txBody>
+          <a:bodyPr vert="horz" lIns="91440" tIns="45720" rIns="91440" bIns="45720" rtlCol="0" anchor="b"/>
+          <a:lstStyle>
+            <a:lvl1pPr algn="l">
+              <a:defRPr sz="1200"/>
+            </a:lvl1pPr>
+          </a:lstStyle>
+          <a:p>
+            <a:endParaRPr lang="en-CA"/>
+          </a:p>
+        </p:txBody>
+      </p:sp>
+      <p:sp>
+        <p:nvSpPr>
+          <p:cNvPr id="7" name="Slide Number Placeholder 6"/>
+          <p:cNvSpPr>
+            <a:spLocks noGrp="1"/>
+          </p:cNvSpPr>
+          <p:nvPr>
+            <p:ph type="sldNum" sz="quarter" idx="5"/>
+          </p:nvPr>
+        </p:nvSpPr>
+        <p:spPr>
+          <a:xfrm>
+            <a:off x="3884613" y="8685213"/>
+            <a:ext cx="2971800" cy="458787"/>
+          </a:xfrm>
+          <a:prstGeom prst="rect">
+            <a:avLst/>
+          </a:prstGeom>
+        </p:spPr>
+        <p:txBody>
+          <a:bodyPr vert="horz" lIns="91440" tIns="45720" rIns="91440" bIns="45720" rtlCol="0" anchor="b"/>
+          <a:lstStyle>
+            <a:lvl1pPr algn="r">
+              <a:defRPr sz="1200"/>
+            </a:lvl1pPr>
+          </a:lstStyle>
+          <a:p>
+            <a:fld id="{80BA305D-299C-4B6A-A81D-67CB4E1CF103}" type="slidenum">
+              <a:rPr lang="en-CA" smtClean="0"/>
+              <a:t>‹#›</a:t>
+            </a:fld>
+            <a:endParaRPr lang="en-CA"/>
+          </a:p>
+        </p:txBody>
+      </p:sp>
+    </p:spTree>
+    <p:extLst>
+      <p:ext uri="{BB962C8B-B14F-4D97-AF65-F5344CB8AC3E}">
+        <p14:creationId xmlns:p14="http://schemas.microsoft.com/office/powerpoint/2010/main" val="2456733701"/>
+      </p:ext>
+    </p:extLst>
+  </p:cSld>
+  <p:clrMap bg1="lt1" tx1="dk1" bg2="lt2" tx2="dk2" accent1="accent1" accent2="accent2" accent3="accent3" accent4="accent4" accent5="accent5" accent6="accent6" hlink="hlink" folHlink="folHlink"/>
+  <p:notesStyle>
+    <a:lvl1pPr marL="0" algn="l" defTabSz="914400" rtl="0" eaLnBrk="1" latinLnBrk="0" hangingPunct="1">
+      <a:defRPr sz="1200" kern="1200">
+        <a:solidFill>
+          <a:schemeClr val="tx1"/>
+        </a:solidFill>
+        <a:latin typeface="+mn-lt"/>
+        <a:ea typeface="+mn-ea"/>
+        <a:cs typeface="+mn-cs"/>
+      </a:defRPr>
+    </a:lvl1pPr>
+    <a:lvl2pPr marL="457200" algn="l" defTabSz="914400" rtl="0" eaLnBrk="1" latinLnBrk="0" hangingPunct="1">
+      <a:defRPr sz="1200" kern="1200">
+        <a:solidFill>
+          <a:schemeClr val="tx1"/>
+        </a:solidFill>
+        <a:latin typeface="+mn-lt"/>
+        <a:ea typeface="+mn-ea"/>
+        <a:cs typeface="+mn-cs"/>
+      </a:defRPr>
+    </a:lvl2pPr>
+    <a:lvl3pPr marL="914400" algn="l" defTabSz="914400" rtl="0" eaLnBrk="1" latinLnBrk="0" hangingPunct="1">
+      <a:defRPr sz="1200" kern="1200">
+        <a:solidFill>
+          <a:schemeClr val="tx1"/>
+        </a:solidFill>
+        <a:latin typeface="+mn-lt"/>
+        <a:ea typeface="+mn-ea"/>
+        <a:cs typeface="+mn-cs"/>
+      </a:defRPr>
+    </a:lvl3pPr>
+    <a:lvl4pPr marL="1371600" algn="l" defTabSz="914400" rtl="0" eaLnBrk="1" latinLnBrk="0" hangingPunct="1">
+      <a:defRPr sz="1200" kern="1200">
+        <a:solidFill>
+          <a:schemeClr val="tx1"/>
+        </a:solidFill>
+        <a:latin typeface="+mn-lt"/>
+        <a:ea typeface="+mn-ea"/>
+        <a:cs typeface="+mn-cs"/>
+      </a:defRPr>
+    </a:lvl4pPr>
+    <a:lvl5pPr marL="1828800" algn="l" defTabSz="914400" rtl="0" eaLnBrk="1" latinLnBrk="0" hangingPunct="1">
+      <a:defRPr sz="1200" kern="1200">
+        <a:solidFill>
+          <a:schemeClr val="tx1"/>
+        </a:solidFill>
+        <a:latin typeface="+mn-lt"/>
+        <a:ea typeface="+mn-ea"/>
+        <a:cs typeface="+mn-cs"/>
+      </a:defRPr>
+    </a:lvl5pPr>
+    <a:lvl6pPr marL="2286000" algn="l" defTabSz="914400" rtl="0" eaLnBrk="1" latinLnBrk="0" hangingPunct="1">
+      <a:defRPr sz="1200" kern="1200">
+        <a:solidFill>
+          <a:schemeClr val="tx1"/>
+        </a:solidFill>
+        <a:latin typeface="+mn-lt"/>
+        <a:ea typeface="+mn-ea"/>
+        <a:cs typeface="+mn-cs"/>
+      </a:defRPr>
+    </a:lvl6pPr>
+    <a:lvl7pPr marL="2743200" algn="l" defTabSz="914400" rtl="0" eaLnBrk="1" latinLnBrk="0" hangingPunct="1">
+      <a:defRPr sz="1200" kern="1200">
+        <a:solidFill>
+          <a:schemeClr val="tx1"/>
+        </a:solidFill>
+        <a:latin typeface="+mn-lt"/>
+        <a:ea typeface="+mn-ea"/>
+        <a:cs typeface="+mn-cs"/>
+      </a:defRPr>
+    </a:lvl7pPr>
+    <a:lvl8pPr marL="3200400" algn="l" defTabSz="914400" rtl="0" eaLnBrk="1" latinLnBrk="0" hangingPunct="1">
+      <a:defRPr sz="1200" kern="1200">
+        <a:solidFill>
+          <a:schemeClr val="tx1"/>
+        </a:solidFill>
+        <a:latin typeface="+mn-lt"/>
+        <a:ea typeface="+mn-ea"/>
+        <a:cs typeface="+mn-cs"/>
+      </a:defRPr>
+    </a:lvl8pPr>
+    <a:lvl9pPr marL="3657600" algn="l" defTabSz="914400" rtl="0" eaLnBrk="1" latinLnBrk="0" hangingPunct="1">
+      <a:defRPr sz="1200" kern="1200">
+        <a:solidFill>
+          <a:schemeClr val="tx1"/>
+        </a:solidFill>
+        <a:latin typeface="+mn-lt"/>
+        <a:ea typeface="+mn-ea"/>
+        <a:cs typeface="+mn-cs"/>
+      </a:defRPr>
+    </a:lvl9pPr>
+  </p:notesStyle>
+</p:notesMaster>
+</file>
+
+<file path=ppt/notesSlides/notesSlide1.xml><?xml version="1.0" encoding="utf-8"?>
+<p:notes xmlns:a="http://schemas.openxmlformats.org/drawingml/2006/main" xmlns:r="http://schemas.openxmlformats.org/officeDocument/2006/relationships" xmlns:p="http://schemas.openxmlformats.org/presentationml/2006/main">
+  <p:cSld>
+    <p:spTree>
+      <p:nvGrpSpPr>
+        <p:cNvPr id="1" name=""/>
+        <p:cNvGrpSpPr/>
+        <p:nvPr/>
+      </p:nvGrpSpPr>
+      <p:grpSpPr>
+        <a:xfrm>
+          <a:off x="0" y="0"/>
+          <a:ext cx="0" cy="0"/>
+          <a:chOff x="0" y="0"/>
+          <a:chExt cx="0" cy="0"/>
+        </a:xfrm>
+      </p:grpSpPr>
+      <p:sp>
+        <p:nvSpPr>
+          <p:cNvPr id="2" name="Slide Image Placeholder 1"/>
+          <p:cNvSpPr>
+            <a:spLocks noGrp="1" noRot="1" noChangeAspect="1"/>
+          </p:cNvSpPr>
+          <p:nvPr>
+            <p:ph type="sldImg"/>
+          </p:nvPr>
+        </p:nvSpPr>
+        <p:spPr/>
+      </p:sp>
+      <p:sp>
+        <p:nvSpPr>
+          <p:cNvPr id="3" name="Notes Placeholder 2"/>
+          <p:cNvSpPr>
+            <a:spLocks noGrp="1"/>
+          </p:cNvSpPr>
+          <p:nvPr>
+            <p:ph type="body" idx="1"/>
+          </p:nvPr>
+        </p:nvSpPr>
+        <p:spPr/>
+        <p:txBody>
+          <a:bodyPr/>
+          <a:lstStyle/>
+          <a:p>
+            <a:r>
+              <a:rPr lang="en-CA" dirty="0"/>
+              <a:t>Talk about how we want to be able to combine both heritability and family</a:t>
+            </a:r>
+            <a:r>
+              <a:rPr lang="en-CA" baseline="0" dirty="0"/>
+              <a:t> into a microbiome study that investigates both normal and CRC.</a:t>
+            </a:r>
+          </a:p>
+          <a:p>
+            <a:endParaRPr lang="en-CA" dirty="0"/>
+          </a:p>
+        </p:txBody>
+      </p:sp>
+      <p:sp>
+        <p:nvSpPr>
+          <p:cNvPr id="4" name="Slide Number Placeholder 3"/>
+          <p:cNvSpPr>
+            <a:spLocks noGrp="1"/>
+          </p:cNvSpPr>
+          <p:nvPr>
+            <p:ph type="sldNum" sz="quarter" idx="10"/>
+          </p:nvPr>
+        </p:nvSpPr>
+        <p:spPr/>
+        <p:txBody>
+          <a:bodyPr/>
+          <a:lstStyle/>
+          <a:p>
+            <a:fld id="{80BA305D-299C-4B6A-A81D-67CB4E1CF103}" type="slidenum">
+              <a:rPr lang="en-CA" smtClean="0"/>
+              <a:t>1</a:t>
+            </a:fld>
+            <a:endParaRPr lang="en-CA"/>
+          </a:p>
+        </p:txBody>
+      </p:sp>
+    </p:spTree>
+    <p:extLst>
+      <p:ext uri="{BB962C8B-B14F-4D97-AF65-F5344CB8AC3E}">
+        <p14:creationId xmlns:p14="http://schemas.microsoft.com/office/powerpoint/2010/main" val="1292649660"/>
+      </p:ext>
+    </p:extLst>
+  </p:cSld>
+  <p:clrMapOvr>
+    <a:masterClrMapping/>
+  </p:clrMapOvr>
+</p:notes>
+</file>
+
+<file path=ppt/notesSlides/notesSlide2.xml><?xml version="1.0" encoding="utf-8"?>
+<p:notes xmlns:a="http://schemas.openxmlformats.org/drawingml/2006/main" xmlns:r="http://schemas.openxmlformats.org/officeDocument/2006/relationships" xmlns:p="http://schemas.openxmlformats.org/presentationml/2006/main">
+  <p:cSld>
+    <p:spTree>
+      <p:nvGrpSpPr>
+        <p:cNvPr id="1" name=""/>
+        <p:cNvGrpSpPr/>
+        <p:nvPr/>
+      </p:nvGrpSpPr>
+      <p:grpSpPr>
+        <a:xfrm>
+          <a:off x="0" y="0"/>
+          <a:ext cx="0" cy="0"/>
+          <a:chOff x="0" y="0"/>
+          <a:chExt cx="0" cy="0"/>
+        </a:xfrm>
+      </p:grpSpPr>
+      <p:sp>
+        <p:nvSpPr>
+          <p:cNvPr id="2" name="Slide Image Placeholder 1"/>
+          <p:cNvSpPr>
+            <a:spLocks noGrp="1" noRot="1" noChangeAspect="1"/>
+          </p:cNvSpPr>
+          <p:nvPr>
+            <p:ph type="sldImg"/>
+          </p:nvPr>
+        </p:nvSpPr>
+        <p:spPr/>
+      </p:sp>
+      <p:sp>
+        <p:nvSpPr>
+          <p:cNvPr id="3" name="Notes Placeholder 2"/>
+          <p:cNvSpPr>
+            <a:spLocks noGrp="1"/>
+          </p:cNvSpPr>
+          <p:nvPr>
+            <p:ph type="body" idx="1"/>
+          </p:nvPr>
+        </p:nvSpPr>
+        <p:spPr/>
+        <p:txBody>
+          <a:bodyPr/>
+          <a:lstStyle/>
+          <a:p>
+            <a:r>
+              <a:rPr lang="en-CA" dirty="0"/>
+              <a:t>Heritability Centered Studies - Mention</a:t>
+            </a:r>
+            <a:r>
+              <a:rPr lang="en-CA" baseline="0" dirty="0"/>
+              <a:t> how these are studies specifically looking at heritability and measures for such things and that there are many more that utilize twins to test hypothesis on how heritable the microbiome is for a specific disease not using heritability measures directly (e.g. </a:t>
+            </a:r>
+            <a:r>
+              <a:rPr lang="en-CA" baseline="0" dirty="0" err="1"/>
+              <a:t>Turnbaugh</a:t>
+            </a:r>
+            <a:r>
+              <a:rPr lang="en-CA" baseline="0" dirty="0"/>
+              <a:t>, et al. 2009)</a:t>
+            </a:r>
+            <a:endParaRPr lang="en-CA" dirty="0"/>
+          </a:p>
+        </p:txBody>
+      </p:sp>
+      <p:sp>
+        <p:nvSpPr>
+          <p:cNvPr id="4" name="Slide Number Placeholder 3"/>
+          <p:cNvSpPr>
+            <a:spLocks noGrp="1"/>
+          </p:cNvSpPr>
+          <p:nvPr>
+            <p:ph type="sldNum" sz="quarter" idx="10"/>
+          </p:nvPr>
+        </p:nvSpPr>
+        <p:spPr/>
+        <p:txBody>
+          <a:bodyPr/>
+          <a:lstStyle/>
+          <a:p>
+            <a:fld id="{80BA305D-299C-4B6A-A81D-67CB4E1CF103}" type="slidenum">
+              <a:rPr lang="en-CA" smtClean="0"/>
+              <a:t>2</a:t>
+            </a:fld>
+            <a:endParaRPr lang="en-CA"/>
+          </a:p>
+        </p:txBody>
+      </p:sp>
+    </p:spTree>
+    <p:extLst>
+      <p:ext uri="{BB962C8B-B14F-4D97-AF65-F5344CB8AC3E}">
+        <p14:creationId xmlns:p14="http://schemas.microsoft.com/office/powerpoint/2010/main" val="2318075766"/>
+      </p:ext>
+    </p:extLst>
+  </p:cSld>
+  <p:clrMapOvr>
+    <a:masterClrMapping/>
+  </p:clrMapOvr>
+</p:notes>
+</file>
+
+<file path=ppt/notesSlides/notesSlide3.xml><?xml version="1.0" encoding="utf-8"?>
+<p:notes xmlns:a="http://schemas.openxmlformats.org/drawingml/2006/main" xmlns:r="http://schemas.openxmlformats.org/officeDocument/2006/relationships" xmlns:p="http://schemas.openxmlformats.org/presentationml/2006/main">
+  <p:cSld>
+    <p:spTree>
+      <p:nvGrpSpPr>
+        <p:cNvPr id="1" name=""/>
+        <p:cNvGrpSpPr/>
+        <p:nvPr/>
+      </p:nvGrpSpPr>
+      <p:grpSpPr>
+        <a:xfrm>
+          <a:off x="0" y="0"/>
+          <a:ext cx="0" cy="0"/>
+          <a:chOff x="0" y="0"/>
+          <a:chExt cx="0" cy="0"/>
+        </a:xfrm>
+      </p:grpSpPr>
+      <p:sp>
+        <p:nvSpPr>
+          <p:cNvPr id="2" name="Slide Image Placeholder 1"/>
+          <p:cNvSpPr>
+            <a:spLocks noGrp="1" noRot="1" noChangeAspect="1"/>
+          </p:cNvSpPr>
+          <p:nvPr>
+            <p:ph type="sldImg"/>
+          </p:nvPr>
+        </p:nvSpPr>
+        <p:spPr/>
+      </p:sp>
+      <p:sp>
+        <p:nvSpPr>
+          <p:cNvPr id="3" name="Notes Placeholder 2"/>
+          <p:cNvSpPr>
+            <a:spLocks noGrp="1"/>
+          </p:cNvSpPr>
+          <p:nvPr>
+            <p:ph type="body" idx="1"/>
+          </p:nvPr>
+        </p:nvSpPr>
+        <p:spPr/>
+        <p:txBody>
+          <a:bodyPr/>
+          <a:lstStyle/>
+          <a:p>
+            <a:endParaRPr lang="en-CA" dirty="0"/>
+          </a:p>
+        </p:txBody>
+      </p:sp>
+      <p:sp>
+        <p:nvSpPr>
+          <p:cNvPr id="4" name="Slide Number Placeholder 3"/>
+          <p:cNvSpPr>
+            <a:spLocks noGrp="1"/>
+          </p:cNvSpPr>
+          <p:nvPr>
+            <p:ph type="sldNum" sz="quarter" idx="10"/>
+          </p:nvPr>
+        </p:nvSpPr>
+        <p:spPr/>
+        <p:txBody>
+          <a:bodyPr/>
+          <a:lstStyle/>
+          <a:p>
+            <a:fld id="{80BA305D-299C-4B6A-A81D-67CB4E1CF103}" type="slidenum">
+              <a:rPr lang="en-CA" smtClean="0"/>
+              <a:t>6</a:t>
+            </a:fld>
+            <a:endParaRPr lang="en-CA"/>
+          </a:p>
+        </p:txBody>
+      </p:sp>
+    </p:spTree>
+    <p:extLst>
+      <p:ext uri="{BB962C8B-B14F-4D97-AF65-F5344CB8AC3E}">
+        <p14:creationId xmlns:p14="http://schemas.microsoft.com/office/powerpoint/2010/main" val="697903024"/>
+      </p:ext>
+    </p:extLst>
+  </p:cSld>
+  <p:clrMapOvr>
+    <a:masterClrMapping/>
+  </p:clrMapOvr>
+</p:notes>
+</file>
+
+<file path=ppt/notesSlides/notesSlide4.xml><?xml version="1.0" encoding="utf-8"?>
+<p:notes xmlns:a="http://schemas.openxmlformats.org/drawingml/2006/main" xmlns:r="http://schemas.openxmlformats.org/officeDocument/2006/relationships" xmlns:p="http://schemas.openxmlformats.org/presentationml/2006/main">
+  <p:cSld>
+    <p:spTree>
+      <p:nvGrpSpPr>
+        <p:cNvPr id="1" name=""/>
+        <p:cNvGrpSpPr/>
+        <p:nvPr/>
+      </p:nvGrpSpPr>
+      <p:grpSpPr>
+        <a:xfrm>
+          <a:off x="0" y="0"/>
+          <a:ext cx="0" cy="0"/>
+          <a:chOff x="0" y="0"/>
+          <a:chExt cx="0" cy="0"/>
+        </a:xfrm>
+      </p:grpSpPr>
+      <p:sp>
+        <p:nvSpPr>
+          <p:cNvPr id="2" name="Slide Image Placeholder 1"/>
+          <p:cNvSpPr>
+            <a:spLocks noGrp="1" noRot="1" noChangeAspect="1"/>
+          </p:cNvSpPr>
+          <p:nvPr>
+            <p:ph type="sldImg"/>
+          </p:nvPr>
+        </p:nvSpPr>
+        <p:spPr/>
+      </p:sp>
+      <p:sp>
+        <p:nvSpPr>
+          <p:cNvPr id="3" name="Notes Placeholder 2"/>
+          <p:cNvSpPr>
+            <a:spLocks noGrp="1"/>
+          </p:cNvSpPr>
+          <p:nvPr>
+            <p:ph type="body" idx="1"/>
+          </p:nvPr>
+        </p:nvSpPr>
+        <p:spPr/>
+        <p:txBody>
+          <a:bodyPr/>
+          <a:lstStyle/>
+          <a:p>
+            <a:pPr marL="0" marR="0" lvl="0" indent="0" algn="l" defTabSz="914400" rtl="0" eaLnBrk="1" fontAlgn="auto" latinLnBrk="0" hangingPunct="1">
+              <a:lnSpc>
+                <a:spcPct val="100000"/>
+              </a:lnSpc>
+              <a:spcBef>
+                <a:spcPts val="0"/>
+              </a:spcBef>
+              <a:spcAft>
+                <a:spcPts val="0"/>
+              </a:spcAft>
+              <a:buClrTx/>
+              <a:buSzTx/>
+              <a:buFontTx/>
+              <a:buNone/>
+              <a:tabLst/>
+              <a:defRPr/>
+            </a:pPr>
+            <a:r>
+              <a:rPr lang="en-CA" dirty="0"/>
+              <a:t>Aim 1: </a:t>
+            </a:r>
+            <a:r>
+              <a:rPr lang="en-CA" sz="1200" kern="1200" dirty="0">
+                <a:solidFill>
+                  <a:schemeClr val="tx1"/>
+                </a:solidFill>
+                <a:effectLst/>
+                <a:latin typeface="+mn-lt"/>
+                <a:ea typeface="+mn-ea"/>
+                <a:cs typeface="+mn-cs"/>
+              </a:rPr>
+              <a:t>We will be collecting stool samples from family units.  The 16S </a:t>
+            </a:r>
+            <a:r>
+              <a:rPr lang="en-CA" sz="1200" kern="1200" dirty="0" err="1">
+                <a:solidFill>
+                  <a:schemeClr val="tx1"/>
+                </a:solidFill>
+                <a:effectLst/>
+                <a:latin typeface="+mn-lt"/>
+                <a:ea typeface="+mn-ea"/>
+                <a:cs typeface="+mn-cs"/>
+              </a:rPr>
+              <a:t>rRNA</a:t>
+            </a:r>
+            <a:r>
+              <a:rPr lang="en-CA" sz="1200" kern="1200" dirty="0">
+                <a:solidFill>
+                  <a:schemeClr val="tx1"/>
+                </a:solidFill>
+                <a:effectLst/>
+                <a:latin typeface="+mn-lt"/>
+                <a:ea typeface="+mn-ea"/>
+                <a:cs typeface="+mn-cs"/>
+              </a:rPr>
+              <a:t> -encoding gene sequence analysis and corresponding metagenome analysis will help us compare how the bacterial community of those with FAP could be different from those without the disease.  This analysis will be completed on the baseline samples for all participants and samples will not be grouped by family.</a:t>
+            </a:r>
+          </a:p>
+          <a:p>
+            <a:endParaRPr lang="en-CA" dirty="0"/>
+          </a:p>
+        </p:txBody>
+      </p:sp>
+      <p:sp>
+        <p:nvSpPr>
+          <p:cNvPr id="4" name="Slide Number Placeholder 3"/>
+          <p:cNvSpPr>
+            <a:spLocks noGrp="1"/>
+          </p:cNvSpPr>
+          <p:nvPr>
+            <p:ph type="sldNum" sz="quarter" idx="10"/>
+          </p:nvPr>
+        </p:nvSpPr>
+        <p:spPr/>
+        <p:txBody>
+          <a:bodyPr/>
+          <a:lstStyle/>
+          <a:p>
+            <a:fld id="{80BA305D-299C-4B6A-A81D-67CB4E1CF103}" type="slidenum">
+              <a:rPr lang="en-CA" smtClean="0"/>
+              <a:t>8</a:t>
+            </a:fld>
+            <a:endParaRPr lang="en-CA"/>
+          </a:p>
+        </p:txBody>
+      </p:sp>
+    </p:spTree>
+    <p:extLst>
+      <p:ext uri="{BB962C8B-B14F-4D97-AF65-F5344CB8AC3E}">
+        <p14:creationId xmlns:p14="http://schemas.microsoft.com/office/powerpoint/2010/main" val="313685036"/>
+      </p:ext>
+    </p:extLst>
+  </p:cSld>
+  <p:clrMapOvr>
+    <a:masterClrMapping/>
+  </p:clrMapOvr>
+</p:notes>
+</file>
+
+<file path=ppt/notesSlides/notesSlide5.xml><?xml version="1.0" encoding="utf-8"?>
+<p:notes xmlns:a="http://schemas.openxmlformats.org/drawingml/2006/main" xmlns:r="http://schemas.openxmlformats.org/officeDocument/2006/relationships" xmlns:p="http://schemas.openxmlformats.org/presentationml/2006/main">
+  <p:cSld>
+    <p:spTree>
+      <p:nvGrpSpPr>
+        <p:cNvPr id="1" name=""/>
+        <p:cNvGrpSpPr/>
+        <p:nvPr/>
+      </p:nvGrpSpPr>
+      <p:grpSpPr>
+        <a:xfrm>
+          <a:off x="0" y="0"/>
+          <a:ext cx="0" cy="0"/>
+          <a:chOff x="0" y="0"/>
+          <a:chExt cx="0" cy="0"/>
+        </a:xfrm>
+      </p:grpSpPr>
+      <p:sp>
+        <p:nvSpPr>
+          <p:cNvPr id="2" name="Slide Image Placeholder 1"/>
+          <p:cNvSpPr>
+            <a:spLocks noGrp="1" noRot="1" noChangeAspect="1"/>
+          </p:cNvSpPr>
+          <p:nvPr>
+            <p:ph type="sldImg"/>
+          </p:nvPr>
+        </p:nvSpPr>
+        <p:spPr/>
+      </p:sp>
+      <p:sp>
+        <p:nvSpPr>
+          <p:cNvPr id="3" name="Notes Placeholder 2"/>
+          <p:cNvSpPr>
+            <a:spLocks noGrp="1"/>
+          </p:cNvSpPr>
+          <p:nvPr>
+            <p:ph type="body" idx="1"/>
+          </p:nvPr>
+        </p:nvSpPr>
+        <p:spPr/>
+        <p:txBody>
+          <a:bodyPr/>
+          <a:lstStyle/>
+          <a:p>
+            <a:pPr marL="0" marR="0" lvl="0" indent="0" algn="l" defTabSz="914400" rtl="0" eaLnBrk="1" fontAlgn="auto" latinLnBrk="0" hangingPunct="1">
+              <a:lnSpc>
+                <a:spcPct val="100000"/>
+              </a:lnSpc>
+              <a:spcBef>
+                <a:spcPts val="0"/>
+              </a:spcBef>
+              <a:spcAft>
+                <a:spcPts val="0"/>
+              </a:spcAft>
+              <a:buClrTx/>
+              <a:buSzTx/>
+              <a:buFontTx/>
+              <a:buNone/>
+              <a:tabLst/>
+              <a:defRPr/>
+            </a:pPr>
+            <a:r>
+              <a:rPr lang="en-CA" sz="1200" kern="1200" dirty="0">
+                <a:solidFill>
+                  <a:schemeClr val="tx1"/>
+                </a:solidFill>
+                <a:effectLst/>
+                <a:latin typeface="+mn-lt"/>
+                <a:ea typeface="+mn-ea"/>
+                <a:cs typeface="+mn-cs"/>
+              </a:rPr>
+              <a:t>Aim 2: Although there may be differences between FAP and those without the disease this aim will investigate whether or not within a family unit those with FAP have a detectable signature difference versus those in families that do not have the disease.  Additionally, it will also investigate if the ‘core’ microbiome of FAP families is different than the ‘core’ microbiome of those without the disease.  The analysis will be completed on both 16S and metagenome sequencing.  This aim will utilize both cross-sectional data as well as longitudinal data. </a:t>
+            </a:r>
+          </a:p>
+          <a:p>
+            <a:endParaRPr lang="en-CA" dirty="0"/>
+          </a:p>
+        </p:txBody>
+      </p:sp>
+      <p:sp>
+        <p:nvSpPr>
+          <p:cNvPr id="4" name="Slide Number Placeholder 3"/>
+          <p:cNvSpPr>
+            <a:spLocks noGrp="1"/>
+          </p:cNvSpPr>
+          <p:nvPr>
+            <p:ph type="sldNum" sz="quarter" idx="10"/>
+          </p:nvPr>
+        </p:nvSpPr>
+        <p:spPr/>
+        <p:txBody>
+          <a:bodyPr/>
+          <a:lstStyle/>
+          <a:p>
+            <a:fld id="{80BA305D-299C-4B6A-A81D-67CB4E1CF103}" type="slidenum">
+              <a:rPr lang="en-CA" smtClean="0"/>
+              <a:t>9</a:t>
+            </a:fld>
+            <a:endParaRPr lang="en-CA"/>
+          </a:p>
+        </p:txBody>
+      </p:sp>
+    </p:spTree>
+    <p:extLst>
+      <p:ext uri="{BB962C8B-B14F-4D97-AF65-F5344CB8AC3E}">
+        <p14:creationId xmlns:p14="http://schemas.microsoft.com/office/powerpoint/2010/main" val="242037640"/>
+      </p:ext>
+    </p:extLst>
+  </p:cSld>
+  <p:clrMapOvr>
+    <a:masterClrMapping/>
+  </p:clrMapOvr>
+</p:notes>
+</file>
+
+<file path=ppt/notesSlides/notesSlide6.xml><?xml version="1.0" encoding="utf-8"?>
+<p:notes xmlns:a="http://schemas.openxmlformats.org/drawingml/2006/main" xmlns:r="http://schemas.openxmlformats.org/officeDocument/2006/relationships" xmlns:p="http://schemas.openxmlformats.org/presentationml/2006/main">
+  <p:cSld>
+    <p:spTree>
+      <p:nvGrpSpPr>
+        <p:cNvPr id="1" name=""/>
+        <p:cNvGrpSpPr/>
+        <p:nvPr/>
+      </p:nvGrpSpPr>
+      <p:grpSpPr>
+        <a:xfrm>
+          <a:off x="0" y="0"/>
+          <a:ext cx="0" cy="0"/>
+          <a:chOff x="0" y="0"/>
+          <a:chExt cx="0" cy="0"/>
+        </a:xfrm>
+      </p:grpSpPr>
+      <p:sp>
+        <p:nvSpPr>
+          <p:cNvPr id="2" name="Slide Image Placeholder 1"/>
+          <p:cNvSpPr>
+            <a:spLocks noGrp="1" noRot="1" noChangeAspect="1"/>
+          </p:cNvSpPr>
+          <p:nvPr>
+            <p:ph type="sldImg"/>
+          </p:nvPr>
+        </p:nvSpPr>
+        <p:spPr/>
+      </p:sp>
+      <p:sp>
+        <p:nvSpPr>
+          <p:cNvPr id="3" name="Notes Placeholder 2"/>
+          <p:cNvSpPr>
+            <a:spLocks noGrp="1"/>
+          </p:cNvSpPr>
+          <p:nvPr>
+            <p:ph type="body" idx="1"/>
+          </p:nvPr>
+        </p:nvSpPr>
+        <p:spPr/>
+        <p:txBody>
+          <a:bodyPr/>
+          <a:lstStyle/>
+          <a:p>
+            <a:pPr marL="0" marR="0" lvl="0" indent="0" algn="l" defTabSz="914400" rtl="0" eaLnBrk="1" fontAlgn="auto" latinLnBrk="0" hangingPunct="1">
+              <a:lnSpc>
+                <a:spcPct val="100000"/>
+              </a:lnSpc>
+              <a:spcBef>
+                <a:spcPts val="0"/>
+              </a:spcBef>
+              <a:spcAft>
+                <a:spcPts val="0"/>
+              </a:spcAft>
+              <a:buClrTx/>
+              <a:buSzTx/>
+              <a:buFontTx/>
+              <a:buNone/>
+              <a:tabLst/>
+              <a:defRPr/>
+            </a:pPr>
+            <a:r>
+              <a:rPr lang="en-CA" sz="1200" kern="1200" dirty="0">
+                <a:solidFill>
+                  <a:schemeClr val="tx1"/>
+                </a:solidFill>
+                <a:effectLst/>
+                <a:latin typeface="+mn-lt"/>
+                <a:ea typeface="+mn-ea"/>
+                <a:cs typeface="+mn-cs"/>
+              </a:rPr>
+              <a:t>Aim 3: Even though there may be differences between those with and without FAP as well as distinct differences between affected and unaffected families, these aims do not address potential pathogenic mechanisms by which disease may occur.  Here we will investigate whether the microbiome is different between polyp and benign tissue.  Additionally, we will investigate how these communities interact with both the benign and polyp host tissue.  Specifically, this aim will help to elucidate how the microbiome and host together might initiate the changes and differences observed in both aim 1 and 2.</a:t>
+            </a:r>
+            <a:endParaRPr lang="en-CA" dirty="0"/>
+          </a:p>
+          <a:p>
+            <a:endParaRPr lang="en-CA" dirty="0"/>
+          </a:p>
+        </p:txBody>
+      </p:sp>
+      <p:sp>
+        <p:nvSpPr>
+          <p:cNvPr id="4" name="Slide Number Placeholder 3"/>
+          <p:cNvSpPr>
+            <a:spLocks noGrp="1"/>
+          </p:cNvSpPr>
+          <p:nvPr>
+            <p:ph type="sldNum" sz="quarter" idx="10"/>
+          </p:nvPr>
+        </p:nvSpPr>
+        <p:spPr/>
+        <p:txBody>
+          <a:bodyPr/>
+          <a:lstStyle/>
+          <a:p>
+            <a:fld id="{80BA305D-299C-4B6A-A81D-67CB4E1CF103}" type="slidenum">
+              <a:rPr lang="en-CA" smtClean="0"/>
+              <a:t>10</a:t>
+            </a:fld>
+            <a:endParaRPr lang="en-CA"/>
+          </a:p>
+        </p:txBody>
+      </p:sp>
+    </p:spTree>
+    <p:extLst>
+      <p:ext uri="{BB962C8B-B14F-4D97-AF65-F5344CB8AC3E}">
+        <p14:creationId xmlns:p14="http://schemas.microsoft.com/office/powerpoint/2010/main" val="4287073592"/>
+      </p:ext>
+    </p:extLst>
+  </p:cSld>
+  <p:clrMapOvr>
+    <a:masterClrMapping/>
+  </p:clrMapOvr>
+</p:notes>
 </file>
 
 <file path=ppt/slideLayouts/slideLayout1.xml><?xml version="1.0" encoding="utf-8"?>
@@ -255,7 +1285,7 @@
           <a:p>
             <a:fld id="{0EBCD917-A173-4357-BB80-6B8DD0C06E56}" type="datetimeFigureOut">
               <a:rPr lang="en-CA" smtClean="0"/>
-              <a:t>2016-07-18</a:t>
+              <a:t>2016-07-20</a:t>
             </a:fld>
             <a:endParaRPr lang="en-CA"/>
           </a:p>
@@ -425,7 +1455,7 @@
           <a:p>
             <a:fld id="{0EBCD917-A173-4357-BB80-6B8DD0C06E56}" type="datetimeFigureOut">
               <a:rPr lang="en-CA" smtClean="0"/>
-              <a:t>2016-07-18</a:t>
+              <a:t>2016-07-20</a:t>
             </a:fld>
             <a:endParaRPr lang="en-CA"/>
           </a:p>
@@ -605,7 +1635,7 @@
           <a:p>
             <a:fld id="{0EBCD917-A173-4357-BB80-6B8DD0C06E56}" type="datetimeFigureOut">
               <a:rPr lang="en-CA" smtClean="0"/>
-              <a:t>2016-07-18</a:t>
+              <a:t>2016-07-20</a:t>
             </a:fld>
             <a:endParaRPr lang="en-CA"/>
           </a:p>
@@ -775,7 +1805,7 @@
           <a:p>
             <a:fld id="{0EBCD917-A173-4357-BB80-6B8DD0C06E56}" type="datetimeFigureOut">
               <a:rPr lang="en-CA" smtClean="0"/>
-              <a:t>2016-07-18</a:t>
+              <a:t>2016-07-20</a:t>
             </a:fld>
             <a:endParaRPr lang="en-CA"/>
           </a:p>
@@ -1021,7 +2051,7 @@
           <a:p>
             <a:fld id="{0EBCD917-A173-4357-BB80-6B8DD0C06E56}" type="datetimeFigureOut">
               <a:rPr lang="en-CA" smtClean="0"/>
-              <a:t>2016-07-18</a:t>
+              <a:t>2016-07-20</a:t>
             </a:fld>
             <a:endParaRPr lang="en-CA"/>
           </a:p>
@@ -1253,7 +2283,7 @@
           <a:p>
             <a:fld id="{0EBCD917-A173-4357-BB80-6B8DD0C06E56}" type="datetimeFigureOut">
               <a:rPr lang="en-CA" smtClean="0"/>
-              <a:t>2016-07-18</a:t>
+              <a:t>2016-07-20</a:t>
             </a:fld>
             <a:endParaRPr lang="en-CA"/>
           </a:p>
@@ -1620,7 +2650,7 @@
           <a:p>
             <a:fld id="{0EBCD917-A173-4357-BB80-6B8DD0C06E56}" type="datetimeFigureOut">
               <a:rPr lang="en-CA" smtClean="0"/>
-              <a:t>2016-07-18</a:t>
+              <a:t>2016-07-20</a:t>
             </a:fld>
             <a:endParaRPr lang="en-CA"/>
           </a:p>
@@ -1738,7 +2768,7 @@
           <a:p>
             <a:fld id="{0EBCD917-A173-4357-BB80-6B8DD0C06E56}" type="datetimeFigureOut">
               <a:rPr lang="en-CA" smtClean="0"/>
-              <a:t>2016-07-18</a:t>
+              <a:t>2016-07-20</a:t>
             </a:fld>
             <a:endParaRPr lang="en-CA"/>
           </a:p>
@@ -1833,7 +2863,7 @@
           <a:p>
             <a:fld id="{0EBCD917-A173-4357-BB80-6B8DD0C06E56}" type="datetimeFigureOut">
               <a:rPr lang="en-CA" smtClean="0"/>
-              <a:t>2016-07-18</a:t>
+              <a:t>2016-07-20</a:t>
             </a:fld>
             <a:endParaRPr lang="en-CA"/>
           </a:p>
@@ -2110,7 +3140,7 @@
           <a:p>
             <a:fld id="{0EBCD917-A173-4357-BB80-6B8DD0C06E56}" type="datetimeFigureOut">
               <a:rPr lang="en-CA" smtClean="0"/>
-              <a:t>2016-07-18</a:t>
+              <a:t>2016-07-20</a:t>
             </a:fld>
             <a:endParaRPr lang="en-CA"/>
           </a:p>
@@ -2363,7 +3393,7 @@
           <a:p>
             <a:fld id="{0EBCD917-A173-4357-BB80-6B8DD0C06E56}" type="datetimeFigureOut">
               <a:rPr lang="en-CA" smtClean="0"/>
-              <a:t>2016-07-18</a:t>
+              <a:t>2016-07-20</a:t>
             </a:fld>
             <a:endParaRPr lang="en-CA"/>
           </a:p>
@@ -2576,7 +3606,7 @@
           <a:p>
             <a:fld id="{0EBCD917-A173-4357-BB80-6B8DD0C06E56}" type="datetimeFigureOut">
               <a:rPr lang="en-CA" smtClean="0"/>
-              <a:t>2016-07-18</a:t>
+              <a:t>2016-07-20</a:t>
             </a:fld>
             <a:endParaRPr lang="en-CA"/>
           </a:p>
@@ -3063,6 +4093,4299 @@
 </p:sld>
 </file>
 
+<file path=ppt/slides/slide10.xml><?xml version="1.0" encoding="utf-8"?>
+<p:sld xmlns:a="http://schemas.openxmlformats.org/drawingml/2006/main" xmlns:r="http://schemas.openxmlformats.org/officeDocument/2006/relationships" xmlns:p="http://schemas.openxmlformats.org/presentationml/2006/main">
+  <p:cSld>
+    <p:spTree>
+      <p:nvGrpSpPr>
+        <p:cNvPr id="1" name=""/>
+        <p:cNvGrpSpPr/>
+        <p:nvPr/>
+      </p:nvGrpSpPr>
+      <p:grpSpPr>
+        <a:xfrm>
+          <a:off x="0" y="0"/>
+          <a:ext cx="0" cy="0"/>
+          <a:chOff x="0" y="0"/>
+          <a:chExt cx="0" cy="0"/>
+        </a:xfrm>
+      </p:grpSpPr>
+      <p:sp>
+        <p:nvSpPr>
+          <p:cNvPr id="2" name="Title 1"/>
+          <p:cNvSpPr>
+            <a:spLocks noGrp="1"/>
+          </p:cNvSpPr>
+          <p:nvPr>
+            <p:ph type="title"/>
+          </p:nvPr>
+        </p:nvSpPr>
+        <p:spPr/>
+        <p:txBody>
+          <a:bodyPr/>
+          <a:lstStyle/>
+          <a:p>
+            <a:r>
+              <a:rPr lang="en-CA" dirty="0"/>
+              <a:t>Aim 3</a:t>
+            </a:r>
+          </a:p>
+        </p:txBody>
+      </p:sp>
+      <p:sp>
+        <p:nvSpPr>
+          <p:cNvPr id="4" name="TextBox 3"/>
+          <p:cNvSpPr txBox="1"/>
+          <p:nvPr/>
+        </p:nvSpPr>
+        <p:spPr>
+          <a:xfrm>
+            <a:off x="139700" y="1651000"/>
+            <a:ext cx="10715049" cy="646331"/>
+          </a:xfrm>
+          <a:prstGeom prst="rect">
+            <a:avLst/>
+          </a:prstGeom>
+          <a:noFill/>
+        </p:spPr>
+        <p:txBody>
+          <a:bodyPr wrap="none" rtlCol="0">
+            <a:spAutoFit/>
+          </a:bodyPr>
+          <a:lstStyle/>
+          <a:p>
+            <a:r>
+              <a:rPr lang="en-CA" dirty="0"/>
+              <a:t>Is there a detectable difference between the bacterial microbiome of benign and polyp tissue in those with FAP?</a:t>
+            </a:r>
+          </a:p>
+          <a:p>
+            <a:endParaRPr lang="en-CA" dirty="0"/>
+          </a:p>
+        </p:txBody>
+      </p:sp>
+      <p:pic>
+        <p:nvPicPr>
+          <p:cNvPr id="5" name="Picture 4"/>
+          <p:cNvPicPr>
+            <a:picLocks noChangeAspect="1"/>
+          </p:cNvPicPr>
+          <p:nvPr/>
+        </p:nvPicPr>
+        <p:blipFill>
+          <a:blip r:embed="rId3"/>
+          <a:stretch>
+            <a:fillRect/>
+          </a:stretch>
+        </p:blipFill>
+        <p:spPr>
+          <a:xfrm>
+            <a:off x="6132513" y="4003614"/>
+            <a:ext cx="2648086" cy="2381372"/>
+          </a:xfrm>
+          <a:prstGeom prst="rect">
+            <a:avLst/>
+          </a:prstGeom>
+        </p:spPr>
+      </p:pic>
+      <p:pic>
+        <p:nvPicPr>
+          <p:cNvPr id="6" name="Picture 5"/>
+          <p:cNvPicPr>
+            <a:picLocks noChangeAspect="1"/>
+          </p:cNvPicPr>
+          <p:nvPr/>
+        </p:nvPicPr>
+        <p:blipFill>
+          <a:blip r:embed="rId4"/>
+          <a:stretch>
+            <a:fillRect/>
+          </a:stretch>
+        </p:blipFill>
+        <p:spPr>
+          <a:xfrm>
+            <a:off x="9263063" y="3644900"/>
+            <a:ext cx="2648086" cy="2546481"/>
+          </a:xfrm>
+          <a:prstGeom prst="rect">
+            <a:avLst/>
+          </a:prstGeom>
+        </p:spPr>
+      </p:pic>
+      <p:sp>
+        <p:nvSpPr>
+          <p:cNvPr id="7" name="TextBox 6"/>
+          <p:cNvSpPr txBox="1"/>
+          <p:nvPr/>
+        </p:nvSpPr>
+        <p:spPr>
+          <a:xfrm>
+            <a:off x="6161156" y="3072368"/>
+            <a:ext cx="2383729" cy="369332"/>
+          </a:xfrm>
+          <a:prstGeom prst="rect">
+            <a:avLst/>
+          </a:prstGeom>
+          <a:noFill/>
+        </p:spPr>
+        <p:txBody>
+          <a:bodyPr wrap="none" rtlCol="0">
+            <a:spAutoFit/>
+          </a:bodyPr>
+          <a:lstStyle/>
+          <a:p>
+            <a:r>
+              <a:rPr lang="en-CA" dirty="0"/>
+              <a:t>Taxa 1 on normal tissue</a:t>
+            </a:r>
+          </a:p>
+        </p:txBody>
+      </p:sp>
+      <p:sp>
+        <p:nvSpPr>
+          <p:cNvPr id="8" name="TextBox 7"/>
+          <p:cNvSpPr txBox="1"/>
+          <p:nvPr/>
+        </p:nvSpPr>
+        <p:spPr>
+          <a:xfrm>
+            <a:off x="9513956" y="3072368"/>
+            <a:ext cx="2234651" cy="369332"/>
+          </a:xfrm>
+          <a:prstGeom prst="rect">
+            <a:avLst/>
+          </a:prstGeom>
+          <a:noFill/>
+        </p:spPr>
+        <p:txBody>
+          <a:bodyPr wrap="none" rtlCol="0">
+            <a:spAutoFit/>
+          </a:bodyPr>
+          <a:lstStyle/>
+          <a:p>
+            <a:r>
+              <a:rPr lang="en-CA" dirty="0"/>
+              <a:t>Taxa 1 on polyp tissue</a:t>
+            </a:r>
+          </a:p>
+        </p:txBody>
+      </p:sp>
+      <p:sp>
+        <p:nvSpPr>
+          <p:cNvPr id="9" name="Oval 8"/>
+          <p:cNvSpPr/>
+          <p:nvPr/>
+        </p:nvSpPr>
+        <p:spPr>
+          <a:xfrm>
+            <a:off x="519504" y="2800551"/>
+            <a:ext cx="1715696" cy="785528"/>
+          </a:xfrm>
+          <a:prstGeom prst="ellipse">
+            <a:avLst/>
+          </a:prstGeom>
+          <a:solidFill>
+            <a:schemeClr val="accent1">
+              <a:alpha val="56000"/>
+            </a:schemeClr>
+          </a:solidFill>
+        </p:spPr>
+        <p:style>
+          <a:lnRef idx="2">
+            <a:schemeClr val="accent1">
+              <a:shade val="50000"/>
+            </a:schemeClr>
+          </a:lnRef>
+          <a:fillRef idx="1">
+            <a:schemeClr val="accent1"/>
+          </a:fillRef>
+          <a:effectRef idx="0">
+            <a:schemeClr val="accent1"/>
+          </a:effectRef>
+          <a:fontRef idx="minor">
+            <a:schemeClr val="lt1"/>
+          </a:fontRef>
+        </p:style>
+        <p:txBody>
+          <a:bodyPr rtlCol="0" anchor="ctr"/>
+          <a:lstStyle/>
+          <a:p>
+            <a:pPr algn="ctr"/>
+            <a:r>
+              <a:rPr lang="en-CA" sz="2000" dirty="0"/>
+              <a:t>“Normal”</a:t>
+            </a:r>
+          </a:p>
+        </p:txBody>
+      </p:sp>
+      <p:sp>
+        <p:nvSpPr>
+          <p:cNvPr id="10" name="Oval 9"/>
+          <p:cNvSpPr/>
+          <p:nvPr/>
+        </p:nvSpPr>
+        <p:spPr>
+          <a:xfrm>
+            <a:off x="2612998" y="2770472"/>
+            <a:ext cx="1933601" cy="785528"/>
+          </a:xfrm>
+          <a:prstGeom prst="ellipse">
+            <a:avLst/>
+          </a:prstGeom>
+          <a:solidFill>
+            <a:srgbClr val="00B050">
+              <a:alpha val="56000"/>
+            </a:srgbClr>
+          </a:solidFill>
+          <a:ln>
+            <a:solidFill>
+              <a:srgbClr val="00B050"/>
+            </a:solidFill>
+          </a:ln>
+        </p:spPr>
+        <p:style>
+          <a:lnRef idx="2">
+            <a:schemeClr val="accent1">
+              <a:shade val="50000"/>
+            </a:schemeClr>
+          </a:lnRef>
+          <a:fillRef idx="1">
+            <a:schemeClr val="accent1"/>
+          </a:fillRef>
+          <a:effectRef idx="0">
+            <a:schemeClr val="accent1"/>
+          </a:effectRef>
+          <a:fontRef idx="minor">
+            <a:schemeClr val="lt1"/>
+          </a:fontRef>
+        </p:style>
+        <p:txBody>
+          <a:bodyPr rtlCol="0" anchor="ctr"/>
+          <a:lstStyle/>
+          <a:p>
+            <a:pPr algn="ctr"/>
+            <a:r>
+              <a:rPr lang="en-CA" dirty="0"/>
+              <a:t>FAP</a:t>
+            </a:r>
+          </a:p>
+        </p:txBody>
+      </p:sp>
+      <p:sp>
+        <p:nvSpPr>
+          <p:cNvPr id="15" name="TextBox 14"/>
+          <p:cNvSpPr txBox="1"/>
+          <p:nvPr/>
+        </p:nvSpPr>
+        <p:spPr>
+          <a:xfrm>
+            <a:off x="2152985" y="3677656"/>
+            <a:ext cx="603820" cy="584775"/>
+          </a:xfrm>
+          <a:prstGeom prst="rect">
+            <a:avLst/>
+          </a:prstGeom>
+          <a:noFill/>
+        </p:spPr>
+        <p:txBody>
+          <a:bodyPr wrap="none" rtlCol="0">
+            <a:spAutoFit/>
+          </a:bodyPr>
+          <a:lstStyle/>
+          <a:p>
+            <a:r>
+              <a:rPr lang="en-CA" sz="3200" dirty="0"/>
+              <a:t>VS</a:t>
+            </a:r>
+          </a:p>
+        </p:txBody>
+      </p:sp>
+      <p:sp>
+        <p:nvSpPr>
+          <p:cNvPr id="17" name="Oval 16"/>
+          <p:cNvSpPr/>
+          <p:nvPr/>
+        </p:nvSpPr>
+        <p:spPr>
+          <a:xfrm>
+            <a:off x="989404" y="4337251"/>
+            <a:ext cx="1715696" cy="785528"/>
+          </a:xfrm>
+          <a:prstGeom prst="ellipse">
+            <a:avLst/>
+          </a:prstGeom>
+          <a:solidFill>
+            <a:schemeClr val="accent1">
+              <a:alpha val="56000"/>
+            </a:schemeClr>
+          </a:solidFill>
+        </p:spPr>
+        <p:style>
+          <a:lnRef idx="2">
+            <a:schemeClr val="accent1">
+              <a:shade val="50000"/>
+            </a:schemeClr>
+          </a:lnRef>
+          <a:fillRef idx="1">
+            <a:schemeClr val="accent1"/>
+          </a:fillRef>
+          <a:effectRef idx="0">
+            <a:schemeClr val="accent1"/>
+          </a:effectRef>
+          <a:fontRef idx="minor">
+            <a:schemeClr val="lt1"/>
+          </a:fontRef>
+        </p:style>
+        <p:txBody>
+          <a:bodyPr rtlCol="0" anchor="ctr"/>
+          <a:lstStyle/>
+          <a:p>
+            <a:pPr algn="ctr"/>
+            <a:r>
+              <a:rPr lang="en-CA" sz="2000" dirty="0"/>
+              <a:t>“Normal”</a:t>
+            </a:r>
+          </a:p>
+        </p:txBody>
+      </p:sp>
+      <p:sp>
+        <p:nvSpPr>
+          <p:cNvPr id="18" name="Oval 17"/>
+          <p:cNvSpPr/>
+          <p:nvPr/>
+        </p:nvSpPr>
+        <p:spPr>
+          <a:xfrm>
+            <a:off x="1965298" y="4319872"/>
+            <a:ext cx="1933601" cy="785528"/>
+          </a:xfrm>
+          <a:prstGeom prst="ellipse">
+            <a:avLst/>
+          </a:prstGeom>
+          <a:solidFill>
+            <a:srgbClr val="00B050">
+              <a:alpha val="56000"/>
+            </a:srgbClr>
+          </a:solidFill>
+          <a:ln>
+            <a:solidFill>
+              <a:srgbClr val="00B050"/>
+            </a:solidFill>
+          </a:ln>
+        </p:spPr>
+        <p:style>
+          <a:lnRef idx="2">
+            <a:schemeClr val="accent1">
+              <a:shade val="50000"/>
+            </a:schemeClr>
+          </a:lnRef>
+          <a:fillRef idx="1">
+            <a:schemeClr val="accent1"/>
+          </a:fillRef>
+          <a:effectRef idx="0">
+            <a:schemeClr val="accent1"/>
+          </a:effectRef>
+          <a:fontRef idx="minor">
+            <a:schemeClr val="lt1"/>
+          </a:fontRef>
+        </p:style>
+        <p:txBody>
+          <a:bodyPr rtlCol="0" anchor="ctr"/>
+          <a:lstStyle/>
+          <a:p>
+            <a:pPr algn="ctr"/>
+            <a:r>
+              <a:rPr lang="en-CA" dirty="0"/>
+              <a:t>FAP</a:t>
+            </a:r>
+          </a:p>
+        </p:txBody>
+      </p:sp>
+      <p:sp>
+        <p:nvSpPr>
+          <p:cNvPr id="19" name="TextBox 18"/>
+          <p:cNvSpPr txBox="1"/>
+          <p:nvPr/>
+        </p:nvSpPr>
+        <p:spPr>
+          <a:xfrm>
+            <a:off x="2051385" y="5252456"/>
+            <a:ext cx="603820" cy="584775"/>
+          </a:xfrm>
+          <a:prstGeom prst="rect">
+            <a:avLst/>
+          </a:prstGeom>
+          <a:noFill/>
+        </p:spPr>
+        <p:txBody>
+          <a:bodyPr wrap="none" rtlCol="0">
+            <a:spAutoFit/>
+          </a:bodyPr>
+          <a:lstStyle/>
+          <a:p>
+            <a:r>
+              <a:rPr lang="en-CA" sz="3200" dirty="0"/>
+              <a:t>VS</a:t>
+            </a:r>
+          </a:p>
+        </p:txBody>
+      </p:sp>
+      <p:sp>
+        <p:nvSpPr>
+          <p:cNvPr id="20" name="Oval 19"/>
+          <p:cNvSpPr/>
+          <p:nvPr/>
+        </p:nvSpPr>
+        <p:spPr>
+          <a:xfrm>
+            <a:off x="1535504" y="5861251"/>
+            <a:ext cx="1715696" cy="785528"/>
+          </a:xfrm>
+          <a:prstGeom prst="ellipse">
+            <a:avLst/>
+          </a:prstGeom>
+          <a:solidFill>
+            <a:schemeClr val="accent1">
+              <a:alpha val="56000"/>
+            </a:schemeClr>
+          </a:solidFill>
+        </p:spPr>
+        <p:style>
+          <a:lnRef idx="2">
+            <a:schemeClr val="accent1">
+              <a:shade val="50000"/>
+            </a:schemeClr>
+          </a:lnRef>
+          <a:fillRef idx="1">
+            <a:schemeClr val="accent1"/>
+          </a:fillRef>
+          <a:effectRef idx="0">
+            <a:schemeClr val="accent1"/>
+          </a:effectRef>
+          <a:fontRef idx="minor">
+            <a:schemeClr val="lt1"/>
+          </a:fontRef>
+        </p:style>
+        <p:txBody>
+          <a:bodyPr rtlCol="0" anchor="ctr"/>
+          <a:lstStyle/>
+          <a:p>
+            <a:pPr algn="ctr"/>
+            <a:r>
+              <a:rPr lang="en-CA" sz="2000" dirty="0"/>
+              <a:t>“Normal”</a:t>
+            </a:r>
+          </a:p>
+        </p:txBody>
+      </p:sp>
+      <p:sp>
+        <p:nvSpPr>
+          <p:cNvPr id="21" name="Oval 20"/>
+          <p:cNvSpPr/>
+          <p:nvPr/>
+        </p:nvSpPr>
+        <p:spPr>
+          <a:xfrm>
+            <a:off x="1469998" y="5856572"/>
+            <a:ext cx="1933601" cy="785528"/>
+          </a:xfrm>
+          <a:prstGeom prst="ellipse">
+            <a:avLst/>
+          </a:prstGeom>
+          <a:solidFill>
+            <a:srgbClr val="00B050">
+              <a:alpha val="56000"/>
+            </a:srgbClr>
+          </a:solidFill>
+          <a:ln>
+            <a:solidFill>
+              <a:srgbClr val="00B050"/>
+            </a:solidFill>
+          </a:ln>
+        </p:spPr>
+        <p:style>
+          <a:lnRef idx="2">
+            <a:schemeClr val="accent1">
+              <a:shade val="50000"/>
+            </a:schemeClr>
+          </a:lnRef>
+          <a:fillRef idx="1">
+            <a:schemeClr val="accent1"/>
+          </a:fillRef>
+          <a:effectRef idx="0">
+            <a:schemeClr val="accent1"/>
+          </a:effectRef>
+          <a:fontRef idx="minor">
+            <a:schemeClr val="lt1"/>
+          </a:fontRef>
+        </p:style>
+        <p:txBody>
+          <a:bodyPr rtlCol="0" anchor="ctr"/>
+          <a:lstStyle/>
+          <a:p>
+            <a:pPr algn="ctr"/>
+            <a:r>
+              <a:rPr lang="en-CA" dirty="0"/>
+              <a:t>FAP</a:t>
+            </a:r>
+          </a:p>
+        </p:txBody>
+      </p:sp>
+      <p:sp>
+        <p:nvSpPr>
+          <p:cNvPr id="22" name="TextBox 21"/>
+          <p:cNvSpPr txBox="1"/>
+          <p:nvPr/>
+        </p:nvSpPr>
+        <p:spPr>
+          <a:xfrm>
+            <a:off x="4840706" y="4079377"/>
+            <a:ext cx="939681" cy="584775"/>
+          </a:xfrm>
+          <a:prstGeom prst="rect">
+            <a:avLst/>
+          </a:prstGeom>
+          <a:noFill/>
+        </p:spPr>
+        <p:txBody>
+          <a:bodyPr wrap="none" rtlCol="0">
+            <a:spAutoFit/>
+          </a:bodyPr>
+          <a:lstStyle/>
+          <a:p>
+            <a:r>
+              <a:rPr lang="en-CA" sz="3200" dirty="0"/>
+              <a:t>AND</a:t>
+            </a:r>
+          </a:p>
+        </p:txBody>
+      </p:sp>
+    </p:spTree>
+    <p:extLst>
+      <p:ext uri="{BB962C8B-B14F-4D97-AF65-F5344CB8AC3E}">
+        <p14:creationId xmlns:p14="http://schemas.microsoft.com/office/powerpoint/2010/main" val="910958111"/>
+      </p:ext>
+    </p:extLst>
+  </p:cSld>
+  <p:clrMapOvr>
+    <a:masterClrMapping/>
+  </p:clrMapOvr>
+</p:sld>
+</file>
+
+<file path=ppt/slides/slide11.xml><?xml version="1.0" encoding="utf-8"?>
+<p:sld xmlns:a="http://schemas.openxmlformats.org/drawingml/2006/main" xmlns:r="http://schemas.openxmlformats.org/officeDocument/2006/relationships" xmlns:p="http://schemas.openxmlformats.org/presentationml/2006/main">
+  <p:cSld>
+    <p:spTree>
+      <p:nvGrpSpPr>
+        <p:cNvPr id="1" name=""/>
+        <p:cNvGrpSpPr/>
+        <p:nvPr/>
+      </p:nvGrpSpPr>
+      <p:grpSpPr>
+        <a:xfrm>
+          <a:off x="0" y="0"/>
+          <a:ext cx="0" cy="0"/>
+          <a:chOff x="0" y="0"/>
+          <a:chExt cx="0" cy="0"/>
+        </a:xfrm>
+      </p:grpSpPr>
+      <p:sp>
+        <p:nvSpPr>
+          <p:cNvPr id="2" name="Title 1"/>
+          <p:cNvSpPr>
+            <a:spLocks noGrp="1"/>
+          </p:cNvSpPr>
+          <p:nvPr>
+            <p:ph type="title"/>
+          </p:nvPr>
+        </p:nvSpPr>
+        <p:spPr/>
+        <p:txBody>
+          <a:bodyPr/>
+          <a:lstStyle/>
+          <a:p>
+            <a:r>
+              <a:rPr lang="en-CA" dirty="0"/>
+              <a:t>Study Progress</a:t>
+            </a:r>
+          </a:p>
+        </p:txBody>
+      </p:sp>
+      <p:sp>
+        <p:nvSpPr>
+          <p:cNvPr id="6" name="TextBox 5"/>
+          <p:cNvSpPr txBox="1"/>
+          <p:nvPr/>
+        </p:nvSpPr>
+        <p:spPr>
+          <a:xfrm>
+            <a:off x="482600" y="1498600"/>
+            <a:ext cx="2511650" cy="923330"/>
+          </a:xfrm>
+          <a:prstGeom prst="rect">
+            <a:avLst/>
+          </a:prstGeom>
+          <a:noFill/>
+        </p:spPr>
+        <p:txBody>
+          <a:bodyPr wrap="none" rtlCol="0">
+            <a:spAutoFit/>
+          </a:bodyPr>
+          <a:lstStyle/>
+          <a:p>
+            <a:r>
+              <a:rPr lang="en-CA" dirty="0"/>
+              <a:t>Overall Study Milestones</a:t>
+            </a:r>
+          </a:p>
+          <a:p>
+            <a:r>
+              <a:rPr lang="en-CA" dirty="0"/>
+              <a:t>IRB - </a:t>
+            </a:r>
+            <a:r>
+              <a:rPr lang="en-CA" i="1" dirty="0">
+                <a:solidFill>
+                  <a:srgbClr val="FF0000"/>
+                </a:solidFill>
+              </a:rPr>
+              <a:t>Submitted</a:t>
+            </a:r>
+            <a:endParaRPr lang="en-CA" dirty="0">
+              <a:solidFill>
+                <a:srgbClr val="FF0000"/>
+              </a:solidFill>
+            </a:endParaRPr>
+          </a:p>
+          <a:p>
+            <a:endParaRPr lang="en-CA" dirty="0"/>
+          </a:p>
+        </p:txBody>
+      </p:sp>
+      <p:sp>
+        <p:nvSpPr>
+          <p:cNvPr id="7" name="TextBox 6"/>
+          <p:cNvSpPr txBox="1"/>
+          <p:nvPr/>
+        </p:nvSpPr>
+        <p:spPr>
+          <a:xfrm>
+            <a:off x="453073" y="2345038"/>
+            <a:ext cx="5679440" cy="1200329"/>
+          </a:xfrm>
+          <a:prstGeom prst="rect">
+            <a:avLst/>
+          </a:prstGeom>
+          <a:noFill/>
+        </p:spPr>
+        <p:txBody>
+          <a:bodyPr wrap="none" rtlCol="0">
+            <a:spAutoFit/>
+          </a:bodyPr>
+          <a:lstStyle/>
+          <a:p>
+            <a:r>
+              <a:rPr lang="en-CA" dirty="0"/>
+              <a:t>Clinical Section Milestones</a:t>
+            </a:r>
+          </a:p>
+          <a:p>
+            <a:r>
+              <a:rPr lang="en-CA" dirty="0"/>
+              <a:t>Procedures and cohort identified – </a:t>
+            </a:r>
+            <a:r>
+              <a:rPr lang="en-CA" i="1" dirty="0">
+                <a:solidFill>
+                  <a:srgbClr val="FF0000"/>
+                </a:solidFill>
+              </a:rPr>
+              <a:t>Completed</a:t>
+            </a:r>
+          </a:p>
+          <a:p>
+            <a:r>
+              <a:rPr lang="en-CA" dirty="0"/>
+              <a:t>Find half time study coordinator – </a:t>
+            </a:r>
+            <a:r>
+              <a:rPr lang="en-CA" i="1" dirty="0">
+                <a:solidFill>
+                  <a:srgbClr val="FF0000"/>
+                </a:solidFill>
+              </a:rPr>
+              <a:t>Underway</a:t>
+            </a:r>
+          </a:p>
+          <a:p>
+            <a:r>
+              <a:rPr lang="en-CA" dirty="0" err="1"/>
+              <a:t>REDCap</a:t>
+            </a:r>
+            <a:r>
+              <a:rPr lang="en-CA" dirty="0"/>
+              <a:t> Registry Launch – </a:t>
+            </a:r>
+            <a:r>
+              <a:rPr lang="en-CA" i="1" dirty="0">
+                <a:solidFill>
+                  <a:srgbClr val="FF0000"/>
+                </a:solidFill>
+              </a:rPr>
+              <a:t>Final Approvals and User testing</a:t>
+            </a:r>
+            <a:endParaRPr lang="en-CA" dirty="0">
+              <a:solidFill>
+                <a:srgbClr val="FF0000"/>
+              </a:solidFill>
+            </a:endParaRPr>
+          </a:p>
+        </p:txBody>
+      </p:sp>
+      <p:sp>
+        <p:nvSpPr>
+          <p:cNvPr id="8" name="TextBox 7"/>
+          <p:cNvSpPr txBox="1"/>
+          <p:nvPr/>
+        </p:nvSpPr>
+        <p:spPr>
+          <a:xfrm>
+            <a:off x="436605" y="3778765"/>
+            <a:ext cx="10705367" cy="1477328"/>
+          </a:xfrm>
+          <a:prstGeom prst="rect">
+            <a:avLst/>
+          </a:prstGeom>
+          <a:noFill/>
+        </p:spPr>
+        <p:txBody>
+          <a:bodyPr wrap="none" rtlCol="0">
+            <a:spAutoFit/>
+          </a:bodyPr>
+          <a:lstStyle/>
+          <a:p>
+            <a:r>
+              <a:rPr lang="en-CA" dirty="0"/>
+              <a:t>Wet Lab Section Milestones</a:t>
+            </a:r>
+          </a:p>
+          <a:p>
+            <a:r>
+              <a:rPr lang="en-CA" dirty="0"/>
+              <a:t>Fecal Collection Tubes – </a:t>
+            </a:r>
+            <a:r>
+              <a:rPr lang="en-CA" i="1" dirty="0">
+                <a:solidFill>
+                  <a:srgbClr val="FF0000"/>
+                </a:solidFill>
+              </a:rPr>
+              <a:t>Currently testing Zymo versus </a:t>
+            </a:r>
+            <a:r>
+              <a:rPr lang="en-CA" i="1" dirty="0" err="1">
+                <a:solidFill>
+                  <a:srgbClr val="FF0000"/>
+                </a:solidFill>
+              </a:rPr>
+              <a:t>OmniGeneGut</a:t>
+            </a:r>
+            <a:endParaRPr lang="en-CA" i="1" dirty="0">
+              <a:solidFill>
+                <a:srgbClr val="FF0000"/>
+              </a:solidFill>
+            </a:endParaRPr>
+          </a:p>
+          <a:p>
+            <a:r>
+              <a:rPr lang="en-CA" dirty="0"/>
+              <a:t>DNA/RNA joint extraction (Tissue) – </a:t>
+            </a:r>
+            <a:r>
+              <a:rPr lang="en-CA" i="1" dirty="0">
+                <a:solidFill>
+                  <a:srgbClr val="FF0000"/>
+                </a:solidFill>
+              </a:rPr>
+              <a:t>Identified a working method, need to confirm and try with electronic pipette</a:t>
+            </a:r>
+          </a:p>
+          <a:p>
+            <a:r>
+              <a:rPr lang="en-CA" i="1" dirty="0"/>
+              <a:t>	- </a:t>
+            </a:r>
+            <a:r>
+              <a:rPr lang="en-CA" dirty="0">
+                <a:hlinkClick r:id="rId2"/>
+              </a:rPr>
+              <a:t>https://github.com/marcsze/WetLabStuff/tree/master/LabReports</a:t>
+            </a:r>
+            <a:endParaRPr lang="en-CA" dirty="0"/>
+          </a:p>
+          <a:p>
+            <a:endParaRPr lang="en-CA" dirty="0"/>
+          </a:p>
+        </p:txBody>
+      </p:sp>
+      <p:sp>
+        <p:nvSpPr>
+          <p:cNvPr id="9" name="TextBox 8"/>
+          <p:cNvSpPr txBox="1"/>
+          <p:nvPr/>
+        </p:nvSpPr>
+        <p:spPr>
+          <a:xfrm>
+            <a:off x="428025" y="5212149"/>
+            <a:ext cx="2723374" cy="923330"/>
+          </a:xfrm>
+          <a:prstGeom prst="rect">
+            <a:avLst/>
+          </a:prstGeom>
+          <a:noFill/>
+        </p:spPr>
+        <p:txBody>
+          <a:bodyPr wrap="none" rtlCol="0">
+            <a:spAutoFit/>
+          </a:bodyPr>
+          <a:lstStyle/>
+          <a:p>
+            <a:r>
+              <a:rPr lang="en-CA" dirty="0"/>
+              <a:t>Dry Lab Section Milestones</a:t>
+            </a:r>
+          </a:p>
+          <a:p>
+            <a:r>
+              <a:rPr lang="en-CA" dirty="0"/>
+              <a:t>None currently underway</a:t>
+            </a:r>
+          </a:p>
+          <a:p>
+            <a:endParaRPr lang="en-CA" dirty="0"/>
+          </a:p>
+        </p:txBody>
+      </p:sp>
+      <p:sp>
+        <p:nvSpPr>
+          <p:cNvPr id="3" name="Plus 2">
+            <a:hlinkClick r:id="rId3" action="ppaction://hlinksldjump"/>
+          </p:cNvPr>
+          <p:cNvSpPr/>
+          <p:nvPr/>
+        </p:nvSpPr>
+        <p:spPr>
+          <a:xfrm>
+            <a:off x="6907427" y="4040659"/>
+            <a:ext cx="308919" cy="271849"/>
+          </a:xfrm>
+          <a:prstGeom prst="mathPlus">
+            <a:avLst/>
+          </a:prstGeom>
+        </p:spPr>
+        <p:style>
+          <a:lnRef idx="2">
+            <a:schemeClr val="accent1">
+              <a:shade val="50000"/>
+            </a:schemeClr>
+          </a:lnRef>
+          <a:fillRef idx="1">
+            <a:schemeClr val="accent1"/>
+          </a:fillRef>
+          <a:effectRef idx="0">
+            <a:schemeClr val="accent1"/>
+          </a:effectRef>
+          <a:fontRef idx="minor">
+            <a:schemeClr val="lt1"/>
+          </a:fontRef>
+        </p:style>
+        <p:txBody>
+          <a:bodyPr rtlCol="0" anchor="ctr"/>
+          <a:lstStyle/>
+          <a:p>
+            <a:pPr algn="ctr"/>
+            <a:endParaRPr lang="en-CA"/>
+          </a:p>
+        </p:txBody>
+      </p:sp>
+    </p:spTree>
+    <p:extLst>
+      <p:ext uri="{BB962C8B-B14F-4D97-AF65-F5344CB8AC3E}">
+        <p14:creationId xmlns:p14="http://schemas.microsoft.com/office/powerpoint/2010/main" val="119335570"/>
+      </p:ext>
+    </p:extLst>
+  </p:cSld>
+  <p:clrMapOvr>
+    <a:masterClrMapping/>
+  </p:clrMapOvr>
+</p:sld>
+</file>
+
+<file path=ppt/slides/slide12.xml><?xml version="1.0" encoding="utf-8"?>
+<p:sld xmlns:a="http://schemas.openxmlformats.org/drawingml/2006/main" xmlns:r="http://schemas.openxmlformats.org/officeDocument/2006/relationships" xmlns:p="http://schemas.openxmlformats.org/presentationml/2006/main">
+  <p:cSld>
+    <p:spTree>
+      <p:nvGrpSpPr>
+        <p:cNvPr id="1" name=""/>
+        <p:cNvGrpSpPr/>
+        <p:nvPr/>
+      </p:nvGrpSpPr>
+      <p:grpSpPr>
+        <a:xfrm>
+          <a:off x="0" y="0"/>
+          <a:ext cx="0" cy="0"/>
+          <a:chOff x="0" y="0"/>
+          <a:chExt cx="0" cy="0"/>
+        </a:xfrm>
+      </p:grpSpPr>
+      <p:sp>
+        <p:nvSpPr>
+          <p:cNvPr id="2" name="Title 1"/>
+          <p:cNvSpPr>
+            <a:spLocks noGrp="1"/>
+          </p:cNvSpPr>
+          <p:nvPr>
+            <p:ph type="title"/>
+          </p:nvPr>
+        </p:nvSpPr>
+        <p:spPr/>
+        <p:txBody>
+          <a:bodyPr/>
+          <a:lstStyle/>
+          <a:p>
+            <a:r>
+              <a:rPr lang="en-CA" dirty="0"/>
+              <a:t>One Final Thought on Analysis</a:t>
+            </a:r>
+          </a:p>
+        </p:txBody>
+      </p:sp>
+      <p:sp>
+        <p:nvSpPr>
+          <p:cNvPr id="4" name="Content Placeholder 2"/>
+          <p:cNvSpPr>
+            <a:spLocks noGrp="1"/>
+          </p:cNvSpPr>
+          <p:nvPr>
+            <p:ph idx="1"/>
+          </p:nvPr>
+        </p:nvSpPr>
+        <p:spPr>
+          <a:xfrm>
+            <a:off x="838200" y="1825625"/>
+            <a:ext cx="10515600" cy="4351338"/>
+          </a:xfrm>
+        </p:spPr>
+        <p:txBody>
+          <a:bodyPr/>
+          <a:lstStyle/>
+          <a:p>
+            <a:r>
+              <a:rPr lang="en-CA" dirty="0"/>
+              <a:t>Used ACE model</a:t>
+            </a:r>
+          </a:p>
+          <a:p>
+            <a:pPr lvl="1"/>
+            <a:r>
+              <a:rPr lang="en-CA" dirty="0"/>
+              <a:t>A (additive genetics)</a:t>
+            </a:r>
+          </a:p>
+          <a:p>
+            <a:pPr lvl="2"/>
+            <a:r>
+              <a:rPr lang="en-CA" dirty="0"/>
+              <a:t>A = 2 * (</a:t>
+            </a:r>
+            <a:r>
+              <a:rPr lang="en-CA" dirty="0" err="1"/>
+              <a:t>r</a:t>
+            </a:r>
+            <a:r>
+              <a:rPr lang="en-CA" baseline="-25000" dirty="0" err="1"/>
+              <a:t>mz</a:t>
+            </a:r>
+            <a:r>
+              <a:rPr lang="en-CA" dirty="0"/>
+              <a:t> – </a:t>
+            </a:r>
+            <a:r>
+              <a:rPr lang="en-CA" dirty="0" err="1"/>
+              <a:t>r</a:t>
+            </a:r>
+            <a:r>
+              <a:rPr lang="en-CA" baseline="-25000" dirty="0" err="1"/>
+              <a:t>dz</a:t>
+            </a:r>
+            <a:r>
+              <a:rPr lang="en-CA" dirty="0"/>
+              <a:t>) </a:t>
+            </a:r>
+          </a:p>
+          <a:p>
+            <a:pPr lvl="3"/>
+            <a:r>
+              <a:rPr lang="en-CA" dirty="0" err="1"/>
+              <a:t>r</a:t>
+            </a:r>
+            <a:r>
+              <a:rPr lang="en-CA" baseline="-25000" dirty="0" err="1"/>
+              <a:t>mz</a:t>
+            </a:r>
+            <a:r>
+              <a:rPr lang="en-CA" dirty="0"/>
+              <a:t> = correlation of trait in identical twins</a:t>
+            </a:r>
+          </a:p>
+          <a:p>
+            <a:pPr lvl="3"/>
+            <a:r>
+              <a:rPr lang="en-CA" dirty="0" err="1"/>
+              <a:t>r</a:t>
+            </a:r>
+            <a:r>
+              <a:rPr lang="en-CA" baseline="-25000" dirty="0" err="1"/>
+              <a:t>dz</a:t>
+            </a:r>
+            <a:r>
+              <a:rPr lang="en-CA" dirty="0"/>
+              <a:t> = correlation of trait in fraternal twins</a:t>
+            </a:r>
+          </a:p>
+          <a:p>
+            <a:pPr lvl="1"/>
+            <a:r>
+              <a:rPr lang="en-CA" dirty="0"/>
+              <a:t>C (common environment)</a:t>
+            </a:r>
+          </a:p>
+          <a:p>
+            <a:pPr lvl="2"/>
+            <a:r>
+              <a:rPr lang="en-CA" dirty="0"/>
+              <a:t>C = </a:t>
+            </a:r>
+            <a:r>
+              <a:rPr lang="en-CA" dirty="0" err="1"/>
+              <a:t>r</a:t>
+            </a:r>
+            <a:r>
+              <a:rPr lang="en-CA" baseline="-25000" dirty="0" err="1"/>
+              <a:t>mz</a:t>
+            </a:r>
+            <a:r>
+              <a:rPr lang="en-CA" dirty="0"/>
+              <a:t> - A</a:t>
+            </a:r>
+          </a:p>
+          <a:p>
+            <a:pPr lvl="1"/>
+            <a:r>
+              <a:rPr lang="en-CA" dirty="0"/>
+              <a:t>E (unique environment)</a:t>
+            </a:r>
+          </a:p>
+          <a:p>
+            <a:pPr lvl="2"/>
+            <a:r>
+              <a:rPr lang="en-CA" dirty="0"/>
+              <a:t>E = 1 – </a:t>
+            </a:r>
+            <a:r>
+              <a:rPr lang="en-CA" dirty="0" err="1"/>
+              <a:t>r</a:t>
+            </a:r>
+            <a:r>
+              <a:rPr lang="en-CA" baseline="-25000" dirty="0" err="1"/>
+              <a:t>mz</a:t>
+            </a:r>
+            <a:endParaRPr lang="en-CA" baseline="-25000" dirty="0"/>
+          </a:p>
+          <a:p>
+            <a:r>
+              <a:rPr lang="en-CA" dirty="0"/>
+              <a:t>Falconer’s formula to calculate Heritability</a:t>
+            </a:r>
+          </a:p>
+          <a:p>
+            <a:pPr lvl="1"/>
+            <a:r>
+              <a:rPr lang="en-CA" dirty="0"/>
+              <a:t>H2 = A = 2 * (</a:t>
+            </a:r>
+            <a:r>
+              <a:rPr lang="en-CA" dirty="0" err="1"/>
+              <a:t>r</a:t>
+            </a:r>
+            <a:r>
+              <a:rPr lang="en-CA" baseline="-25000" dirty="0" err="1"/>
+              <a:t>mz</a:t>
+            </a:r>
+            <a:r>
+              <a:rPr lang="en-CA" dirty="0"/>
+              <a:t> – </a:t>
+            </a:r>
+            <a:r>
+              <a:rPr lang="en-CA" dirty="0" err="1"/>
+              <a:t>r</a:t>
+            </a:r>
+            <a:r>
+              <a:rPr lang="en-CA" baseline="-25000" dirty="0" err="1"/>
+              <a:t>dz</a:t>
+            </a:r>
+            <a:r>
+              <a:rPr lang="en-CA" dirty="0"/>
+              <a:t>) </a:t>
+            </a:r>
+          </a:p>
+          <a:p>
+            <a:pPr marL="457200" lvl="1" indent="0">
+              <a:buNone/>
+            </a:pPr>
+            <a:endParaRPr lang="en-CA" dirty="0"/>
+          </a:p>
+          <a:p>
+            <a:pPr marL="457200" lvl="1" indent="0">
+              <a:buNone/>
+            </a:pPr>
+            <a:endParaRPr lang="en-CA" dirty="0"/>
+          </a:p>
+        </p:txBody>
+      </p:sp>
+      <p:pic>
+        <p:nvPicPr>
+          <p:cNvPr id="5" name="Picture 4" descr="http://img.dailymail.co.uk/i/pix/2007/12_04/TwinsL_228x364.jpg"/>
+          <p:cNvPicPr>
+            <a:picLocks noChangeAspect="1" noChangeArrowheads="1"/>
+          </p:cNvPicPr>
+          <p:nvPr/>
+        </p:nvPicPr>
+        <p:blipFill>
+          <a:blip r:embed="rId2">
+            <a:extLst>
+              <a:ext uri="{28A0092B-C50C-407E-A947-70E740481C1C}">
+                <a14:useLocalDpi xmlns:a14="http://schemas.microsoft.com/office/drawing/2010/main" val="0"/>
+              </a:ext>
+            </a:extLst>
+          </a:blip>
+          <a:srcRect/>
+          <a:stretch>
+            <a:fillRect/>
+          </a:stretch>
+        </p:blipFill>
+        <p:spPr bwMode="auto">
+          <a:xfrm>
+            <a:off x="7895647" y="1279408"/>
+            <a:ext cx="3074840" cy="4908955"/>
+          </a:xfrm>
+          <a:prstGeom prst="rect">
+            <a:avLst/>
+          </a:prstGeom>
+          <a:noFill/>
+          <a:extLst>
+            <a:ext uri="{909E8E84-426E-40DD-AFC4-6F175D3DCCD1}">
+              <a14:hiddenFill xmlns:a14="http://schemas.microsoft.com/office/drawing/2010/main">
+                <a:solidFill>
+                  <a:srgbClr val="FFFFFF"/>
+                </a:solidFill>
+              </a14:hiddenFill>
+            </a:ext>
+          </a:extLst>
+        </p:spPr>
+      </p:pic>
+    </p:spTree>
+    <p:extLst>
+      <p:ext uri="{BB962C8B-B14F-4D97-AF65-F5344CB8AC3E}">
+        <p14:creationId xmlns:p14="http://schemas.microsoft.com/office/powerpoint/2010/main" val="179136771"/>
+      </p:ext>
+    </p:extLst>
+  </p:cSld>
+  <p:clrMapOvr>
+    <a:masterClrMapping/>
+  </p:clrMapOvr>
+</p:sld>
+</file>
+
+<file path=ppt/slides/slide13.xml><?xml version="1.0" encoding="utf-8"?>
+<p:sld xmlns:a="http://schemas.openxmlformats.org/drawingml/2006/main" xmlns:r="http://schemas.openxmlformats.org/officeDocument/2006/relationships" xmlns:p="http://schemas.openxmlformats.org/presentationml/2006/main">
+  <p:cSld>
+    <p:spTree>
+      <p:nvGrpSpPr>
+        <p:cNvPr id="1" name=""/>
+        <p:cNvGrpSpPr/>
+        <p:nvPr/>
+      </p:nvGrpSpPr>
+      <p:grpSpPr>
+        <a:xfrm>
+          <a:off x="0" y="0"/>
+          <a:ext cx="0" cy="0"/>
+          <a:chOff x="0" y="0"/>
+          <a:chExt cx="0" cy="0"/>
+        </a:xfrm>
+      </p:grpSpPr>
+      <p:sp>
+        <p:nvSpPr>
+          <p:cNvPr id="2" name="Title 1"/>
+          <p:cNvSpPr>
+            <a:spLocks noGrp="1"/>
+          </p:cNvSpPr>
+          <p:nvPr>
+            <p:ph type="title"/>
+          </p:nvPr>
+        </p:nvSpPr>
+        <p:spPr/>
+        <p:txBody>
+          <a:bodyPr/>
+          <a:lstStyle/>
+          <a:p>
+            <a:r>
+              <a:rPr lang="en-CA" dirty="0"/>
+              <a:t>One Final Thought on Analysis</a:t>
+            </a:r>
+          </a:p>
+        </p:txBody>
+      </p:sp>
+      <p:sp>
+        <p:nvSpPr>
+          <p:cNvPr id="3" name="TextBox 2"/>
+          <p:cNvSpPr txBox="1"/>
+          <p:nvPr/>
+        </p:nvSpPr>
+        <p:spPr>
+          <a:xfrm>
+            <a:off x="519764" y="1530415"/>
+            <a:ext cx="6770251" cy="369332"/>
+          </a:xfrm>
+          <a:prstGeom prst="rect">
+            <a:avLst/>
+          </a:prstGeom>
+          <a:noFill/>
+        </p:spPr>
+        <p:txBody>
+          <a:bodyPr wrap="none" rtlCol="0">
+            <a:spAutoFit/>
+          </a:bodyPr>
+          <a:lstStyle/>
+          <a:p>
+            <a:r>
+              <a:rPr lang="en-CA" dirty="0"/>
+              <a:t>All previous Genotype microbiome studies (e.g. Goodrich, et al. 2016):</a:t>
+            </a:r>
+          </a:p>
+        </p:txBody>
+      </p:sp>
+      <p:grpSp>
+        <p:nvGrpSpPr>
+          <p:cNvPr id="19" name="Group 18"/>
+          <p:cNvGrpSpPr/>
+          <p:nvPr/>
+        </p:nvGrpSpPr>
+        <p:grpSpPr>
+          <a:xfrm>
+            <a:off x="2230654" y="3049202"/>
+            <a:ext cx="6458552" cy="1072417"/>
+            <a:chOff x="510139" y="2077450"/>
+            <a:chExt cx="6458552" cy="1072417"/>
+          </a:xfrm>
+        </p:grpSpPr>
+        <p:grpSp>
+          <p:nvGrpSpPr>
+            <p:cNvPr id="10" name="Group 9"/>
+            <p:cNvGrpSpPr/>
+            <p:nvPr/>
+          </p:nvGrpSpPr>
+          <p:grpSpPr>
+            <a:xfrm>
+              <a:off x="510139" y="2077450"/>
+              <a:ext cx="6458552" cy="1072417"/>
+              <a:chOff x="519764" y="2356583"/>
+              <a:chExt cx="7363327" cy="1618649"/>
+            </a:xfrm>
+          </p:grpSpPr>
+          <p:sp>
+            <p:nvSpPr>
+              <p:cNvPr id="4" name="Oval 3"/>
+              <p:cNvSpPr/>
+              <p:nvPr/>
+            </p:nvSpPr>
+            <p:spPr>
+              <a:xfrm>
+                <a:off x="519764" y="2377438"/>
+                <a:ext cx="1607419" cy="625643"/>
+              </a:xfrm>
+              <a:prstGeom prst="ellipse">
+                <a:avLst/>
+              </a:prstGeom>
+              <a:solidFill>
+                <a:schemeClr val="accent4">
+                  <a:lumMod val="75000"/>
+                  <a:alpha val="58000"/>
+                </a:schemeClr>
+              </a:solidFill>
+              <a:ln>
+                <a:solidFill>
+                  <a:schemeClr val="accent4">
+                    <a:lumMod val="75000"/>
+                  </a:schemeClr>
+                </a:solidFill>
+              </a:ln>
+            </p:spPr>
+            <p:style>
+              <a:lnRef idx="2">
+                <a:schemeClr val="accent1">
+                  <a:shade val="50000"/>
+                </a:schemeClr>
+              </a:lnRef>
+              <a:fillRef idx="1">
+                <a:schemeClr val="accent1"/>
+              </a:fillRef>
+              <a:effectRef idx="0">
+                <a:schemeClr val="accent1"/>
+              </a:effectRef>
+              <a:fontRef idx="minor">
+                <a:schemeClr val="lt1"/>
+              </a:fontRef>
+            </p:style>
+            <p:txBody>
+              <a:bodyPr rtlCol="0" anchor="ctr"/>
+              <a:lstStyle/>
+              <a:p>
+                <a:pPr algn="ctr"/>
+                <a:r>
+                  <a:rPr lang="en-CA" sz="1100" dirty="0"/>
+                  <a:t>Genotype</a:t>
+                </a:r>
+              </a:p>
+            </p:txBody>
+          </p:sp>
+          <p:sp>
+            <p:nvSpPr>
+              <p:cNvPr id="5" name="Right Arrow 4"/>
+              <p:cNvSpPr/>
+              <p:nvPr/>
+            </p:nvSpPr>
+            <p:spPr>
+              <a:xfrm>
+                <a:off x="2290811" y="2512192"/>
+                <a:ext cx="847023" cy="327259"/>
+              </a:xfrm>
+              <a:prstGeom prst="rightArrow">
+                <a:avLst/>
+              </a:prstGeom>
+            </p:spPr>
+            <p:style>
+              <a:lnRef idx="2">
+                <a:schemeClr val="accent1">
+                  <a:shade val="50000"/>
+                </a:schemeClr>
+              </a:lnRef>
+              <a:fillRef idx="1">
+                <a:schemeClr val="accent1"/>
+              </a:fillRef>
+              <a:effectRef idx="0">
+                <a:schemeClr val="accent1"/>
+              </a:effectRef>
+              <a:fontRef idx="minor">
+                <a:schemeClr val="lt1"/>
+              </a:fontRef>
+            </p:style>
+            <p:txBody>
+              <a:bodyPr rtlCol="0" anchor="ctr"/>
+              <a:lstStyle/>
+              <a:p>
+                <a:pPr algn="ctr"/>
+                <a:endParaRPr lang="en-CA"/>
+              </a:p>
+            </p:txBody>
+          </p:sp>
+          <p:sp>
+            <p:nvSpPr>
+              <p:cNvPr id="6" name="Oval 5"/>
+              <p:cNvSpPr/>
+              <p:nvPr/>
+            </p:nvSpPr>
+            <p:spPr>
+              <a:xfrm>
+                <a:off x="3242109" y="2356583"/>
+                <a:ext cx="1888156" cy="625643"/>
+              </a:xfrm>
+              <a:prstGeom prst="ellipse">
+                <a:avLst/>
+              </a:prstGeom>
+              <a:solidFill>
+                <a:schemeClr val="accent4">
+                  <a:lumMod val="75000"/>
+                  <a:alpha val="58000"/>
+                </a:schemeClr>
+              </a:solidFill>
+              <a:ln>
+                <a:solidFill>
+                  <a:schemeClr val="accent4">
+                    <a:lumMod val="75000"/>
+                  </a:schemeClr>
+                </a:solidFill>
+              </a:ln>
+            </p:spPr>
+            <p:style>
+              <a:lnRef idx="2">
+                <a:schemeClr val="accent1">
+                  <a:shade val="50000"/>
+                </a:schemeClr>
+              </a:lnRef>
+              <a:fillRef idx="1">
+                <a:schemeClr val="accent1"/>
+              </a:fillRef>
+              <a:effectRef idx="0">
+                <a:schemeClr val="accent1"/>
+              </a:effectRef>
+              <a:fontRef idx="minor">
+                <a:schemeClr val="lt1"/>
+              </a:fontRef>
+            </p:style>
+            <p:txBody>
+              <a:bodyPr rtlCol="0" anchor="ctr"/>
+              <a:lstStyle/>
+              <a:p>
+                <a:pPr algn="ctr"/>
+                <a:r>
+                  <a:rPr lang="en-CA" sz="1100" dirty="0"/>
+                  <a:t>Microbiome</a:t>
+                </a:r>
+              </a:p>
+            </p:txBody>
+          </p:sp>
+          <p:sp>
+            <p:nvSpPr>
+              <p:cNvPr id="8" name="Oval 7"/>
+              <p:cNvSpPr/>
+              <p:nvPr/>
+            </p:nvSpPr>
+            <p:spPr>
+              <a:xfrm>
+                <a:off x="6168206" y="2365406"/>
+                <a:ext cx="1714885" cy="625643"/>
+              </a:xfrm>
+              <a:prstGeom prst="ellipse">
+                <a:avLst/>
+              </a:prstGeom>
+              <a:solidFill>
+                <a:schemeClr val="accent4">
+                  <a:lumMod val="75000"/>
+                  <a:alpha val="58000"/>
+                </a:schemeClr>
+              </a:solidFill>
+              <a:ln>
+                <a:solidFill>
+                  <a:schemeClr val="accent4">
+                    <a:lumMod val="75000"/>
+                  </a:schemeClr>
+                </a:solidFill>
+              </a:ln>
+            </p:spPr>
+            <p:style>
+              <a:lnRef idx="2">
+                <a:schemeClr val="accent1">
+                  <a:shade val="50000"/>
+                </a:schemeClr>
+              </a:lnRef>
+              <a:fillRef idx="1">
+                <a:schemeClr val="accent1"/>
+              </a:fillRef>
+              <a:effectRef idx="0">
+                <a:schemeClr val="accent1"/>
+              </a:effectRef>
+              <a:fontRef idx="minor">
+                <a:schemeClr val="lt1"/>
+              </a:fontRef>
+            </p:style>
+            <p:txBody>
+              <a:bodyPr rtlCol="0" anchor="ctr"/>
+              <a:lstStyle/>
+              <a:p>
+                <a:pPr algn="ctr"/>
+                <a:r>
+                  <a:rPr lang="en-CA" sz="1100" dirty="0"/>
+                  <a:t>Phenotype</a:t>
+                </a:r>
+              </a:p>
+            </p:txBody>
+          </p:sp>
+          <p:sp>
+            <p:nvSpPr>
+              <p:cNvPr id="9" name="Curved Up Arrow 8"/>
+              <p:cNvSpPr/>
+              <p:nvPr/>
+            </p:nvSpPr>
+            <p:spPr>
+              <a:xfrm>
+                <a:off x="1578543" y="3157084"/>
+                <a:ext cx="5794409" cy="818148"/>
+              </a:xfrm>
+              <a:prstGeom prst="curvedUpArrow">
+                <a:avLst/>
+              </a:prstGeom>
+            </p:spPr>
+            <p:style>
+              <a:lnRef idx="2">
+                <a:schemeClr val="accent1">
+                  <a:shade val="50000"/>
+                </a:schemeClr>
+              </a:lnRef>
+              <a:fillRef idx="1">
+                <a:schemeClr val="accent1"/>
+              </a:fillRef>
+              <a:effectRef idx="0">
+                <a:schemeClr val="accent1"/>
+              </a:effectRef>
+              <a:fontRef idx="minor">
+                <a:schemeClr val="lt1"/>
+              </a:fontRef>
+            </p:style>
+            <p:txBody>
+              <a:bodyPr rtlCol="0" anchor="ctr"/>
+              <a:lstStyle/>
+              <a:p>
+                <a:pPr algn="ctr"/>
+                <a:endParaRPr lang="en-CA">
+                  <a:solidFill>
+                    <a:schemeClr val="tx1"/>
+                  </a:solidFill>
+                </a:endParaRPr>
+              </a:p>
+            </p:txBody>
+          </p:sp>
+        </p:grpSp>
+        <p:sp>
+          <p:nvSpPr>
+            <p:cNvPr id="11" name="Left-Right Arrow 10"/>
+            <p:cNvSpPr/>
+            <p:nvPr/>
+          </p:nvSpPr>
+          <p:spPr>
+            <a:xfrm>
+              <a:off x="4591250" y="2184935"/>
+              <a:ext cx="837398" cy="192505"/>
+            </a:xfrm>
+            <a:prstGeom prst="leftRightArrow">
+              <a:avLst/>
+            </a:prstGeom>
+          </p:spPr>
+          <p:style>
+            <a:lnRef idx="2">
+              <a:schemeClr val="accent1">
+                <a:shade val="50000"/>
+              </a:schemeClr>
+            </a:lnRef>
+            <a:fillRef idx="1">
+              <a:schemeClr val="accent1"/>
+            </a:fillRef>
+            <a:effectRef idx="0">
+              <a:schemeClr val="accent1"/>
+            </a:effectRef>
+            <a:fontRef idx="minor">
+              <a:schemeClr val="lt1"/>
+            </a:fontRef>
+          </p:style>
+          <p:txBody>
+            <a:bodyPr rtlCol="0" anchor="ctr"/>
+            <a:lstStyle/>
+            <a:p>
+              <a:pPr algn="ctr"/>
+              <a:endParaRPr lang="en-CA"/>
+            </a:p>
+          </p:txBody>
+        </p:sp>
+      </p:grpSp>
+      <p:sp>
+        <p:nvSpPr>
+          <p:cNvPr id="28" name="Rectangle 27"/>
+          <p:cNvSpPr/>
+          <p:nvPr/>
+        </p:nvSpPr>
+        <p:spPr>
+          <a:xfrm>
+            <a:off x="2134401" y="2983431"/>
+            <a:ext cx="1607419" cy="567891"/>
+          </a:xfrm>
+          <a:prstGeom prst="rect">
+            <a:avLst/>
+          </a:prstGeom>
+          <a:noFill/>
+          <a:ln w="31750">
+            <a:solidFill>
+              <a:srgbClr val="FF0000"/>
+            </a:solidFill>
+          </a:ln>
+        </p:spPr>
+        <p:style>
+          <a:lnRef idx="2">
+            <a:schemeClr val="accent1">
+              <a:shade val="50000"/>
+            </a:schemeClr>
+          </a:lnRef>
+          <a:fillRef idx="1">
+            <a:schemeClr val="accent1"/>
+          </a:fillRef>
+          <a:effectRef idx="0">
+            <a:schemeClr val="accent1"/>
+          </a:effectRef>
+          <a:fontRef idx="minor">
+            <a:schemeClr val="lt1"/>
+          </a:fontRef>
+        </p:style>
+        <p:txBody>
+          <a:bodyPr rtlCol="0" anchor="ctr"/>
+          <a:lstStyle/>
+          <a:p>
+            <a:pPr algn="ctr"/>
+            <a:endParaRPr lang="en-CA"/>
+          </a:p>
+        </p:txBody>
+      </p:sp>
+      <p:sp>
+        <p:nvSpPr>
+          <p:cNvPr id="29" name="TextBox 28"/>
+          <p:cNvSpPr txBox="1"/>
+          <p:nvPr/>
+        </p:nvSpPr>
+        <p:spPr>
+          <a:xfrm>
+            <a:off x="652433" y="4345644"/>
+            <a:ext cx="2621295" cy="369332"/>
+          </a:xfrm>
+          <a:prstGeom prst="rect">
+            <a:avLst/>
+          </a:prstGeom>
+          <a:noFill/>
+        </p:spPr>
+        <p:txBody>
+          <a:bodyPr wrap="none" rtlCol="0">
+            <a:spAutoFit/>
+          </a:bodyPr>
+          <a:lstStyle/>
+          <a:p>
+            <a:r>
+              <a:rPr lang="en-CA" dirty="0"/>
+              <a:t>An alternative hypothesis </a:t>
+            </a:r>
+          </a:p>
+        </p:txBody>
+      </p:sp>
+      <p:sp>
+        <p:nvSpPr>
+          <p:cNvPr id="30" name="Oval 29"/>
+          <p:cNvSpPr/>
+          <p:nvPr/>
+        </p:nvSpPr>
+        <p:spPr>
+          <a:xfrm>
+            <a:off x="1668379" y="6071634"/>
+            <a:ext cx="1409906" cy="414512"/>
+          </a:xfrm>
+          <a:prstGeom prst="ellipse">
+            <a:avLst/>
+          </a:prstGeom>
+          <a:solidFill>
+            <a:schemeClr val="accent4">
+              <a:lumMod val="75000"/>
+              <a:alpha val="58000"/>
+            </a:schemeClr>
+          </a:solidFill>
+          <a:ln>
+            <a:solidFill>
+              <a:schemeClr val="accent4">
+                <a:lumMod val="75000"/>
+              </a:schemeClr>
+            </a:solidFill>
+          </a:ln>
+        </p:spPr>
+        <p:style>
+          <a:lnRef idx="2">
+            <a:schemeClr val="accent1">
+              <a:shade val="50000"/>
+            </a:schemeClr>
+          </a:lnRef>
+          <a:fillRef idx="1">
+            <a:schemeClr val="accent1"/>
+          </a:fillRef>
+          <a:effectRef idx="0">
+            <a:schemeClr val="accent1"/>
+          </a:effectRef>
+          <a:fontRef idx="minor">
+            <a:schemeClr val="lt1"/>
+          </a:fontRef>
+        </p:style>
+        <p:txBody>
+          <a:bodyPr rtlCol="0" anchor="ctr"/>
+          <a:lstStyle/>
+          <a:p>
+            <a:pPr algn="ctr"/>
+            <a:r>
+              <a:rPr lang="en-CA" sz="1100" dirty="0"/>
+              <a:t>Genotype</a:t>
+            </a:r>
+          </a:p>
+        </p:txBody>
+      </p:sp>
+      <p:sp>
+        <p:nvSpPr>
+          <p:cNvPr id="31" name="Oval 30"/>
+          <p:cNvSpPr/>
+          <p:nvPr/>
+        </p:nvSpPr>
+        <p:spPr>
+          <a:xfrm>
+            <a:off x="7014058" y="6080437"/>
+            <a:ext cx="1656147" cy="414512"/>
+          </a:xfrm>
+          <a:prstGeom prst="ellipse">
+            <a:avLst/>
+          </a:prstGeom>
+          <a:solidFill>
+            <a:schemeClr val="accent4">
+              <a:lumMod val="75000"/>
+              <a:alpha val="58000"/>
+            </a:schemeClr>
+          </a:solidFill>
+          <a:ln>
+            <a:solidFill>
+              <a:schemeClr val="accent4">
+                <a:lumMod val="75000"/>
+              </a:schemeClr>
+            </a:solidFill>
+          </a:ln>
+        </p:spPr>
+        <p:style>
+          <a:lnRef idx="2">
+            <a:schemeClr val="accent1">
+              <a:shade val="50000"/>
+            </a:schemeClr>
+          </a:lnRef>
+          <a:fillRef idx="1">
+            <a:schemeClr val="accent1"/>
+          </a:fillRef>
+          <a:effectRef idx="0">
+            <a:schemeClr val="accent1"/>
+          </a:effectRef>
+          <a:fontRef idx="minor">
+            <a:schemeClr val="lt1"/>
+          </a:fontRef>
+        </p:style>
+        <p:txBody>
+          <a:bodyPr rtlCol="0" anchor="ctr"/>
+          <a:lstStyle/>
+          <a:p>
+            <a:pPr algn="ctr"/>
+            <a:r>
+              <a:rPr lang="en-CA" sz="1100" dirty="0"/>
+              <a:t>Microbiome</a:t>
+            </a:r>
+          </a:p>
+        </p:txBody>
+      </p:sp>
+      <p:sp>
+        <p:nvSpPr>
+          <p:cNvPr id="32" name="Oval 31"/>
+          <p:cNvSpPr/>
+          <p:nvPr/>
+        </p:nvSpPr>
+        <p:spPr>
+          <a:xfrm>
+            <a:off x="4395478" y="6060776"/>
+            <a:ext cx="1504167" cy="414512"/>
+          </a:xfrm>
+          <a:prstGeom prst="ellipse">
+            <a:avLst/>
+          </a:prstGeom>
+          <a:solidFill>
+            <a:schemeClr val="accent4">
+              <a:lumMod val="75000"/>
+              <a:alpha val="58000"/>
+            </a:schemeClr>
+          </a:solidFill>
+          <a:ln>
+            <a:solidFill>
+              <a:schemeClr val="accent4">
+                <a:lumMod val="75000"/>
+              </a:schemeClr>
+            </a:solidFill>
+          </a:ln>
+        </p:spPr>
+        <p:style>
+          <a:lnRef idx="2">
+            <a:schemeClr val="accent1">
+              <a:shade val="50000"/>
+            </a:schemeClr>
+          </a:lnRef>
+          <a:fillRef idx="1">
+            <a:schemeClr val="accent1"/>
+          </a:fillRef>
+          <a:effectRef idx="0">
+            <a:schemeClr val="accent1"/>
+          </a:effectRef>
+          <a:fontRef idx="minor">
+            <a:schemeClr val="lt1"/>
+          </a:fontRef>
+        </p:style>
+        <p:txBody>
+          <a:bodyPr rtlCol="0" anchor="ctr"/>
+          <a:lstStyle/>
+          <a:p>
+            <a:pPr algn="ctr"/>
+            <a:r>
+              <a:rPr lang="en-CA" sz="1100" dirty="0"/>
+              <a:t>Phenotype</a:t>
+            </a:r>
+          </a:p>
+        </p:txBody>
+      </p:sp>
+      <p:sp>
+        <p:nvSpPr>
+          <p:cNvPr id="33" name="Oval 32"/>
+          <p:cNvSpPr/>
+          <p:nvPr/>
+        </p:nvSpPr>
+        <p:spPr>
+          <a:xfrm>
+            <a:off x="4590416" y="2094697"/>
+            <a:ext cx="1656147" cy="414512"/>
+          </a:xfrm>
+          <a:prstGeom prst="ellipse">
+            <a:avLst/>
+          </a:prstGeom>
+          <a:solidFill>
+            <a:schemeClr val="accent4">
+              <a:lumMod val="75000"/>
+              <a:alpha val="58000"/>
+            </a:schemeClr>
+          </a:solidFill>
+          <a:ln>
+            <a:solidFill>
+              <a:schemeClr val="accent4">
+                <a:lumMod val="75000"/>
+              </a:schemeClr>
+            </a:solidFill>
+          </a:ln>
+        </p:spPr>
+        <p:style>
+          <a:lnRef idx="2">
+            <a:schemeClr val="accent1">
+              <a:shade val="50000"/>
+            </a:schemeClr>
+          </a:lnRef>
+          <a:fillRef idx="1">
+            <a:schemeClr val="accent1"/>
+          </a:fillRef>
+          <a:effectRef idx="0">
+            <a:schemeClr val="accent1"/>
+          </a:effectRef>
+          <a:fontRef idx="minor">
+            <a:schemeClr val="lt1"/>
+          </a:fontRef>
+        </p:style>
+        <p:txBody>
+          <a:bodyPr rtlCol="0" anchor="ctr"/>
+          <a:lstStyle/>
+          <a:p>
+            <a:pPr algn="ctr"/>
+            <a:r>
+              <a:rPr lang="en-CA" sz="1100" dirty="0"/>
+              <a:t>Environment</a:t>
+            </a:r>
+          </a:p>
+        </p:txBody>
+      </p:sp>
+      <p:sp>
+        <p:nvSpPr>
+          <p:cNvPr id="34" name="Up-Down Arrow 33"/>
+          <p:cNvSpPr/>
+          <p:nvPr/>
+        </p:nvSpPr>
+        <p:spPr>
+          <a:xfrm>
+            <a:off x="5366084" y="2550695"/>
+            <a:ext cx="192505" cy="457200"/>
+          </a:xfrm>
+          <a:prstGeom prst="upDownArrow">
+            <a:avLst/>
+          </a:prstGeom>
+        </p:spPr>
+        <p:style>
+          <a:lnRef idx="2">
+            <a:schemeClr val="accent1">
+              <a:shade val="50000"/>
+            </a:schemeClr>
+          </a:lnRef>
+          <a:fillRef idx="1">
+            <a:schemeClr val="accent1"/>
+          </a:fillRef>
+          <a:effectRef idx="0">
+            <a:schemeClr val="accent1"/>
+          </a:effectRef>
+          <a:fontRef idx="minor">
+            <a:schemeClr val="lt1"/>
+          </a:fontRef>
+        </p:style>
+        <p:txBody>
+          <a:bodyPr rtlCol="0" anchor="ctr"/>
+          <a:lstStyle/>
+          <a:p>
+            <a:pPr algn="ctr"/>
+            <a:endParaRPr lang="en-CA"/>
+          </a:p>
+        </p:txBody>
+      </p:sp>
+      <p:sp>
+        <p:nvSpPr>
+          <p:cNvPr id="35" name="Curved Down Arrow 34"/>
+          <p:cNvSpPr/>
+          <p:nvPr/>
+        </p:nvSpPr>
+        <p:spPr>
+          <a:xfrm rot="1612626">
+            <a:off x="6241838" y="2079978"/>
+            <a:ext cx="2025069" cy="586046"/>
+          </a:xfrm>
+          <a:prstGeom prst="curvedDownArrow">
+            <a:avLst/>
+          </a:prstGeom>
+        </p:spPr>
+        <p:style>
+          <a:lnRef idx="2">
+            <a:schemeClr val="accent1">
+              <a:shade val="50000"/>
+            </a:schemeClr>
+          </a:lnRef>
+          <a:fillRef idx="1">
+            <a:schemeClr val="accent1"/>
+          </a:fillRef>
+          <a:effectRef idx="0">
+            <a:schemeClr val="accent1"/>
+          </a:effectRef>
+          <a:fontRef idx="minor">
+            <a:schemeClr val="lt1"/>
+          </a:fontRef>
+        </p:style>
+        <p:txBody>
+          <a:bodyPr rtlCol="0" anchor="ctr"/>
+          <a:lstStyle/>
+          <a:p>
+            <a:pPr algn="ctr"/>
+            <a:endParaRPr lang="en-CA">
+              <a:solidFill>
+                <a:schemeClr val="tx1"/>
+              </a:solidFill>
+            </a:endParaRPr>
+          </a:p>
+        </p:txBody>
+      </p:sp>
+      <p:sp>
+        <p:nvSpPr>
+          <p:cNvPr id="37" name="Oval 36"/>
+          <p:cNvSpPr/>
+          <p:nvPr/>
+        </p:nvSpPr>
+        <p:spPr>
+          <a:xfrm>
+            <a:off x="4251960" y="2791326"/>
+            <a:ext cx="2386584" cy="1046748"/>
+          </a:xfrm>
+          <a:prstGeom prst="ellipse">
+            <a:avLst/>
+          </a:prstGeom>
+          <a:noFill/>
+          <a:ln w="47625">
+            <a:solidFill>
+              <a:schemeClr val="accent6">
+                <a:lumMod val="75000"/>
+              </a:schemeClr>
+            </a:solidFill>
+            <a:prstDash val="lgDash"/>
+          </a:ln>
+        </p:spPr>
+        <p:style>
+          <a:lnRef idx="2">
+            <a:schemeClr val="accent1">
+              <a:shade val="50000"/>
+            </a:schemeClr>
+          </a:lnRef>
+          <a:fillRef idx="1">
+            <a:schemeClr val="accent1"/>
+          </a:fillRef>
+          <a:effectRef idx="0">
+            <a:schemeClr val="accent1"/>
+          </a:effectRef>
+          <a:fontRef idx="minor">
+            <a:schemeClr val="lt1"/>
+          </a:fontRef>
+        </p:style>
+        <p:txBody>
+          <a:bodyPr rtlCol="0" anchor="ctr"/>
+          <a:lstStyle/>
+          <a:p>
+            <a:pPr algn="ctr"/>
+            <a:endParaRPr lang="en-CA"/>
+          </a:p>
+        </p:txBody>
+      </p:sp>
+      <p:sp>
+        <p:nvSpPr>
+          <p:cNvPr id="38" name="Oval 37"/>
+          <p:cNvSpPr/>
+          <p:nvPr/>
+        </p:nvSpPr>
+        <p:spPr>
+          <a:xfrm>
+            <a:off x="4262023" y="5127457"/>
+            <a:ext cx="1656147" cy="414512"/>
+          </a:xfrm>
+          <a:prstGeom prst="ellipse">
+            <a:avLst/>
+          </a:prstGeom>
+          <a:solidFill>
+            <a:schemeClr val="accent4">
+              <a:lumMod val="75000"/>
+              <a:alpha val="58000"/>
+            </a:schemeClr>
+          </a:solidFill>
+          <a:ln>
+            <a:solidFill>
+              <a:schemeClr val="accent4">
+                <a:lumMod val="75000"/>
+              </a:schemeClr>
+            </a:solidFill>
+          </a:ln>
+        </p:spPr>
+        <p:style>
+          <a:lnRef idx="2">
+            <a:schemeClr val="accent1">
+              <a:shade val="50000"/>
+            </a:schemeClr>
+          </a:lnRef>
+          <a:fillRef idx="1">
+            <a:schemeClr val="accent1"/>
+          </a:fillRef>
+          <a:effectRef idx="0">
+            <a:schemeClr val="accent1"/>
+          </a:effectRef>
+          <a:fontRef idx="minor">
+            <a:schemeClr val="lt1"/>
+          </a:fontRef>
+        </p:style>
+        <p:txBody>
+          <a:bodyPr rtlCol="0" anchor="ctr"/>
+          <a:lstStyle/>
+          <a:p>
+            <a:pPr algn="ctr"/>
+            <a:r>
+              <a:rPr lang="en-CA" sz="1100" dirty="0"/>
+              <a:t>Environment</a:t>
+            </a:r>
+          </a:p>
+        </p:txBody>
+      </p:sp>
+      <p:sp>
+        <p:nvSpPr>
+          <p:cNvPr id="39" name="Right Arrow 38"/>
+          <p:cNvSpPr/>
+          <p:nvPr/>
+        </p:nvSpPr>
+        <p:spPr>
+          <a:xfrm rot="5400000">
+            <a:off x="4912069" y="5724852"/>
+            <a:ext cx="373870" cy="207865"/>
+          </a:xfrm>
+          <a:prstGeom prst="rightArrow">
+            <a:avLst/>
+          </a:prstGeom>
+        </p:spPr>
+        <p:style>
+          <a:lnRef idx="2">
+            <a:schemeClr val="accent1">
+              <a:shade val="50000"/>
+            </a:schemeClr>
+          </a:lnRef>
+          <a:fillRef idx="1">
+            <a:schemeClr val="accent1"/>
+          </a:fillRef>
+          <a:effectRef idx="0">
+            <a:schemeClr val="accent1"/>
+          </a:effectRef>
+          <a:fontRef idx="minor">
+            <a:schemeClr val="lt1"/>
+          </a:fontRef>
+        </p:style>
+        <p:txBody>
+          <a:bodyPr rtlCol="0" anchor="ctr"/>
+          <a:lstStyle/>
+          <a:p>
+            <a:pPr algn="ctr"/>
+            <a:endParaRPr lang="en-CA"/>
+          </a:p>
+        </p:txBody>
+      </p:sp>
+      <p:sp>
+        <p:nvSpPr>
+          <p:cNvPr id="41" name="Right Arrow 40"/>
+          <p:cNvSpPr/>
+          <p:nvPr/>
+        </p:nvSpPr>
+        <p:spPr>
+          <a:xfrm>
+            <a:off x="3348218" y="6163723"/>
+            <a:ext cx="742944" cy="216822"/>
+          </a:xfrm>
+          <a:prstGeom prst="rightArrow">
+            <a:avLst/>
+          </a:prstGeom>
+        </p:spPr>
+        <p:style>
+          <a:lnRef idx="2">
+            <a:schemeClr val="accent1">
+              <a:shade val="50000"/>
+            </a:schemeClr>
+          </a:lnRef>
+          <a:fillRef idx="1">
+            <a:schemeClr val="accent1"/>
+          </a:fillRef>
+          <a:effectRef idx="0">
+            <a:schemeClr val="accent1"/>
+          </a:effectRef>
+          <a:fontRef idx="minor">
+            <a:schemeClr val="lt1"/>
+          </a:fontRef>
+        </p:style>
+        <p:txBody>
+          <a:bodyPr rtlCol="0" anchor="ctr"/>
+          <a:lstStyle/>
+          <a:p>
+            <a:pPr algn="ctr"/>
+            <a:endParaRPr lang="en-CA"/>
+          </a:p>
+        </p:txBody>
+      </p:sp>
+      <p:sp>
+        <p:nvSpPr>
+          <p:cNvPr id="42" name="Left-Right Arrow 41"/>
+          <p:cNvSpPr/>
+          <p:nvPr/>
+        </p:nvSpPr>
+        <p:spPr>
+          <a:xfrm>
+            <a:off x="6006965" y="6216879"/>
+            <a:ext cx="837398" cy="192505"/>
+          </a:xfrm>
+          <a:prstGeom prst="leftRightArrow">
+            <a:avLst/>
+          </a:prstGeom>
+        </p:spPr>
+        <p:style>
+          <a:lnRef idx="2">
+            <a:schemeClr val="accent1">
+              <a:shade val="50000"/>
+            </a:schemeClr>
+          </a:lnRef>
+          <a:fillRef idx="1">
+            <a:schemeClr val="accent1"/>
+          </a:fillRef>
+          <a:effectRef idx="0">
+            <a:schemeClr val="accent1"/>
+          </a:effectRef>
+          <a:fontRef idx="minor">
+            <a:schemeClr val="lt1"/>
+          </a:fontRef>
+        </p:style>
+        <p:txBody>
+          <a:bodyPr rtlCol="0" anchor="ctr"/>
+          <a:lstStyle/>
+          <a:p>
+            <a:pPr algn="ctr"/>
+            <a:endParaRPr lang="en-CA"/>
+          </a:p>
+        </p:txBody>
+      </p:sp>
+      <p:sp>
+        <p:nvSpPr>
+          <p:cNvPr id="43" name="Curved Down Arrow 42"/>
+          <p:cNvSpPr/>
+          <p:nvPr/>
+        </p:nvSpPr>
+        <p:spPr>
+          <a:xfrm rot="1612626">
+            <a:off x="5936247" y="5077564"/>
+            <a:ext cx="2095251" cy="601469"/>
+          </a:xfrm>
+          <a:prstGeom prst="curvedDownArrow">
+            <a:avLst/>
+          </a:prstGeom>
+        </p:spPr>
+        <p:style>
+          <a:lnRef idx="2">
+            <a:schemeClr val="accent1">
+              <a:shade val="50000"/>
+            </a:schemeClr>
+          </a:lnRef>
+          <a:fillRef idx="1">
+            <a:schemeClr val="accent1"/>
+          </a:fillRef>
+          <a:effectRef idx="0">
+            <a:schemeClr val="accent1"/>
+          </a:effectRef>
+          <a:fontRef idx="minor">
+            <a:schemeClr val="lt1"/>
+          </a:fontRef>
+        </p:style>
+        <p:txBody>
+          <a:bodyPr rtlCol="0" anchor="ctr"/>
+          <a:lstStyle/>
+          <a:p>
+            <a:pPr algn="ctr"/>
+            <a:endParaRPr lang="en-CA">
+              <a:solidFill>
+                <a:schemeClr val="tx1"/>
+              </a:solidFill>
+            </a:endParaRPr>
+          </a:p>
+        </p:txBody>
+      </p:sp>
+      <p:sp>
+        <p:nvSpPr>
+          <p:cNvPr id="44" name="Oval 43"/>
+          <p:cNvSpPr/>
+          <p:nvPr/>
+        </p:nvSpPr>
+        <p:spPr>
+          <a:xfrm>
+            <a:off x="3919728" y="5714358"/>
+            <a:ext cx="2386584" cy="1046748"/>
+          </a:xfrm>
+          <a:prstGeom prst="ellipse">
+            <a:avLst/>
+          </a:prstGeom>
+          <a:noFill/>
+          <a:ln w="47625">
+            <a:solidFill>
+              <a:schemeClr val="accent6">
+                <a:lumMod val="75000"/>
+              </a:schemeClr>
+            </a:solidFill>
+            <a:prstDash val="lgDash"/>
+          </a:ln>
+        </p:spPr>
+        <p:style>
+          <a:lnRef idx="2">
+            <a:schemeClr val="accent1">
+              <a:shade val="50000"/>
+            </a:schemeClr>
+          </a:lnRef>
+          <a:fillRef idx="1">
+            <a:schemeClr val="accent1"/>
+          </a:fillRef>
+          <a:effectRef idx="0">
+            <a:schemeClr val="accent1"/>
+          </a:effectRef>
+          <a:fontRef idx="minor">
+            <a:schemeClr val="lt1"/>
+          </a:fontRef>
+        </p:style>
+        <p:txBody>
+          <a:bodyPr rtlCol="0" anchor="ctr"/>
+          <a:lstStyle/>
+          <a:p>
+            <a:pPr algn="ctr"/>
+            <a:endParaRPr lang="en-CA"/>
+          </a:p>
+        </p:txBody>
+      </p:sp>
+    </p:spTree>
+    <p:extLst>
+      <p:ext uri="{BB962C8B-B14F-4D97-AF65-F5344CB8AC3E}">
+        <p14:creationId xmlns:p14="http://schemas.microsoft.com/office/powerpoint/2010/main" val="1668891440"/>
+      </p:ext>
+    </p:extLst>
+  </p:cSld>
+  <p:clrMapOvr>
+    <a:masterClrMapping/>
+  </p:clrMapOvr>
+  <p:timing>
+    <p:tnLst>
+      <p:par>
+        <p:cTn id="1" dur="indefinite" restart="never" nodeType="tmRoot">
+          <p:childTnLst>
+            <p:seq concurrent="1" nextAc="seek">
+              <p:cTn id="2" dur="indefinite" nodeType="mainSeq">
+                <p:childTnLst>
+                  <p:par>
+                    <p:cTn id="3" fill="hold">
+                      <p:stCondLst>
+                        <p:cond delay="indefinite"/>
+                      </p:stCondLst>
+                      <p:childTnLst>
+                        <p:par>
+                          <p:cTn id="4" fill="hold">
+                            <p:stCondLst>
+                              <p:cond delay="0"/>
+                            </p:stCondLst>
+                            <p:childTnLst>
+                              <p:par>
+                                <p:cTn id="5" presetID="10" presetClass="entr" presetSubtype="0" fill="hold" grpId="0" nodeType="clickEffect">
+                                  <p:stCondLst>
+                                    <p:cond delay="0"/>
+                                  </p:stCondLst>
+                                  <p:childTnLst>
+                                    <p:set>
+                                      <p:cBhvr>
+                                        <p:cTn id="6" dur="1" fill="hold">
+                                          <p:stCondLst>
+                                            <p:cond delay="0"/>
+                                          </p:stCondLst>
+                                        </p:cTn>
+                                        <p:tgtEl>
+                                          <p:spTgt spid="28"/>
+                                        </p:tgtEl>
+                                        <p:attrNameLst>
+                                          <p:attrName>style.visibility</p:attrName>
+                                        </p:attrNameLst>
+                                      </p:cBhvr>
+                                      <p:to>
+                                        <p:strVal val="visible"/>
+                                      </p:to>
+                                    </p:set>
+                                    <p:animEffect transition="in" filter="fade">
+                                      <p:cBhvr>
+                                        <p:cTn id="7" dur="500"/>
+                                        <p:tgtEl>
+                                          <p:spTgt spid="28"/>
+                                        </p:tgtEl>
+                                      </p:cBhvr>
+                                    </p:animEffect>
+                                  </p:childTnLst>
+                                </p:cTn>
+                              </p:par>
+                            </p:childTnLst>
+                          </p:cTn>
+                        </p:par>
+                      </p:childTnLst>
+                    </p:cTn>
+                  </p:par>
+                  <p:par>
+                    <p:cTn id="8" fill="hold">
+                      <p:stCondLst>
+                        <p:cond delay="indefinite"/>
+                      </p:stCondLst>
+                      <p:childTnLst>
+                        <p:par>
+                          <p:cTn id="9" fill="hold">
+                            <p:stCondLst>
+                              <p:cond delay="0"/>
+                            </p:stCondLst>
+                            <p:childTnLst>
+                              <p:par>
+                                <p:cTn id="10" presetID="10" presetClass="entr" presetSubtype="0" fill="hold" grpId="0" nodeType="clickEffect">
+                                  <p:stCondLst>
+                                    <p:cond delay="0"/>
+                                  </p:stCondLst>
+                                  <p:childTnLst>
+                                    <p:set>
+                                      <p:cBhvr>
+                                        <p:cTn id="11" dur="1" fill="hold">
+                                          <p:stCondLst>
+                                            <p:cond delay="0"/>
+                                          </p:stCondLst>
+                                        </p:cTn>
+                                        <p:tgtEl>
+                                          <p:spTgt spid="37"/>
+                                        </p:tgtEl>
+                                        <p:attrNameLst>
+                                          <p:attrName>style.visibility</p:attrName>
+                                        </p:attrNameLst>
+                                      </p:cBhvr>
+                                      <p:to>
+                                        <p:strVal val="visible"/>
+                                      </p:to>
+                                    </p:set>
+                                    <p:animEffect transition="in" filter="fade">
+                                      <p:cBhvr>
+                                        <p:cTn id="12" dur="500"/>
+                                        <p:tgtEl>
+                                          <p:spTgt spid="37"/>
+                                        </p:tgtEl>
+                                      </p:cBhvr>
+                                    </p:animEffect>
+                                  </p:childTnLst>
+                                </p:cTn>
+                              </p:par>
+                            </p:childTnLst>
+                          </p:cTn>
+                        </p:par>
+                      </p:childTnLst>
+                    </p:cTn>
+                  </p:par>
+                  <p:par>
+                    <p:cTn id="13" fill="hold">
+                      <p:stCondLst>
+                        <p:cond delay="indefinite"/>
+                      </p:stCondLst>
+                      <p:childTnLst>
+                        <p:par>
+                          <p:cTn id="14" fill="hold">
+                            <p:stCondLst>
+                              <p:cond delay="0"/>
+                            </p:stCondLst>
+                            <p:childTnLst>
+                              <p:par>
+                                <p:cTn id="15" presetID="10" presetClass="entr" presetSubtype="0" fill="hold" grpId="0" nodeType="clickEffect">
+                                  <p:stCondLst>
+                                    <p:cond delay="0"/>
+                                  </p:stCondLst>
+                                  <p:childTnLst>
+                                    <p:set>
+                                      <p:cBhvr>
+                                        <p:cTn id="16" dur="1" fill="hold">
+                                          <p:stCondLst>
+                                            <p:cond delay="0"/>
+                                          </p:stCondLst>
+                                        </p:cTn>
+                                        <p:tgtEl>
+                                          <p:spTgt spid="30"/>
+                                        </p:tgtEl>
+                                        <p:attrNameLst>
+                                          <p:attrName>style.visibility</p:attrName>
+                                        </p:attrNameLst>
+                                      </p:cBhvr>
+                                      <p:to>
+                                        <p:strVal val="visible"/>
+                                      </p:to>
+                                    </p:set>
+                                    <p:animEffect transition="in" filter="fade">
+                                      <p:cBhvr>
+                                        <p:cTn id="17" dur="500"/>
+                                        <p:tgtEl>
+                                          <p:spTgt spid="30"/>
+                                        </p:tgtEl>
+                                      </p:cBhvr>
+                                    </p:animEffect>
+                                  </p:childTnLst>
+                                </p:cTn>
+                              </p:par>
+                              <p:par>
+                                <p:cTn id="18" presetID="10" presetClass="entr" presetSubtype="0" fill="hold" grpId="0" nodeType="withEffect">
+                                  <p:stCondLst>
+                                    <p:cond delay="0"/>
+                                  </p:stCondLst>
+                                  <p:childTnLst>
+                                    <p:set>
+                                      <p:cBhvr>
+                                        <p:cTn id="19" dur="1" fill="hold">
+                                          <p:stCondLst>
+                                            <p:cond delay="0"/>
+                                          </p:stCondLst>
+                                        </p:cTn>
+                                        <p:tgtEl>
+                                          <p:spTgt spid="31"/>
+                                        </p:tgtEl>
+                                        <p:attrNameLst>
+                                          <p:attrName>style.visibility</p:attrName>
+                                        </p:attrNameLst>
+                                      </p:cBhvr>
+                                      <p:to>
+                                        <p:strVal val="visible"/>
+                                      </p:to>
+                                    </p:set>
+                                    <p:animEffect transition="in" filter="fade">
+                                      <p:cBhvr>
+                                        <p:cTn id="20" dur="500"/>
+                                        <p:tgtEl>
+                                          <p:spTgt spid="31"/>
+                                        </p:tgtEl>
+                                      </p:cBhvr>
+                                    </p:animEffect>
+                                  </p:childTnLst>
+                                </p:cTn>
+                              </p:par>
+                              <p:par>
+                                <p:cTn id="21" presetID="10" presetClass="entr" presetSubtype="0" fill="hold" grpId="0" nodeType="withEffect">
+                                  <p:stCondLst>
+                                    <p:cond delay="0"/>
+                                  </p:stCondLst>
+                                  <p:childTnLst>
+                                    <p:set>
+                                      <p:cBhvr>
+                                        <p:cTn id="22" dur="1" fill="hold">
+                                          <p:stCondLst>
+                                            <p:cond delay="0"/>
+                                          </p:stCondLst>
+                                        </p:cTn>
+                                        <p:tgtEl>
+                                          <p:spTgt spid="32"/>
+                                        </p:tgtEl>
+                                        <p:attrNameLst>
+                                          <p:attrName>style.visibility</p:attrName>
+                                        </p:attrNameLst>
+                                      </p:cBhvr>
+                                      <p:to>
+                                        <p:strVal val="visible"/>
+                                      </p:to>
+                                    </p:set>
+                                    <p:animEffect transition="in" filter="fade">
+                                      <p:cBhvr>
+                                        <p:cTn id="23" dur="500"/>
+                                        <p:tgtEl>
+                                          <p:spTgt spid="32"/>
+                                        </p:tgtEl>
+                                      </p:cBhvr>
+                                    </p:animEffect>
+                                  </p:childTnLst>
+                                </p:cTn>
+                              </p:par>
+                              <p:par>
+                                <p:cTn id="24" presetID="10" presetClass="entr" presetSubtype="0" fill="hold" grpId="0" nodeType="withEffect">
+                                  <p:stCondLst>
+                                    <p:cond delay="0"/>
+                                  </p:stCondLst>
+                                  <p:childTnLst>
+                                    <p:set>
+                                      <p:cBhvr>
+                                        <p:cTn id="25" dur="1" fill="hold">
+                                          <p:stCondLst>
+                                            <p:cond delay="0"/>
+                                          </p:stCondLst>
+                                        </p:cTn>
+                                        <p:tgtEl>
+                                          <p:spTgt spid="38"/>
+                                        </p:tgtEl>
+                                        <p:attrNameLst>
+                                          <p:attrName>style.visibility</p:attrName>
+                                        </p:attrNameLst>
+                                      </p:cBhvr>
+                                      <p:to>
+                                        <p:strVal val="visible"/>
+                                      </p:to>
+                                    </p:set>
+                                    <p:animEffect transition="in" filter="fade">
+                                      <p:cBhvr>
+                                        <p:cTn id="26" dur="500"/>
+                                        <p:tgtEl>
+                                          <p:spTgt spid="38"/>
+                                        </p:tgtEl>
+                                      </p:cBhvr>
+                                    </p:animEffect>
+                                  </p:childTnLst>
+                                </p:cTn>
+                              </p:par>
+                              <p:par>
+                                <p:cTn id="27" presetID="10" presetClass="entr" presetSubtype="0" fill="hold" grpId="0" nodeType="withEffect">
+                                  <p:stCondLst>
+                                    <p:cond delay="0"/>
+                                  </p:stCondLst>
+                                  <p:childTnLst>
+                                    <p:set>
+                                      <p:cBhvr>
+                                        <p:cTn id="28" dur="1" fill="hold">
+                                          <p:stCondLst>
+                                            <p:cond delay="0"/>
+                                          </p:stCondLst>
+                                        </p:cTn>
+                                        <p:tgtEl>
+                                          <p:spTgt spid="39"/>
+                                        </p:tgtEl>
+                                        <p:attrNameLst>
+                                          <p:attrName>style.visibility</p:attrName>
+                                        </p:attrNameLst>
+                                      </p:cBhvr>
+                                      <p:to>
+                                        <p:strVal val="visible"/>
+                                      </p:to>
+                                    </p:set>
+                                    <p:animEffect transition="in" filter="fade">
+                                      <p:cBhvr>
+                                        <p:cTn id="29" dur="500"/>
+                                        <p:tgtEl>
+                                          <p:spTgt spid="39"/>
+                                        </p:tgtEl>
+                                      </p:cBhvr>
+                                    </p:animEffect>
+                                  </p:childTnLst>
+                                </p:cTn>
+                              </p:par>
+                              <p:par>
+                                <p:cTn id="30" presetID="10" presetClass="entr" presetSubtype="0" fill="hold" grpId="0" nodeType="withEffect">
+                                  <p:stCondLst>
+                                    <p:cond delay="0"/>
+                                  </p:stCondLst>
+                                  <p:childTnLst>
+                                    <p:set>
+                                      <p:cBhvr>
+                                        <p:cTn id="31" dur="1" fill="hold">
+                                          <p:stCondLst>
+                                            <p:cond delay="0"/>
+                                          </p:stCondLst>
+                                        </p:cTn>
+                                        <p:tgtEl>
+                                          <p:spTgt spid="41"/>
+                                        </p:tgtEl>
+                                        <p:attrNameLst>
+                                          <p:attrName>style.visibility</p:attrName>
+                                        </p:attrNameLst>
+                                      </p:cBhvr>
+                                      <p:to>
+                                        <p:strVal val="visible"/>
+                                      </p:to>
+                                    </p:set>
+                                    <p:animEffect transition="in" filter="fade">
+                                      <p:cBhvr>
+                                        <p:cTn id="32" dur="500"/>
+                                        <p:tgtEl>
+                                          <p:spTgt spid="41"/>
+                                        </p:tgtEl>
+                                      </p:cBhvr>
+                                    </p:animEffect>
+                                  </p:childTnLst>
+                                </p:cTn>
+                              </p:par>
+                              <p:par>
+                                <p:cTn id="33" presetID="10" presetClass="entr" presetSubtype="0" fill="hold" grpId="0" nodeType="withEffect">
+                                  <p:stCondLst>
+                                    <p:cond delay="0"/>
+                                  </p:stCondLst>
+                                  <p:childTnLst>
+                                    <p:set>
+                                      <p:cBhvr>
+                                        <p:cTn id="34" dur="1" fill="hold">
+                                          <p:stCondLst>
+                                            <p:cond delay="0"/>
+                                          </p:stCondLst>
+                                        </p:cTn>
+                                        <p:tgtEl>
+                                          <p:spTgt spid="42"/>
+                                        </p:tgtEl>
+                                        <p:attrNameLst>
+                                          <p:attrName>style.visibility</p:attrName>
+                                        </p:attrNameLst>
+                                      </p:cBhvr>
+                                      <p:to>
+                                        <p:strVal val="visible"/>
+                                      </p:to>
+                                    </p:set>
+                                    <p:animEffect transition="in" filter="fade">
+                                      <p:cBhvr>
+                                        <p:cTn id="35" dur="500"/>
+                                        <p:tgtEl>
+                                          <p:spTgt spid="42"/>
+                                        </p:tgtEl>
+                                      </p:cBhvr>
+                                    </p:animEffect>
+                                  </p:childTnLst>
+                                </p:cTn>
+                              </p:par>
+                              <p:par>
+                                <p:cTn id="36" presetID="10" presetClass="entr" presetSubtype="0" fill="hold" grpId="0" nodeType="withEffect">
+                                  <p:stCondLst>
+                                    <p:cond delay="0"/>
+                                  </p:stCondLst>
+                                  <p:childTnLst>
+                                    <p:set>
+                                      <p:cBhvr>
+                                        <p:cTn id="37" dur="1" fill="hold">
+                                          <p:stCondLst>
+                                            <p:cond delay="0"/>
+                                          </p:stCondLst>
+                                        </p:cTn>
+                                        <p:tgtEl>
+                                          <p:spTgt spid="43"/>
+                                        </p:tgtEl>
+                                        <p:attrNameLst>
+                                          <p:attrName>style.visibility</p:attrName>
+                                        </p:attrNameLst>
+                                      </p:cBhvr>
+                                      <p:to>
+                                        <p:strVal val="visible"/>
+                                      </p:to>
+                                    </p:set>
+                                    <p:animEffect transition="in" filter="fade">
+                                      <p:cBhvr>
+                                        <p:cTn id="38" dur="500"/>
+                                        <p:tgtEl>
+                                          <p:spTgt spid="43"/>
+                                        </p:tgtEl>
+                                      </p:cBhvr>
+                                    </p:animEffect>
+                                  </p:childTnLst>
+                                </p:cTn>
+                              </p:par>
+                            </p:childTnLst>
+                          </p:cTn>
+                        </p:par>
+                      </p:childTnLst>
+                    </p:cTn>
+                  </p:par>
+                  <p:par>
+                    <p:cTn id="39" fill="hold">
+                      <p:stCondLst>
+                        <p:cond delay="indefinite"/>
+                      </p:stCondLst>
+                      <p:childTnLst>
+                        <p:par>
+                          <p:cTn id="40" fill="hold">
+                            <p:stCondLst>
+                              <p:cond delay="0"/>
+                            </p:stCondLst>
+                            <p:childTnLst>
+                              <p:par>
+                                <p:cTn id="41" presetID="10" presetClass="entr" presetSubtype="0" fill="hold" grpId="0" nodeType="clickEffect">
+                                  <p:stCondLst>
+                                    <p:cond delay="0"/>
+                                  </p:stCondLst>
+                                  <p:childTnLst>
+                                    <p:set>
+                                      <p:cBhvr>
+                                        <p:cTn id="42" dur="1" fill="hold">
+                                          <p:stCondLst>
+                                            <p:cond delay="0"/>
+                                          </p:stCondLst>
+                                        </p:cTn>
+                                        <p:tgtEl>
+                                          <p:spTgt spid="44"/>
+                                        </p:tgtEl>
+                                        <p:attrNameLst>
+                                          <p:attrName>style.visibility</p:attrName>
+                                        </p:attrNameLst>
+                                      </p:cBhvr>
+                                      <p:to>
+                                        <p:strVal val="visible"/>
+                                      </p:to>
+                                    </p:set>
+                                    <p:animEffect transition="in" filter="fade">
+                                      <p:cBhvr>
+                                        <p:cTn id="43" dur="500"/>
+                                        <p:tgtEl>
+                                          <p:spTgt spid="44"/>
+                                        </p:tgtEl>
+                                      </p:cBhvr>
+                                    </p:animEffect>
+                                  </p:childTnLst>
+                                </p:cTn>
+                              </p:par>
+                            </p:childTnLst>
+                          </p:cTn>
+                        </p:par>
+                      </p:childTnLst>
+                    </p:cTn>
+                  </p:par>
+                </p:childTnLst>
+              </p:cTn>
+              <p:prevCondLst>
+                <p:cond evt="onPrev" delay="0">
+                  <p:tgtEl>
+                    <p:sldTgt/>
+                  </p:tgtEl>
+                </p:cond>
+              </p:prevCondLst>
+              <p:nextCondLst>
+                <p:cond evt="onNext" delay="0">
+                  <p:tgtEl>
+                    <p:sldTgt/>
+                  </p:tgtEl>
+                </p:cond>
+              </p:nextCondLst>
+            </p:seq>
+          </p:childTnLst>
+        </p:cTn>
+      </p:par>
+    </p:tnLst>
+    <p:bldLst>
+      <p:bldP spid="28" grpId="0" animBg="1"/>
+      <p:bldP spid="30" grpId="0" animBg="1"/>
+      <p:bldP spid="31" grpId="0" animBg="1"/>
+      <p:bldP spid="32" grpId="0" animBg="1"/>
+      <p:bldP spid="37" grpId="0" animBg="1"/>
+      <p:bldP spid="38" grpId="0" animBg="1"/>
+      <p:bldP spid="39" grpId="0" animBg="1"/>
+      <p:bldP spid="41" grpId="0" animBg="1"/>
+      <p:bldP spid="42" grpId="0" animBg="1"/>
+      <p:bldP spid="43" grpId="0" animBg="1"/>
+      <p:bldP spid="44" grpId="0" animBg="1"/>
+    </p:bldLst>
+  </p:timing>
+</p:sld>
+</file>
+
+<file path=ppt/slides/slide14.xml><?xml version="1.0" encoding="utf-8"?>
+<p:sld xmlns:a="http://schemas.openxmlformats.org/drawingml/2006/main" xmlns:r="http://schemas.openxmlformats.org/officeDocument/2006/relationships" xmlns:p="http://schemas.openxmlformats.org/presentationml/2006/main">
+  <p:cSld>
+    <p:spTree>
+      <p:nvGrpSpPr>
+        <p:cNvPr id="1" name=""/>
+        <p:cNvGrpSpPr/>
+        <p:nvPr/>
+      </p:nvGrpSpPr>
+      <p:grpSpPr>
+        <a:xfrm>
+          <a:off x="0" y="0"/>
+          <a:ext cx="0" cy="0"/>
+          <a:chOff x="0" y="0"/>
+          <a:chExt cx="0" cy="0"/>
+        </a:xfrm>
+      </p:grpSpPr>
+      <p:sp>
+        <p:nvSpPr>
+          <p:cNvPr id="2" name="Title 1"/>
+          <p:cNvSpPr>
+            <a:spLocks noGrp="1"/>
+          </p:cNvSpPr>
+          <p:nvPr>
+            <p:ph type="title"/>
+          </p:nvPr>
+        </p:nvSpPr>
+        <p:spPr>
+          <a:xfrm>
+            <a:off x="874713" y="2766218"/>
+            <a:ext cx="10515600" cy="1325563"/>
+          </a:xfrm>
+        </p:spPr>
+        <p:txBody>
+          <a:bodyPr/>
+          <a:lstStyle/>
+          <a:p>
+            <a:pPr algn="ctr"/>
+            <a:r>
+              <a:rPr lang="en-CA" dirty="0"/>
+              <a:t>Thanks for your time and attention.</a:t>
+            </a:r>
+          </a:p>
+        </p:txBody>
+      </p:sp>
+    </p:spTree>
+    <p:extLst>
+      <p:ext uri="{BB962C8B-B14F-4D97-AF65-F5344CB8AC3E}">
+        <p14:creationId xmlns:p14="http://schemas.microsoft.com/office/powerpoint/2010/main" val="43651872"/>
+      </p:ext>
+    </p:extLst>
+  </p:cSld>
+  <p:clrMapOvr>
+    <a:masterClrMapping/>
+  </p:clrMapOvr>
+</p:sld>
+</file>
+
+<file path=ppt/slides/slide15.xml><?xml version="1.0" encoding="utf-8"?>
+<p:sld xmlns:a="http://schemas.openxmlformats.org/drawingml/2006/main" xmlns:r="http://schemas.openxmlformats.org/officeDocument/2006/relationships" xmlns:p="http://schemas.openxmlformats.org/presentationml/2006/main">
+  <p:cSld>
+    <p:spTree>
+      <p:nvGrpSpPr>
+        <p:cNvPr id="1" name=""/>
+        <p:cNvGrpSpPr/>
+        <p:nvPr/>
+      </p:nvGrpSpPr>
+      <p:grpSpPr>
+        <a:xfrm>
+          <a:off x="0" y="0"/>
+          <a:ext cx="0" cy="0"/>
+          <a:chOff x="0" y="0"/>
+          <a:chExt cx="0" cy="0"/>
+        </a:xfrm>
+      </p:grpSpPr>
+      <p:sp>
+        <p:nvSpPr>
+          <p:cNvPr id="4" name="TextBox 3"/>
+          <p:cNvSpPr txBox="1"/>
+          <p:nvPr/>
+        </p:nvSpPr>
+        <p:spPr>
+          <a:xfrm>
+            <a:off x="256032" y="1938528"/>
+            <a:ext cx="2623026" cy="1477328"/>
+          </a:xfrm>
+          <a:prstGeom prst="rect">
+            <a:avLst/>
+          </a:prstGeom>
+          <a:noFill/>
+        </p:spPr>
+        <p:txBody>
+          <a:bodyPr wrap="none" rtlCol="0">
+            <a:spAutoFit/>
+          </a:bodyPr>
+          <a:lstStyle/>
+          <a:p>
+            <a:r>
+              <a:rPr lang="en-CA" b="1" u="sng" dirty="0"/>
+              <a:t>Needed Disposables:</a:t>
+            </a:r>
+          </a:p>
+          <a:p>
+            <a:r>
+              <a:rPr lang="en-CA" sz="1200" dirty="0"/>
+              <a:t>16 Zymo Fecal Collection Kits</a:t>
+            </a:r>
+          </a:p>
+          <a:p>
+            <a:r>
+              <a:rPr lang="en-CA" sz="1200" dirty="0"/>
+              <a:t>16 </a:t>
+            </a:r>
+            <a:r>
+              <a:rPr lang="en-CA" sz="1200" dirty="0" err="1"/>
+              <a:t>OmniGene</a:t>
+            </a:r>
+            <a:r>
+              <a:rPr lang="en-CA" sz="1200" dirty="0"/>
+              <a:t> Gut Collection Kits</a:t>
+            </a:r>
+          </a:p>
+          <a:p>
+            <a:r>
+              <a:rPr lang="en-CA" sz="1200" dirty="0"/>
+              <a:t>1 MO BIO </a:t>
+            </a:r>
+            <a:r>
+              <a:rPr lang="en-CA" sz="1200" dirty="0" err="1"/>
+              <a:t>Powersoil</a:t>
+            </a:r>
+            <a:r>
+              <a:rPr lang="en-CA" sz="1200" dirty="0"/>
+              <a:t> DNA extraction Kit</a:t>
+            </a:r>
+          </a:p>
+          <a:p>
+            <a:r>
+              <a:rPr lang="en-CA" sz="1200" dirty="0"/>
+              <a:t>BR DNA Qubit</a:t>
+            </a:r>
+          </a:p>
+          <a:p>
+            <a:r>
+              <a:rPr lang="en-CA" sz="1200" dirty="0"/>
+              <a:t>70 </a:t>
+            </a:r>
+            <a:r>
+              <a:rPr lang="en-CA" sz="1200" dirty="0" err="1"/>
+              <a:t>rxns</a:t>
+            </a:r>
+            <a:r>
+              <a:rPr lang="en-CA" sz="1200" dirty="0"/>
+              <a:t> 16S V4 PCR </a:t>
+            </a:r>
+          </a:p>
+          <a:p>
+            <a:r>
+              <a:rPr lang="en-CA" sz="1200" dirty="0"/>
+              <a:t>1 </a:t>
+            </a:r>
+            <a:r>
+              <a:rPr lang="en-CA" sz="1200" dirty="0" err="1"/>
+              <a:t>MiSeq</a:t>
+            </a:r>
+            <a:r>
+              <a:rPr lang="en-CA" sz="1200" dirty="0"/>
+              <a:t> Run (or part of one)</a:t>
+            </a:r>
+          </a:p>
+        </p:txBody>
+      </p:sp>
+      <p:sp>
+        <p:nvSpPr>
+          <p:cNvPr id="5" name="TextBox 4"/>
+          <p:cNvSpPr txBox="1"/>
+          <p:nvPr/>
+        </p:nvSpPr>
+        <p:spPr>
+          <a:xfrm>
+            <a:off x="308400" y="1241664"/>
+            <a:ext cx="5618526" cy="646331"/>
+          </a:xfrm>
+          <a:prstGeom prst="rect">
+            <a:avLst/>
+          </a:prstGeom>
+          <a:noFill/>
+          <a:ln w="28575">
+            <a:solidFill>
+              <a:schemeClr val="accent1"/>
+            </a:solidFill>
+          </a:ln>
+        </p:spPr>
+        <p:txBody>
+          <a:bodyPr wrap="none" rtlCol="0">
+            <a:spAutoFit/>
+          </a:bodyPr>
+          <a:lstStyle/>
+          <a:p>
+            <a:r>
+              <a:rPr lang="en-CA" b="1" u="sng" dirty="0"/>
+              <a:t>Goals:</a:t>
+            </a:r>
+          </a:p>
+          <a:p>
+            <a:pPr marL="342900" indent="-342900">
+              <a:buAutoNum type="arabicParenR"/>
+            </a:pPr>
+            <a:r>
+              <a:rPr lang="en-CA" dirty="0"/>
+              <a:t>Test which collection kit is better at preventing growth</a:t>
+            </a:r>
+          </a:p>
+        </p:txBody>
+      </p:sp>
+      <p:sp>
+        <p:nvSpPr>
+          <p:cNvPr id="7" name="Right Arrow 6"/>
+          <p:cNvSpPr/>
+          <p:nvPr/>
+        </p:nvSpPr>
+        <p:spPr>
+          <a:xfrm>
+            <a:off x="576072" y="4782313"/>
+            <a:ext cx="5797296" cy="365760"/>
+          </a:xfrm>
+          <a:prstGeom prst="rightArrow">
+            <a:avLst/>
+          </a:prstGeom>
+        </p:spPr>
+        <p:style>
+          <a:lnRef idx="2">
+            <a:schemeClr val="accent1">
+              <a:shade val="50000"/>
+            </a:schemeClr>
+          </a:lnRef>
+          <a:fillRef idx="1">
+            <a:schemeClr val="accent1"/>
+          </a:fillRef>
+          <a:effectRef idx="0">
+            <a:schemeClr val="accent1"/>
+          </a:effectRef>
+          <a:fontRef idx="minor">
+            <a:schemeClr val="lt1"/>
+          </a:fontRef>
+        </p:style>
+        <p:txBody>
+          <a:bodyPr rtlCol="0" anchor="ctr"/>
+          <a:lstStyle/>
+          <a:p>
+            <a:pPr algn="ctr"/>
+            <a:endParaRPr lang="en-CA"/>
+          </a:p>
+        </p:txBody>
+      </p:sp>
+      <p:sp>
+        <p:nvSpPr>
+          <p:cNvPr id="8" name="TextBox 7"/>
+          <p:cNvSpPr txBox="1"/>
+          <p:nvPr/>
+        </p:nvSpPr>
+        <p:spPr>
+          <a:xfrm>
+            <a:off x="448056" y="5190221"/>
+            <a:ext cx="301686" cy="369332"/>
+          </a:xfrm>
+          <a:prstGeom prst="rect">
+            <a:avLst/>
+          </a:prstGeom>
+          <a:noFill/>
+        </p:spPr>
+        <p:txBody>
+          <a:bodyPr wrap="none" rtlCol="0">
+            <a:spAutoFit/>
+          </a:bodyPr>
+          <a:lstStyle/>
+          <a:p>
+            <a:r>
+              <a:rPr lang="en-CA" dirty="0"/>
+              <a:t>0</a:t>
+            </a:r>
+          </a:p>
+        </p:txBody>
+      </p:sp>
+      <p:sp>
+        <p:nvSpPr>
+          <p:cNvPr id="9" name="TextBox 8"/>
+          <p:cNvSpPr txBox="1"/>
+          <p:nvPr/>
+        </p:nvSpPr>
+        <p:spPr>
+          <a:xfrm>
+            <a:off x="5998464" y="5190221"/>
+            <a:ext cx="852669" cy="369332"/>
+          </a:xfrm>
+          <a:prstGeom prst="rect">
+            <a:avLst/>
+          </a:prstGeom>
+          <a:noFill/>
+        </p:spPr>
+        <p:txBody>
+          <a:bodyPr wrap="none" rtlCol="0">
+            <a:spAutoFit/>
+          </a:bodyPr>
+          <a:lstStyle/>
+          <a:p>
+            <a:r>
+              <a:rPr lang="en-CA" dirty="0"/>
+              <a:t>2 week</a:t>
+            </a:r>
+          </a:p>
+        </p:txBody>
+      </p:sp>
+      <p:sp>
+        <p:nvSpPr>
+          <p:cNvPr id="10" name="TextBox 9"/>
+          <p:cNvSpPr txBox="1"/>
+          <p:nvPr/>
+        </p:nvSpPr>
+        <p:spPr>
+          <a:xfrm>
+            <a:off x="1261872" y="5190221"/>
+            <a:ext cx="686919" cy="369332"/>
+          </a:xfrm>
+          <a:prstGeom prst="rect">
+            <a:avLst/>
+          </a:prstGeom>
+          <a:noFill/>
+        </p:spPr>
+        <p:txBody>
+          <a:bodyPr wrap="none" rtlCol="0">
+            <a:spAutoFit/>
+          </a:bodyPr>
+          <a:lstStyle/>
+          <a:p>
+            <a:r>
+              <a:rPr lang="en-CA" dirty="0"/>
+              <a:t>3 day</a:t>
+            </a:r>
+          </a:p>
+        </p:txBody>
+      </p:sp>
+      <p:sp>
+        <p:nvSpPr>
+          <p:cNvPr id="12" name="TextBox 11"/>
+          <p:cNvSpPr txBox="1"/>
+          <p:nvPr/>
+        </p:nvSpPr>
+        <p:spPr>
+          <a:xfrm>
+            <a:off x="3494532" y="5190221"/>
+            <a:ext cx="852669" cy="369332"/>
+          </a:xfrm>
+          <a:prstGeom prst="rect">
+            <a:avLst/>
+          </a:prstGeom>
+          <a:noFill/>
+        </p:spPr>
+        <p:txBody>
+          <a:bodyPr wrap="none" rtlCol="0">
+            <a:spAutoFit/>
+          </a:bodyPr>
+          <a:lstStyle/>
+          <a:p>
+            <a:r>
+              <a:rPr lang="en-CA" dirty="0"/>
+              <a:t>1 week</a:t>
+            </a:r>
+          </a:p>
+        </p:txBody>
+      </p:sp>
+      <p:sp>
+        <p:nvSpPr>
+          <p:cNvPr id="13" name="TextBox 12"/>
+          <p:cNvSpPr txBox="1"/>
+          <p:nvPr/>
+        </p:nvSpPr>
+        <p:spPr>
+          <a:xfrm>
+            <a:off x="114808" y="4415537"/>
+            <a:ext cx="947695" cy="338554"/>
+          </a:xfrm>
+          <a:prstGeom prst="rect">
+            <a:avLst/>
+          </a:prstGeom>
+          <a:noFill/>
+        </p:spPr>
+        <p:txBody>
+          <a:bodyPr wrap="none" rtlCol="0">
+            <a:spAutoFit/>
+          </a:bodyPr>
+          <a:lstStyle/>
+          <a:p>
+            <a:pPr algn="ctr"/>
+            <a:r>
+              <a:rPr lang="en-CA" sz="800" dirty="0"/>
+              <a:t>4 samples </a:t>
+            </a:r>
+          </a:p>
+          <a:p>
+            <a:pPr algn="ctr"/>
+            <a:r>
+              <a:rPr lang="en-CA" sz="800" dirty="0"/>
+              <a:t>(3 replicates each)</a:t>
+            </a:r>
+          </a:p>
+        </p:txBody>
+      </p:sp>
+      <p:sp>
+        <p:nvSpPr>
+          <p:cNvPr id="14" name="TextBox 13"/>
+          <p:cNvSpPr txBox="1"/>
+          <p:nvPr/>
+        </p:nvSpPr>
+        <p:spPr>
+          <a:xfrm>
+            <a:off x="1213104" y="4304740"/>
+            <a:ext cx="853119" cy="461665"/>
+          </a:xfrm>
+          <a:prstGeom prst="rect">
+            <a:avLst/>
+          </a:prstGeom>
+          <a:noFill/>
+        </p:spPr>
+        <p:txBody>
+          <a:bodyPr wrap="none" rtlCol="0">
+            <a:spAutoFit/>
+          </a:bodyPr>
+          <a:lstStyle/>
+          <a:p>
+            <a:pPr algn="ctr"/>
+            <a:r>
+              <a:rPr lang="en-CA" sz="800" dirty="0"/>
+              <a:t>Omni 4 samples</a:t>
+            </a:r>
+          </a:p>
+          <a:p>
+            <a:pPr algn="ctr"/>
+            <a:r>
+              <a:rPr lang="en-CA" sz="800" dirty="0"/>
+              <a:t>Zymo 4 samples</a:t>
+            </a:r>
+          </a:p>
+          <a:p>
+            <a:pPr algn="ctr"/>
+            <a:r>
+              <a:rPr lang="en-CA" sz="800" dirty="0"/>
+              <a:t>RT 4 samples</a:t>
+            </a:r>
+          </a:p>
+        </p:txBody>
+      </p:sp>
+      <p:sp>
+        <p:nvSpPr>
+          <p:cNvPr id="16" name="TextBox 15"/>
+          <p:cNvSpPr txBox="1"/>
+          <p:nvPr/>
+        </p:nvSpPr>
+        <p:spPr>
+          <a:xfrm>
+            <a:off x="3414803" y="4305702"/>
+            <a:ext cx="853119" cy="461665"/>
+          </a:xfrm>
+          <a:prstGeom prst="rect">
+            <a:avLst/>
+          </a:prstGeom>
+          <a:noFill/>
+        </p:spPr>
+        <p:txBody>
+          <a:bodyPr wrap="none" rtlCol="0">
+            <a:spAutoFit/>
+          </a:bodyPr>
+          <a:lstStyle/>
+          <a:p>
+            <a:pPr algn="ctr"/>
+            <a:r>
+              <a:rPr lang="en-CA" sz="800" dirty="0"/>
+              <a:t>Omni 4 samples</a:t>
+            </a:r>
+          </a:p>
+          <a:p>
+            <a:pPr algn="ctr"/>
+            <a:r>
+              <a:rPr lang="en-CA" sz="800" dirty="0"/>
+              <a:t>Zymo 4 samples</a:t>
+            </a:r>
+          </a:p>
+          <a:p>
+            <a:pPr algn="ctr"/>
+            <a:r>
+              <a:rPr lang="en-CA" sz="800" dirty="0"/>
+              <a:t>RT 4 samples</a:t>
+            </a:r>
+          </a:p>
+        </p:txBody>
+      </p:sp>
+      <p:sp>
+        <p:nvSpPr>
+          <p:cNvPr id="17" name="TextBox 16"/>
+          <p:cNvSpPr txBox="1"/>
+          <p:nvPr/>
+        </p:nvSpPr>
+        <p:spPr>
+          <a:xfrm>
+            <a:off x="5658665" y="4036675"/>
+            <a:ext cx="947695" cy="707886"/>
+          </a:xfrm>
+          <a:prstGeom prst="rect">
+            <a:avLst/>
+          </a:prstGeom>
+          <a:noFill/>
+        </p:spPr>
+        <p:txBody>
+          <a:bodyPr wrap="none" rtlCol="0">
+            <a:spAutoFit/>
+          </a:bodyPr>
+          <a:lstStyle/>
+          <a:p>
+            <a:pPr algn="ctr"/>
+            <a:r>
+              <a:rPr lang="en-CA" sz="800" dirty="0"/>
+              <a:t>Omni 4 samples</a:t>
+            </a:r>
+          </a:p>
+          <a:p>
+            <a:pPr algn="ctr"/>
+            <a:r>
+              <a:rPr lang="en-CA" sz="800" dirty="0"/>
+              <a:t>(3 replicates each)</a:t>
+            </a:r>
+          </a:p>
+          <a:p>
+            <a:pPr algn="ctr"/>
+            <a:r>
+              <a:rPr lang="en-CA" sz="800" dirty="0"/>
+              <a:t>Zymo 4 samples</a:t>
+            </a:r>
+          </a:p>
+          <a:p>
+            <a:pPr algn="ctr"/>
+            <a:r>
+              <a:rPr lang="en-CA" sz="800" dirty="0"/>
+              <a:t>(3 replicates each)</a:t>
+            </a:r>
+          </a:p>
+          <a:p>
+            <a:pPr algn="ctr"/>
+            <a:r>
+              <a:rPr lang="en-CA" sz="800" dirty="0"/>
+              <a:t>RT 4 samples</a:t>
+            </a:r>
+          </a:p>
+        </p:txBody>
+      </p:sp>
+      <p:sp>
+        <p:nvSpPr>
+          <p:cNvPr id="19" name="TextBox 18"/>
+          <p:cNvSpPr txBox="1"/>
+          <p:nvPr/>
+        </p:nvSpPr>
+        <p:spPr>
+          <a:xfrm>
+            <a:off x="338328" y="5925312"/>
+            <a:ext cx="4478277" cy="830997"/>
+          </a:xfrm>
+          <a:prstGeom prst="rect">
+            <a:avLst/>
+          </a:prstGeom>
+          <a:noFill/>
+        </p:spPr>
+        <p:txBody>
+          <a:bodyPr wrap="none" rtlCol="0">
+            <a:spAutoFit/>
+          </a:bodyPr>
+          <a:lstStyle/>
+          <a:p>
+            <a:r>
+              <a:rPr lang="en-CA" sz="1200" dirty="0"/>
+              <a:t>*Need 4 control stool samples (20 samplings for each)</a:t>
+            </a:r>
+          </a:p>
+          <a:p>
+            <a:r>
+              <a:rPr lang="en-CA" sz="1200" dirty="0"/>
+              <a:t>       - Added 2 extra (1 Omni and 1 Zymo)</a:t>
+            </a:r>
+          </a:p>
+          <a:p>
+            <a:r>
+              <a:rPr lang="en-CA" sz="1200" dirty="0"/>
+              <a:t>	- Test DNA extraction with collection kit ahead of time</a:t>
+            </a:r>
+          </a:p>
+          <a:p>
+            <a:r>
+              <a:rPr lang="en-CA" sz="1200" dirty="0"/>
+              <a:t>		- Take an aliquot, solid chunks, etc.</a:t>
+            </a:r>
+          </a:p>
+        </p:txBody>
+      </p:sp>
+      <p:sp>
+        <p:nvSpPr>
+          <p:cNvPr id="20" name="TextBox 19"/>
+          <p:cNvSpPr txBox="1"/>
+          <p:nvPr/>
+        </p:nvSpPr>
+        <p:spPr>
+          <a:xfrm>
+            <a:off x="8738909" y="2323245"/>
+            <a:ext cx="1799595" cy="523220"/>
+          </a:xfrm>
+          <a:prstGeom prst="rect">
+            <a:avLst/>
+          </a:prstGeom>
+          <a:noFill/>
+        </p:spPr>
+        <p:txBody>
+          <a:bodyPr wrap="none" rtlCol="0">
+            <a:spAutoFit/>
+          </a:bodyPr>
+          <a:lstStyle/>
+          <a:p>
+            <a:pPr algn="ctr"/>
+            <a:r>
+              <a:rPr lang="en-CA" sz="1400" dirty="0"/>
+              <a:t>Bead beating with </a:t>
+            </a:r>
+          </a:p>
+          <a:p>
+            <a:pPr algn="ctr"/>
+            <a:r>
+              <a:rPr lang="en-CA" sz="1400" dirty="0"/>
+              <a:t>Omni or Zymo storage</a:t>
+            </a:r>
+          </a:p>
+        </p:txBody>
+      </p:sp>
+      <p:sp>
+        <p:nvSpPr>
+          <p:cNvPr id="23" name="TextBox 22"/>
+          <p:cNvSpPr txBox="1"/>
+          <p:nvPr/>
+        </p:nvSpPr>
+        <p:spPr>
+          <a:xfrm>
+            <a:off x="9202086" y="1367616"/>
+            <a:ext cx="711028" cy="523220"/>
+          </a:xfrm>
+          <a:prstGeom prst="rect">
+            <a:avLst/>
+          </a:prstGeom>
+          <a:noFill/>
+        </p:spPr>
+        <p:txBody>
+          <a:bodyPr wrap="none" rtlCol="0">
+            <a:spAutoFit/>
+          </a:bodyPr>
+          <a:lstStyle/>
+          <a:p>
+            <a:pPr algn="ctr"/>
+            <a:r>
+              <a:rPr lang="en-CA" sz="1400" dirty="0"/>
+              <a:t>Split</a:t>
+            </a:r>
+          </a:p>
+          <a:p>
+            <a:pPr algn="ctr"/>
+            <a:r>
+              <a:rPr lang="en-CA" sz="1400" dirty="0"/>
+              <a:t>Equally</a:t>
+            </a:r>
+          </a:p>
+        </p:txBody>
+      </p:sp>
+      <p:sp>
+        <p:nvSpPr>
+          <p:cNvPr id="24" name="Down Arrow 23"/>
+          <p:cNvSpPr/>
+          <p:nvPr/>
+        </p:nvSpPr>
+        <p:spPr>
+          <a:xfrm>
+            <a:off x="9398508" y="1941817"/>
+            <a:ext cx="365760" cy="338328"/>
+          </a:xfrm>
+          <a:prstGeom prst="downArrow">
+            <a:avLst/>
+          </a:prstGeom>
+        </p:spPr>
+        <p:style>
+          <a:lnRef idx="2">
+            <a:schemeClr val="accent1">
+              <a:shade val="50000"/>
+            </a:schemeClr>
+          </a:lnRef>
+          <a:fillRef idx="1">
+            <a:schemeClr val="accent1"/>
+          </a:fillRef>
+          <a:effectRef idx="0">
+            <a:schemeClr val="accent1"/>
+          </a:effectRef>
+          <a:fontRef idx="minor">
+            <a:schemeClr val="lt1"/>
+          </a:fontRef>
+        </p:style>
+        <p:txBody>
+          <a:bodyPr rtlCol="0" anchor="ctr"/>
+          <a:lstStyle/>
+          <a:p>
+            <a:pPr algn="ctr"/>
+            <a:endParaRPr lang="en-CA"/>
+          </a:p>
+        </p:txBody>
+      </p:sp>
+      <p:sp>
+        <p:nvSpPr>
+          <p:cNvPr id="25" name="TextBox 24"/>
+          <p:cNvSpPr txBox="1"/>
+          <p:nvPr/>
+        </p:nvSpPr>
+        <p:spPr>
+          <a:xfrm>
+            <a:off x="9180094" y="3386753"/>
+            <a:ext cx="713657" cy="276999"/>
+          </a:xfrm>
+          <a:prstGeom prst="rect">
+            <a:avLst/>
+          </a:prstGeom>
+          <a:noFill/>
+        </p:spPr>
+        <p:txBody>
+          <a:bodyPr wrap="none" rtlCol="0">
+            <a:spAutoFit/>
+          </a:bodyPr>
+          <a:lstStyle/>
+          <a:p>
+            <a:r>
+              <a:rPr lang="en-CA" sz="1200" dirty="0"/>
+              <a:t>MO BIO </a:t>
+            </a:r>
+          </a:p>
+        </p:txBody>
+      </p:sp>
+      <p:sp>
+        <p:nvSpPr>
+          <p:cNvPr id="29" name="TextBox 28"/>
+          <p:cNvSpPr txBox="1"/>
+          <p:nvPr/>
+        </p:nvSpPr>
+        <p:spPr>
+          <a:xfrm>
+            <a:off x="9086204" y="4125870"/>
+            <a:ext cx="925317" cy="523220"/>
+          </a:xfrm>
+          <a:prstGeom prst="rect">
+            <a:avLst/>
+          </a:prstGeom>
+          <a:noFill/>
+        </p:spPr>
+        <p:txBody>
+          <a:bodyPr wrap="none" rtlCol="0">
+            <a:spAutoFit/>
+          </a:bodyPr>
+          <a:lstStyle/>
+          <a:p>
+            <a:pPr algn="ctr"/>
+            <a:r>
+              <a:rPr lang="en-CA" sz="1400" dirty="0"/>
+              <a:t>Extraction</a:t>
+            </a:r>
+          </a:p>
+          <a:p>
+            <a:pPr algn="ctr"/>
+            <a:r>
+              <a:rPr lang="en-CA" sz="1400" dirty="0"/>
+              <a:t>Protocol</a:t>
+            </a:r>
+          </a:p>
+        </p:txBody>
+      </p:sp>
+      <p:sp>
+        <p:nvSpPr>
+          <p:cNvPr id="30" name="TextBox 29"/>
+          <p:cNvSpPr txBox="1"/>
+          <p:nvPr/>
+        </p:nvSpPr>
+        <p:spPr>
+          <a:xfrm>
+            <a:off x="8897112" y="5067221"/>
+            <a:ext cx="1202573" cy="307777"/>
+          </a:xfrm>
+          <a:prstGeom prst="rect">
+            <a:avLst/>
+          </a:prstGeom>
+          <a:noFill/>
+        </p:spPr>
+        <p:txBody>
+          <a:bodyPr wrap="none" rtlCol="0">
+            <a:spAutoFit/>
+          </a:bodyPr>
+          <a:lstStyle/>
+          <a:p>
+            <a:r>
+              <a:rPr lang="en-CA" sz="1400" dirty="0"/>
+              <a:t>Qubit BR DNA</a:t>
+            </a:r>
+          </a:p>
+        </p:txBody>
+      </p:sp>
+      <p:sp>
+        <p:nvSpPr>
+          <p:cNvPr id="31" name="Down Arrow 30"/>
+          <p:cNvSpPr/>
+          <p:nvPr/>
+        </p:nvSpPr>
+        <p:spPr>
+          <a:xfrm>
+            <a:off x="9354312" y="5469557"/>
+            <a:ext cx="301752" cy="749808"/>
+          </a:xfrm>
+          <a:prstGeom prst="downArrow">
+            <a:avLst/>
+          </a:prstGeom>
+        </p:spPr>
+        <p:style>
+          <a:lnRef idx="2">
+            <a:schemeClr val="accent1">
+              <a:shade val="50000"/>
+            </a:schemeClr>
+          </a:lnRef>
+          <a:fillRef idx="1">
+            <a:schemeClr val="accent1"/>
+          </a:fillRef>
+          <a:effectRef idx="0">
+            <a:schemeClr val="accent1"/>
+          </a:effectRef>
+          <a:fontRef idx="minor">
+            <a:schemeClr val="lt1"/>
+          </a:fontRef>
+        </p:style>
+        <p:txBody>
+          <a:bodyPr rtlCol="0" anchor="ctr"/>
+          <a:lstStyle/>
+          <a:p>
+            <a:pPr algn="ctr"/>
+            <a:endParaRPr lang="en-CA"/>
+          </a:p>
+        </p:txBody>
+      </p:sp>
+      <p:sp>
+        <p:nvSpPr>
+          <p:cNvPr id="32" name="TextBox 31"/>
+          <p:cNvSpPr txBox="1"/>
+          <p:nvPr/>
+        </p:nvSpPr>
+        <p:spPr>
+          <a:xfrm>
+            <a:off x="9686544" y="5655485"/>
+            <a:ext cx="1431482" cy="276999"/>
+          </a:xfrm>
+          <a:prstGeom prst="rect">
+            <a:avLst/>
+          </a:prstGeom>
+          <a:noFill/>
+        </p:spPr>
+        <p:txBody>
+          <a:bodyPr wrap="none" rtlCol="0">
+            <a:spAutoFit/>
+          </a:bodyPr>
+          <a:lstStyle/>
+          <a:p>
+            <a:r>
+              <a:rPr lang="en-CA" sz="1200" dirty="0"/>
+              <a:t>16S V4 30 cycle PCR</a:t>
+            </a:r>
+          </a:p>
+        </p:txBody>
+      </p:sp>
+      <p:sp>
+        <p:nvSpPr>
+          <p:cNvPr id="33" name="TextBox 32"/>
+          <p:cNvSpPr txBox="1"/>
+          <p:nvPr/>
+        </p:nvSpPr>
+        <p:spPr>
+          <a:xfrm>
+            <a:off x="8860536" y="6255941"/>
+            <a:ext cx="1527982" cy="307777"/>
+          </a:xfrm>
+          <a:prstGeom prst="rect">
+            <a:avLst/>
+          </a:prstGeom>
+          <a:noFill/>
+        </p:spPr>
+        <p:txBody>
+          <a:bodyPr wrap="none" rtlCol="0">
+            <a:spAutoFit/>
+          </a:bodyPr>
+          <a:lstStyle/>
+          <a:p>
+            <a:r>
+              <a:rPr lang="en-CA" sz="1400" dirty="0" err="1"/>
+              <a:t>MiSeq</a:t>
+            </a:r>
+            <a:r>
+              <a:rPr lang="en-CA" sz="1400" dirty="0"/>
+              <a:t> Sequencing</a:t>
+            </a:r>
+          </a:p>
+        </p:txBody>
+      </p:sp>
+      <p:sp>
+        <p:nvSpPr>
+          <p:cNvPr id="34" name="TextBox 33"/>
+          <p:cNvSpPr txBox="1"/>
+          <p:nvPr/>
+        </p:nvSpPr>
+        <p:spPr>
+          <a:xfrm>
+            <a:off x="274320" y="3849624"/>
+            <a:ext cx="1428981" cy="369332"/>
+          </a:xfrm>
+          <a:prstGeom prst="rect">
+            <a:avLst/>
+          </a:prstGeom>
+          <a:noFill/>
+        </p:spPr>
+        <p:txBody>
+          <a:bodyPr wrap="none" rtlCol="0">
+            <a:spAutoFit/>
+          </a:bodyPr>
+          <a:lstStyle/>
+          <a:p>
+            <a:r>
+              <a:rPr lang="en-CA" b="1" u="sng" dirty="0"/>
+              <a:t>Time Course:</a:t>
+            </a:r>
+          </a:p>
+        </p:txBody>
+      </p:sp>
+      <p:sp>
+        <p:nvSpPr>
+          <p:cNvPr id="35" name="TextBox 34"/>
+          <p:cNvSpPr txBox="1"/>
+          <p:nvPr/>
+        </p:nvSpPr>
+        <p:spPr>
+          <a:xfrm>
+            <a:off x="274320" y="5568696"/>
+            <a:ext cx="2930610" cy="369332"/>
+          </a:xfrm>
+          <a:prstGeom prst="rect">
+            <a:avLst/>
+          </a:prstGeom>
+          <a:noFill/>
+        </p:spPr>
+        <p:txBody>
+          <a:bodyPr wrap="none" rtlCol="0">
+            <a:spAutoFit/>
+          </a:bodyPr>
+          <a:lstStyle/>
+          <a:p>
+            <a:r>
+              <a:rPr lang="en-CA" b="1" u="sng" dirty="0"/>
+              <a:t>Number of Samples Needed:</a:t>
+            </a:r>
+          </a:p>
+        </p:txBody>
+      </p:sp>
+      <p:sp>
+        <p:nvSpPr>
+          <p:cNvPr id="36" name="TextBox 35"/>
+          <p:cNvSpPr txBox="1"/>
+          <p:nvPr/>
+        </p:nvSpPr>
+        <p:spPr>
+          <a:xfrm>
+            <a:off x="8550602" y="958194"/>
+            <a:ext cx="1997855" cy="369332"/>
+          </a:xfrm>
+          <a:prstGeom prst="rect">
+            <a:avLst/>
+          </a:prstGeom>
+          <a:noFill/>
+        </p:spPr>
+        <p:txBody>
+          <a:bodyPr wrap="none" rtlCol="0">
+            <a:spAutoFit/>
+          </a:bodyPr>
+          <a:lstStyle/>
+          <a:p>
+            <a:r>
+              <a:rPr lang="en-CA" b="1" u="sng" dirty="0"/>
+              <a:t>Wet Lab Overview:</a:t>
+            </a:r>
+          </a:p>
+        </p:txBody>
+      </p:sp>
+      <p:sp>
+        <p:nvSpPr>
+          <p:cNvPr id="2" name="Isosceles Triangle 1"/>
+          <p:cNvSpPr/>
+          <p:nvPr/>
+        </p:nvSpPr>
+        <p:spPr>
+          <a:xfrm rot="10800000">
+            <a:off x="1562662" y="4777981"/>
+            <a:ext cx="155448" cy="137160"/>
+          </a:xfrm>
+          <a:prstGeom prst="triangle">
+            <a:avLst/>
+          </a:prstGeom>
+          <a:solidFill>
+            <a:schemeClr val="accent2">
+              <a:lumMod val="75000"/>
+            </a:schemeClr>
+          </a:solidFill>
+          <a:ln>
+            <a:solidFill>
+              <a:schemeClr val="accent2">
+                <a:lumMod val="75000"/>
+              </a:schemeClr>
+            </a:solidFill>
+          </a:ln>
+        </p:spPr>
+        <p:style>
+          <a:lnRef idx="2">
+            <a:schemeClr val="accent1">
+              <a:shade val="50000"/>
+            </a:schemeClr>
+          </a:lnRef>
+          <a:fillRef idx="1">
+            <a:schemeClr val="accent1"/>
+          </a:fillRef>
+          <a:effectRef idx="0">
+            <a:schemeClr val="accent1"/>
+          </a:effectRef>
+          <a:fontRef idx="minor">
+            <a:schemeClr val="lt1"/>
+          </a:fontRef>
+        </p:style>
+        <p:txBody>
+          <a:bodyPr rtlCol="0" anchor="ctr"/>
+          <a:lstStyle/>
+          <a:p>
+            <a:pPr algn="ctr"/>
+            <a:endParaRPr lang="en-CA"/>
+          </a:p>
+        </p:txBody>
+      </p:sp>
+      <p:sp>
+        <p:nvSpPr>
+          <p:cNvPr id="38" name="Isosceles Triangle 37"/>
+          <p:cNvSpPr/>
+          <p:nvPr/>
+        </p:nvSpPr>
+        <p:spPr>
+          <a:xfrm rot="10800000">
+            <a:off x="3758427" y="4749902"/>
+            <a:ext cx="155448" cy="137160"/>
+          </a:xfrm>
+          <a:prstGeom prst="triangle">
+            <a:avLst/>
+          </a:prstGeom>
+          <a:solidFill>
+            <a:schemeClr val="accent2">
+              <a:lumMod val="75000"/>
+            </a:schemeClr>
+          </a:solidFill>
+          <a:ln>
+            <a:solidFill>
+              <a:schemeClr val="accent2">
+                <a:lumMod val="75000"/>
+              </a:schemeClr>
+            </a:solidFill>
+          </a:ln>
+        </p:spPr>
+        <p:style>
+          <a:lnRef idx="2">
+            <a:schemeClr val="accent1">
+              <a:shade val="50000"/>
+            </a:schemeClr>
+          </a:lnRef>
+          <a:fillRef idx="1">
+            <a:schemeClr val="accent1"/>
+          </a:fillRef>
+          <a:effectRef idx="0">
+            <a:schemeClr val="accent1"/>
+          </a:effectRef>
+          <a:fontRef idx="minor">
+            <a:schemeClr val="lt1"/>
+          </a:fontRef>
+        </p:style>
+        <p:txBody>
+          <a:bodyPr rtlCol="0" anchor="ctr"/>
+          <a:lstStyle/>
+          <a:p>
+            <a:pPr algn="ctr"/>
+            <a:endParaRPr lang="en-CA"/>
+          </a:p>
+        </p:txBody>
+      </p:sp>
+      <p:sp>
+        <p:nvSpPr>
+          <p:cNvPr id="39" name="Isosceles Triangle 38"/>
+          <p:cNvSpPr/>
+          <p:nvPr/>
+        </p:nvSpPr>
+        <p:spPr>
+          <a:xfrm rot="10800000">
+            <a:off x="6030386" y="4757922"/>
+            <a:ext cx="155448" cy="137160"/>
+          </a:xfrm>
+          <a:prstGeom prst="triangle">
+            <a:avLst/>
+          </a:prstGeom>
+          <a:solidFill>
+            <a:schemeClr val="accent2">
+              <a:lumMod val="75000"/>
+            </a:schemeClr>
+          </a:solidFill>
+          <a:ln>
+            <a:solidFill>
+              <a:schemeClr val="accent2">
+                <a:lumMod val="75000"/>
+              </a:schemeClr>
+            </a:solidFill>
+          </a:ln>
+        </p:spPr>
+        <p:style>
+          <a:lnRef idx="2">
+            <a:schemeClr val="accent1">
+              <a:shade val="50000"/>
+            </a:schemeClr>
+          </a:lnRef>
+          <a:fillRef idx="1">
+            <a:schemeClr val="accent1"/>
+          </a:fillRef>
+          <a:effectRef idx="0">
+            <a:schemeClr val="accent1"/>
+          </a:effectRef>
+          <a:fontRef idx="minor">
+            <a:schemeClr val="lt1"/>
+          </a:fontRef>
+        </p:style>
+        <p:txBody>
+          <a:bodyPr rtlCol="0" anchor="ctr"/>
+          <a:lstStyle/>
+          <a:p>
+            <a:pPr algn="ctr"/>
+            <a:endParaRPr lang="en-CA"/>
+          </a:p>
+        </p:txBody>
+      </p:sp>
+      <p:sp>
+        <p:nvSpPr>
+          <p:cNvPr id="40" name="Isosceles Triangle 39"/>
+          <p:cNvSpPr/>
+          <p:nvPr/>
+        </p:nvSpPr>
+        <p:spPr>
+          <a:xfrm rot="10800000">
+            <a:off x="507892" y="4757918"/>
+            <a:ext cx="155448" cy="137160"/>
+          </a:xfrm>
+          <a:prstGeom prst="triangle">
+            <a:avLst/>
+          </a:prstGeom>
+          <a:solidFill>
+            <a:schemeClr val="accent2">
+              <a:lumMod val="75000"/>
+            </a:schemeClr>
+          </a:solidFill>
+          <a:ln>
+            <a:solidFill>
+              <a:schemeClr val="accent2">
+                <a:lumMod val="75000"/>
+              </a:schemeClr>
+            </a:solidFill>
+          </a:ln>
+        </p:spPr>
+        <p:style>
+          <a:lnRef idx="2">
+            <a:schemeClr val="accent1">
+              <a:shade val="50000"/>
+            </a:schemeClr>
+          </a:lnRef>
+          <a:fillRef idx="1">
+            <a:schemeClr val="accent1"/>
+          </a:fillRef>
+          <a:effectRef idx="0">
+            <a:schemeClr val="accent1"/>
+          </a:effectRef>
+          <a:fontRef idx="minor">
+            <a:schemeClr val="lt1"/>
+          </a:fontRef>
+        </p:style>
+        <p:txBody>
+          <a:bodyPr rtlCol="0" anchor="ctr"/>
+          <a:lstStyle/>
+          <a:p>
+            <a:pPr algn="ctr"/>
+            <a:endParaRPr lang="en-CA"/>
+          </a:p>
+        </p:txBody>
+      </p:sp>
+      <p:sp>
+        <p:nvSpPr>
+          <p:cNvPr id="3" name="Curved Right Arrow 2">
+            <a:hlinkClick r:id="rId2" action="ppaction://hlinksldjump"/>
+          </p:cNvPr>
+          <p:cNvSpPr/>
+          <p:nvPr/>
+        </p:nvSpPr>
+        <p:spPr>
+          <a:xfrm>
+            <a:off x="11417643" y="6252519"/>
+            <a:ext cx="469557" cy="518984"/>
+          </a:xfrm>
+          <a:prstGeom prst="curvedRightArrow">
+            <a:avLst/>
+          </a:prstGeom>
+        </p:spPr>
+        <p:style>
+          <a:lnRef idx="2">
+            <a:schemeClr val="accent1">
+              <a:shade val="50000"/>
+            </a:schemeClr>
+          </a:lnRef>
+          <a:fillRef idx="1">
+            <a:schemeClr val="accent1"/>
+          </a:fillRef>
+          <a:effectRef idx="0">
+            <a:schemeClr val="accent1"/>
+          </a:effectRef>
+          <a:fontRef idx="minor">
+            <a:schemeClr val="lt1"/>
+          </a:fontRef>
+        </p:style>
+        <p:txBody>
+          <a:bodyPr rtlCol="0" anchor="ctr"/>
+          <a:lstStyle/>
+          <a:p>
+            <a:pPr algn="ctr"/>
+            <a:endParaRPr lang="en-CA">
+              <a:solidFill>
+                <a:schemeClr val="tx1"/>
+              </a:solidFill>
+            </a:endParaRPr>
+          </a:p>
+        </p:txBody>
+      </p:sp>
+      <p:sp>
+        <p:nvSpPr>
+          <p:cNvPr id="37" name="Down Arrow 36"/>
+          <p:cNvSpPr/>
+          <p:nvPr/>
+        </p:nvSpPr>
+        <p:spPr>
+          <a:xfrm>
+            <a:off x="9358403" y="2970116"/>
+            <a:ext cx="365760" cy="338328"/>
+          </a:xfrm>
+          <a:prstGeom prst="downArrow">
+            <a:avLst/>
+          </a:prstGeom>
+        </p:spPr>
+        <p:style>
+          <a:lnRef idx="2">
+            <a:schemeClr val="accent1">
+              <a:shade val="50000"/>
+            </a:schemeClr>
+          </a:lnRef>
+          <a:fillRef idx="1">
+            <a:schemeClr val="accent1"/>
+          </a:fillRef>
+          <a:effectRef idx="0">
+            <a:schemeClr val="accent1"/>
+          </a:effectRef>
+          <a:fontRef idx="minor">
+            <a:schemeClr val="lt1"/>
+          </a:fontRef>
+        </p:style>
+        <p:txBody>
+          <a:bodyPr rtlCol="0" anchor="ctr"/>
+          <a:lstStyle/>
+          <a:p>
+            <a:pPr algn="ctr"/>
+            <a:endParaRPr lang="en-CA"/>
+          </a:p>
+        </p:txBody>
+      </p:sp>
+      <p:sp>
+        <p:nvSpPr>
+          <p:cNvPr id="41" name="Down Arrow 40"/>
+          <p:cNvSpPr/>
+          <p:nvPr/>
+        </p:nvSpPr>
+        <p:spPr>
+          <a:xfrm>
+            <a:off x="9356799" y="3757783"/>
+            <a:ext cx="365760" cy="338328"/>
+          </a:xfrm>
+          <a:prstGeom prst="downArrow">
+            <a:avLst/>
+          </a:prstGeom>
+        </p:spPr>
+        <p:style>
+          <a:lnRef idx="2">
+            <a:schemeClr val="accent1">
+              <a:shade val="50000"/>
+            </a:schemeClr>
+          </a:lnRef>
+          <a:fillRef idx="1">
+            <a:schemeClr val="accent1"/>
+          </a:fillRef>
+          <a:effectRef idx="0">
+            <a:schemeClr val="accent1"/>
+          </a:effectRef>
+          <a:fontRef idx="minor">
+            <a:schemeClr val="lt1"/>
+          </a:fontRef>
+        </p:style>
+        <p:txBody>
+          <a:bodyPr rtlCol="0" anchor="ctr"/>
+          <a:lstStyle/>
+          <a:p>
+            <a:pPr algn="ctr"/>
+            <a:endParaRPr lang="en-CA"/>
+          </a:p>
+        </p:txBody>
+      </p:sp>
+      <p:sp>
+        <p:nvSpPr>
+          <p:cNvPr id="42" name="Down Arrow 41"/>
+          <p:cNvSpPr/>
+          <p:nvPr/>
+        </p:nvSpPr>
+        <p:spPr>
+          <a:xfrm>
+            <a:off x="9364820" y="4670579"/>
+            <a:ext cx="365760" cy="338328"/>
+          </a:xfrm>
+          <a:prstGeom prst="downArrow">
+            <a:avLst/>
+          </a:prstGeom>
+        </p:spPr>
+        <p:style>
+          <a:lnRef idx="2">
+            <a:schemeClr val="accent1">
+              <a:shade val="50000"/>
+            </a:schemeClr>
+          </a:lnRef>
+          <a:fillRef idx="1">
+            <a:schemeClr val="accent1"/>
+          </a:fillRef>
+          <a:effectRef idx="0">
+            <a:schemeClr val="accent1"/>
+          </a:effectRef>
+          <a:fontRef idx="minor">
+            <a:schemeClr val="lt1"/>
+          </a:fontRef>
+        </p:style>
+        <p:txBody>
+          <a:bodyPr rtlCol="0" anchor="ctr"/>
+          <a:lstStyle/>
+          <a:p>
+            <a:pPr algn="ctr"/>
+            <a:endParaRPr lang="en-CA"/>
+          </a:p>
+        </p:txBody>
+      </p:sp>
+      <p:sp>
+        <p:nvSpPr>
+          <p:cNvPr id="6" name="TextBox 5"/>
+          <p:cNvSpPr txBox="1"/>
+          <p:nvPr/>
+        </p:nvSpPr>
+        <p:spPr>
+          <a:xfrm>
+            <a:off x="9798518" y="2897204"/>
+            <a:ext cx="1285929" cy="400110"/>
+          </a:xfrm>
+          <a:prstGeom prst="rect">
+            <a:avLst/>
+          </a:prstGeom>
+          <a:noFill/>
+        </p:spPr>
+        <p:txBody>
+          <a:bodyPr wrap="none" rtlCol="0">
+            <a:spAutoFit/>
+          </a:bodyPr>
+          <a:lstStyle/>
+          <a:p>
+            <a:r>
+              <a:rPr lang="en-CA" sz="1000" dirty="0"/>
+              <a:t>Assess optimum </a:t>
+            </a:r>
+          </a:p>
+          <a:p>
+            <a:r>
+              <a:rPr lang="en-CA" sz="1000" dirty="0"/>
+              <a:t>extraction conditions</a:t>
+            </a:r>
+          </a:p>
+        </p:txBody>
+      </p:sp>
+      <p:sp>
+        <p:nvSpPr>
+          <p:cNvPr id="44" name="Title 1"/>
+          <p:cNvSpPr txBox="1">
+            <a:spLocks/>
+          </p:cNvSpPr>
+          <p:nvPr/>
+        </p:nvSpPr>
+        <p:spPr>
+          <a:xfrm>
+            <a:off x="838200" y="365126"/>
+            <a:ext cx="10515600" cy="539650"/>
+          </a:xfrm>
+          <a:prstGeom prst="rect">
+            <a:avLst/>
+          </a:prstGeom>
+        </p:spPr>
+        <p:txBody>
+          <a:bodyPr vert="horz" lIns="91440" tIns="45720" rIns="91440" bIns="45720" rtlCol="0" anchor="b">
+            <a:normAutofit/>
+          </a:bodyPr>
+          <a:lstStyle>
+            <a:lvl1pPr algn="ctr" defTabSz="914400" rtl="0" eaLnBrk="1" latinLnBrk="0" hangingPunct="1">
+              <a:lnSpc>
+                <a:spcPct val="90000"/>
+              </a:lnSpc>
+              <a:spcBef>
+                <a:spcPct val="0"/>
+              </a:spcBef>
+              <a:buNone/>
+              <a:defRPr sz="6000" kern="1200">
+                <a:solidFill>
+                  <a:schemeClr val="tx1"/>
+                </a:solidFill>
+                <a:latin typeface="+mj-lt"/>
+                <a:ea typeface="+mj-ea"/>
+                <a:cs typeface="+mj-cs"/>
+              </a:defRPr>
+            </a:lvl1pPr>
+          </a:lstStyle>
+          <a:p>
+            <a:pPr algn="l">
+              <a:lnSpc>
+                <a:spcPct val="0"/>
+              </a:lnSpc>
+            </a:pPr>
+            <a:r>
+              <a:rPr lang="en-CA" sz="4400" dirty="0"/>
+              <a:t>One Final Thought on Analysis</a:t>
+            </a:r>
+          </a:p>
+        </p:txBody>
+      </p:sp>
+    </p:spTree>
+    <p:extLst>
+      <p:ext uri="{BB962C8B-B14F-4D97-AF65-F5344CB8AC3E}">
+        <p14:creationId xmlns:p14="http://schemas.microsoft.com/office/powerpoint/2010/main" val="3656400888"/>
+      </p:ext>
+    </p:extLst>
+  </p:cSld>
+  <p:clrMapOvr>
+    <a:masterClrMapping/>
+  </p:clrMapOvr>
+</p:sld>
+</file>
+
 <file path=ppt/slides/slide2.xml><?xml version="1.0" encoding="utf-8"?>
 <p:sld xmlns:a="http://schemas.openxmlformats.org/drawingml/2006/main" xmlns:r="http://schemas.openxmlformats.org/officeDocument/2006/relationships" xmlns:p="http://schemas.openxmlformats.org/presentationml/2006/main">
   <p:cSld>
@@ -3097,7 +8420,7 @@
           <a:p>
             <a:r>
               <a:rPr lang="en-CA" dirty="0"/>
-              <a:t>Introduction</a:t>
+              <a:t>Introduction: Previous Studies</a:t>
             </a:r>
           </a:p>
         </p:txBody>
@@ -3279,7 +8602,7 @@
                       <a:pPr algn="ctr"/>
                       <a:r>
                         <a:rPr lang="en-CA" dirty="0">
-                          <a:hlinkClick r:id="rId2"/>
+                          <a:hlinkClick r:id="rId3"/>
                         </a:rPr>
                         <a:t>http://americangut.org/intra-family-microbial-dynamics/</a:t>
                       </a:r>
@@ -3328,7 +8651,7 @@
                       <a:pPr algn="ctr"/>
                       <a:r>
                         <a:rPr lang="en-CA" dirty="0">
-                          <a:hlinkClick r:id="rId3"/>
+                          <a:hlinkClick r:id="rId4"/>
                         </a:rPr>
                         <a:t>http://www.ubiomeblog.com/the-microbiome-family/</a:t>
                       </a:r>
@@ -3414,6 +8737,3654 @@
     <p:extLst>
       <p:ext uri="{BB962C8B-B14F-4D97-AF65-F5344CB8AC3E}">
         <p14:creationId xmlns:p14="http://schemas.microsoft.com/office/powerpoint/2010/main" val="2506018956"/>
+      </p:ext>
+    </p:extLst>
+  </p:cSld>
+  <p:clrMapOvr>
+    <a:masterClrMapping/>
+  </p:clrMapOvr>
+</p:sld>
+</file>
+
+<file path=ppt/slides/slide3.xml><?xml version="1.0" encoding="utf-8"?>
+<p:sld xmlns:a="http://schemas.openxmlformats.org/drawingml/2006/main" xmlns:r="http://schemas.openxmlformats.org/officeDocument/2006/relationships" xmlns:p="http://schemas.openxmlformats.org/presentationml/2006/main">
+  <p:cSld>
+    <p:spTree>
+      <p:nvGrpSpPr>
+        <p:cNvPr id="1" name=""/>
+        <p:cNvGrpSpPr/>
+        <p:nvPr/>
+      </p:nvGrpSpPr>
+      <p:grpSpPr>
+        <a:xfrm>
+          <a:off x="0" y="0"/>
+          <a:ext cx="0" cy="0"/>
+          <a:chOff x="0" y="0"/>
+          <a:chExt cx="0" cy="0"/>
+        </a:xfrm>
+      </p:grpSpPr>
+      <p:sp>
+        <p:nvSpPr>
+          <p:cNvPr id="2" name="Title 1"/>
+          <p:cNvSpPr>
+            <a:spLocks noGrp="1"/>
+          </p:cNvSpPr>
+          <p:nvPr>
+            <p:ph type="title"/>
+          </p:nvPr>
+        </p:nvSpPr>
+        <p:spPr/>
+        <p:txBody>
+          <a:bodyPr/>
+          <a:lstStyle/>
+          <a:p>
+            <a:r>
+              <a:rPr lang="en-CA" dirty="0"/>
+              <a:t>Introduction: Previous Gut Family Study </a:t>
+            </a:r>
+          </a:p>
+        </p:txBody>
+      </p:sp>
+      <p:pic>
+        <p:nvPicPr>
+          <p:cNvPr id="1026" name="Picture 2" descr="https://static-content.springer.com/image/art%3A10.1186%2F2049-2618-2-25/MediaObjects/40168_2014_Article_54_Fig1_HTML.jpg"/>
+          <p:cNvPicPr>
+            <a:picLocks noChangeAspect="1" noChangeArrowheads="1"/>
+          </p:cNvPicPr>
+          <p:nvPr/>
+        </p:nvPicPr>
+        <p:blipFill>
+          <a:blip r:embed="rId2">
+            <a:extLst>
+              <a:ext uri="{28A0092B-C50C-407E-A947-70E740481C1C}">
+                <a14:useLocalDpi xmlns:a14="http://schemas.microsoft.com/office/drawing/2010/main" val="0"/>
+              </a:ext>
+            </a:extLst>
+          </a:blip>
+          <a:srcRect/>
+          <a:stretch>
+            <a:fillRect/>
+          </a:stretch>
+        </p:blipFill>
+        <p:spPr bwMode="auto">
+          <a:xfrm>
+            <a:off x="381000" y="2502718"/>
+            <a:ext cx="5715000" cy="2895601"/>
+          </a:xfrm>
+          <a:prstGeom prst="rect">
+            <a:avLst/>
+          </a:prstGeom>
+          <a:noFill/>
+          <a:extLst>
+            <a:ext uri="{909E8E84-426E-40DD-AFC4-6F175D3DCCD1}">
+              <a14:hiddenFill xmlns:a14="http://schemas.microsoft.com/office/drawing/2010/main">
+                <a:solidFill>
+                  <a:srgbClr val="FFFFFF"/>
+                </a:solidFill>
+              </a14:hiddenFill>
+            </a:ext>
+          </a:extLst>
+        </p:spPr>
+      </p:pic>
+      <p:pic>
+        <p:nvPicPr>
+          <p:cNvPr id="1028" name="Picture 4" descr="https://static-content.springer.com/image/art%3A10.1186%2F2049-2618-2-25/MediaObjects/40168_2014_Article_54_Fig4_HTML.jpg"/>
+          <p:cNvPicPr>
+            <a:picLocks noChangeAspect="1" noChangeArrowheads="1"/>
+          </p:cNvPicPr>
+          <p:nvPr/>
+        </p:nvPicPr>
+        <p:blipFill>
+          <a:blip r:embed="rId3">
+            <a:extLst>
+              <a:ext uri="{28A0092B-C50C-407E-A947-70E740481C1C}">
+                <a14:useLocalDpi xmlns:a14="http://schemas.microsoft.com/office/drawing/2010/main" val="0"/>
+              </a:ext>
+            </a:extLst>
+          </a:blip>
+          <a:srcRect/>
+          <a:stretch>
+            <a:fillRect/>
+          </a:stretch>
+        </p:blipFill>
+        <p:spPr bwMode="auto">
+          <a:xfrm>
+            <a:off x="6893259" y="2056560"/>
+            <a:ext cx="4300922" cy="4265082"/>
+          </a:xfrm>
+          <a:prstGeom prst="rect">
+            <a:avLst/>
+          </a:prstGeom>
+          <a:noFill/>
+          <a:extLst>
+            <a:ext uri="{909E8E84-426E-40DD-AFC4-6F175D3DCCD1}">
+              <a14:hiddenFill xmlns:a14="http://schemas.microsoft.com/office/drawing/2010/main">
+                <a:solidFill>
+                  <a:srgbClr val="FFFFFF"/>
+                </a:solidFill>
+              </a14:hiddenFill>
+            </a:ext>
+          </a:extLst>
+        </p:spPr>
+      </p:pic>
+      <p:sp>
+        <p:nvSpPr>
+          <p:cNvPr id="4" name="TextBox 3"/>
+          <p:cNvSpPr txBox="1"/>
+          <p:nvPr/>
+        </p:nvSpPr>
+        <p:spPr>
+          <a:xfrm>
+            <a:off x="0" y="6581001"/>
+            <a:ext cx="5701304" cy="276999"/>
+          </a:xfrm>
+          <a:prstGeom prst="rect">
+            <a:avLst/>
+          </a:prstGeom>
+          <a:noFill/>
+        </p:spPr>
+        <p:txBody>
+          <a:bodyPr wrap="none" rtlCol="0">
+            <a:spAutoFit/>
+          </a:bodyPr>
+          <a:lstStyle/>
+          <a:p>
+            <a:r>
+              <a:rPr lang="en-CA" sz="1200" dirty="0"/>
+              <a:t>Schloss PD, et al.  The dynamics of a family’s gut microbiota reveal variations on a theme</a:t>
+            </a:r>
+          </a:p>
+        </p:txBody>
+      </p:sp>
+    </p:spTree>
+    <p:extLst>
+      <p:ext uri="{BB962C8B-B14F-4D97-AF65-F5344CB8AC3E}">
+        <p14:creationId xmlns:p14="http://schemas.microsoft.com/office/powerpoint/2010/main" val="2314344035"/>
+      </p:ext>
+    </p:extLst>
+  </p:cSld>
+  <p:clrMapOvr>
+    <a:masterClrMapping/>
+  </p:clrMapOvr>
+</p:sld>
+</file>
+
+<file path=ppt/slides/slide4.xml><?xml version="1.0" encoding="utf-8"?>
+<p:sld xmlns:a="http://schemas.openxmlformats.org/drawingml/2006/main" xmlns:r="http://schemas.openxmlformats.org/officeDocument/2006/relationships" xmlns:p="http://schemas.openxmlformats.org/presentationml/2006/main">
+  <p:cSld>
+    <p:spTree>
+      <p:nvGrpSpPr>
+        <p:cNvPr id="1" name=""/>
+        <p:cNvGrpSpPr/>
+        <p:nvPr/>
+      </p:nvGrpSpPr>
+      <p:grpSpPr>
+        <a:xfrm>
+          <a:off x="0" y="0"/>
+          <a:ext cx="0" cy="0"/>
+          <a:chOff x="0" y="0"/>
+          <a:chExt cx="0" cy="0"/>
+        </a:xfrm>
+      </p:grpSpPr>
+      <p:sp>
+        <p:nvSpPr>
+          <p:cNvPr id="2" name="Title 1"/>
+          <p:cNvSpPr>
+            <a:spLocks noGrp="1"/>
+          </p:cNvSpPr>
+          <p:nvPr>
+            <p:ph type="title"/>
+          </p:nvPr>
+        </p:nvSpPr>
+        <p:spPr/>
+        <p:txBody>
+          <a:bodyPr/>
+          <a:lstStyle/>
+          <a:p>
+            <a:r>
+              <a:rPr lang="en-CA" dirty="0"/>
+              <a:t>Introduction: Colorectal Cancer and the Microbiome</a:t>
+            </a:r>
+          </a:p>
+        </p:txBody>
+      </p:sp>
+      <p:sp>
+        <p:nvSpPr>
+          <p:cNvPr id="4" name="TextBox 3"/>
+          <p:cNvSpPr txBox="1"/>
+          <p:nvPr/>
+        </p:nvSpPr>
+        <p:spPr>
+          <a:xfrm>
+            <a:off x="0" y="6581001"/>
+            <a:ext cx="4526367" cy="276999"/>
+          </a:xfrm>
+          <a:prstGeom prst="rect">
+            <a:avLst/>
+          </a:prstGeom>
+          <a:noFill/>
+        </p:spPr>
+        <p:txBody>
+          <a:bodyPr wrap="none" rtlCol="0">
+            <a:spAutoFit/>
+          </a:bodyPr>
+          <a:lstStyle/>
+          <a:p>
+            <a:r>
+              <a:rPr lang="en-CA" sz="1200" dirty="0" err="1"/>
+              <a:t>Zackular</a:t>
+            </a:r>
+            <a:r>
+              <a:rPr lang="en-CA" sz="1200" dirty="0"/>
+              <a:t> JP, et al.  The gut microbiome modulates colon </a:t>
+            </a:r>
+            <a:r>
+              <a:rPr lang="en-CA" sz="1200" dirty="0" err="1"/>
+              <a:t>tumorgenesis</a:t>
+            </a:r>
+            <a:endParaRPr lang="en-CA" sz="1200" dirty="0"/>
+          </a:p>
+        </p:txBody>
+      </p:sp>
+      <p:pic>
+        <p:nvPicPr>
+          <p:cNvPr id="3074" name="Picture 2" descr="An external file that holds a picture, illustration, etc.&#10;Object name is mbo0051316550004.jpg"/>
+          <p:cNvPicPr>
+            <a:picLocks noChangeAspect="1" noChangeArrowheads="1"/>
+          </p:cNvPicPr>
+          <p:nvPr/>
+        </p:nvPicPr>
+        <p:blipFill>
+          <a:blip r:embed="rId2">
+            <a:extLst>
+              <a:ext uri="{28A0092B-C50C-407E-A947-70E740481C1C}">
+                <a14:useLocalDpi xmlns:a14="http://schemas.microsoft.com/office/drawing/2010/main" val="0"/>
+              </a:ext>
+            </a:extLst>
+          </a:blip>
+          <a:srcRect/>
+          <a:stretch>
+            <a:fillRect/>
+          </a:stretch>
+        </p:blipFill>
+        <p:spPr bwMode="auto">
+          <a:xfrm>
+            <a:off x="588712" y="1934677"/>
+            <a:ext cx="5263850" cy="4163227"/>
+          </a:xfrm>
+          <a:prstGeom prst="rect">
+            <a:avLst/>
+          </a:prstGeom>
+          <a:noFill/>
+          <a:extLst>
+            <a:ext uri="{909E8E84-426E-40DD-AFC4-6F175D3DCCD1}">
+              <a14:hiddenFill xmlns:a14="http://schemas.microsoft.com/office/drawing/2010/main">
+                <a:solidFill>
+                  <a:srgbClr val="FFFFFF"/>
+                </a:solidFill>
+              </a14:hiddenFill>
+            </a:ext>
+          </a:extLst>
+        </p:spPr>
+      </p:pic>
+      <p:pic>
+        <p:nvPicPr>
+          <p:cNvPr id="3076" name="Picture 4" descr="An external file that holds a picture, illustration, etc.&#10;Object name is mbo0051316550003.jpg"/>
+          <p:cNvPicPr>
+            <a:picLocks noChangeAspect="1" noChangeArrowheads="1"/>
+          </p:cNvPicPr>
+          <p:nvPr/>
+        </p:nvPicPr>
+        <p:blipFill>
+          <a:blip r:embed="rId3">
+            <a:extLst>
+              <a:ext uri="{28A0092B-C50C-407E-A947-70E740481C1C}">
+                <a14:useLocalDpi xmlns:a14="http://schemas.microsoft.com/office/drawing/2010/main" val="0"/>
+              </a:ext>
+            </a:extLst>
+          </a:blip>
+          <a:srcRect/>
+          <a:stretch>
+            <a:fillRect/>
+          </a:stretch>
+        </p:blipFill>
+        <p:spPr bwMode="auto">
+          <a:xfrm>
+            <a:off x="6411995" y="1723917"/>
+            <a:ext cx="5128695" cy="4553660"/>
+          </a:xfrm>
+          <a:prstGeom prst="rect">
+            <a:avLst/>
+          </a:prstGeom>
+          <a:noFill/>
+          <a:extLst>
+            <a:ext uri="{909E8E84-426E-40DD-AFC4-6F175D3DCCD1}">
+              <a14:hiddenFill xmlns:a14="http://schemas.microsoft.com/office/drawing/2010/main">
+                <a:solidFill>
+                  <a:srgbClr val="FFFFFF"/>
+                </a:solidFill>
+              </a14:hiddenFill>
+            </a:ext>
+          </a:extLst>
+        </p:spPr>
+      </p:pic>
+    </p:spTree>
+    <p:extLst>
+      <p:ext uri="{BB962C8B-B14F-4D97-AF65-F5344CB8AC3E}">
+        <p14:creationId xmlns:p14="http://schemas.microsoft.com/office/powerpoint/2010/main" val="2841122306"/>
+      </p:ext>
+    </p:extLst>
+  </p:cSld>
+  <p:clrMapOvr>
+    <a:masterClrMapping/>
+  </p:clrMapOvr>
+</p:sld>
+</file>
+
+<file path=ppt/slides/slide5.xml><?xml version="1.0" encoding="utf-8"?>
+<p:sld xmlns:a="http://schemas.openxmlformats.org/drawingml/2006/main" xmlns:r="http://schemas.openxmlformats.org/officeDocument/2006/relationships" xmlns:p="http://schemas.openxmlformats.org/presentationml/2006/main">
+  <p:cSld>
+    <p:spTree>
+      <p:nvGrpSpPr>
+        <p:cNvPr id="1" name=""/>
+        <p:cNvGrpSpPr/>
+        <p:nvPr/>
+      </p:nvGrpSpPr>
+      <p:grpSpPr>
+        <a:xfrm>
+          <a:off x="0" y="0"/>
+          <a:ext cx="0" cy="0"/>
+          <a:chOff x="0" y="0"/>
+          <a:chExt cx="0" cy="0"/>
+        </a:xfrm>
+      </p:grpSpPr>
+      <p:sp>
+        <p:nvSpPr>
+          <p:cNvPr id="2" name="Title 1"/>
+          <p:cNvSpPr>
+            <a:spLocks noGrp="1"/>
+          </p:cNvSpPr>
+          <p:nvPr>
+            <p:ph type="title"/>
+          </p:nvPr>
+        </p:nvSpPr>
+        <p:spPr/>
+        <p:txBody>
+          <a:bodyPr/>
+          <a:lstStyle/>
+          <a:p>
+            <a:r>
+              <a:rPr lang="en-CA" dirty="0"/>
+              <a:t>Introduction: Colorectal Cancer and the Microbiome</a:t>
+            </a:r>
+          </a:p>
+        </p:txBody>
+      </p:sp>
+      <p:pic>
+        <p:nvPicPr>
+          <p:cNvPr id="2050" name="Picture 2" descr="An external file that holds a picture, illustration, etc.&#10;Object name is 13073_2016_290_Fig2_HTML.jpg"/>
+          <p:cNvPicPr>
+            <a:picLocks noChangeAspect="1" noChangeArrowheads="1"/>
+          </p:cNvPicPr>
+          <p:nvPr/>
+        </p:nvPicPr>
+        <p:blipFill>
+          <a:blip r:embed="rId2">
+            <a:extLst>
+              <a:ext uri="{28A0092B-C50C-407E-A947-70E740481C1C}">
+                <a14:useLocalDpi xmlns:a14="http://schemas.microsoft.com/office/drawing/2010/main" val="0"/>
+              </a:ext>
+            </a:extLst>
+          </a:blip>
+          <a:srcRect/>
+          <a:stretch>
+            <a:fillRect/>
+          </a:stretch>
+        </p:blipFill>
+        <p:spPr bwMode="auto">
+          <a:xfrm>
+            <a:off x="401019" y="2325053"/>
+            <a:ext cx="6404228" cy="2988092"/>
+          </a:xfrm>
+          <a:prstGeom prst="rect">
+            <a:avLst/>
+          </a:prstGeom>
+          <a:noFill/>
+          <a:extLst>
+            <a:ext uri="{909E8E84-426E-40DD-AFC4-6F175D3DCCD1}">
+              <a14:hiddenFill xmlns:a14="http://schemas.microsoft.com/office/drawing/2010/main">
+                <a:solidFill>
+                  <a:srgbClr val="FFFFFF"/>
+                </a:solidFill>
+              </a14:hiddenFill>
+            </a:ext>
+          </a:extLst>
+        </p:spPr>
+      </p:pic>
+      <p:pic>
+        <p:nvPicPr>
+          <p:cNvPr id="2052" name="Picture 4" descr="An external file that holds a picture, illustration, etc.&#10;Object name is 13073_2016_290_Fig4_HTML.jpg"/>
+          <p:cNvPicPr>
+            <a:picLocks noChangeAspect="1" noChangeArrowheads="1"/>
+          </p:cNvPicPr>
+          <p:nvPr/>
+        </p:nvPicPr>
+        <p:blipFill>
+          <a:blip r:embed="rId3">
+            <a:extLst>
+              <a:ext uri="{28A0092B-C50C-407E-A947-70E740481C1C}">
+                <a14:useLocalDpi xmlns:a14="http://schemas.microsoft.com/office/drawing/2010/main" val="0"/>
+              </a:ext>
+            </a:extLst>
+          </a:blip>
+          <a:srcRect/>
+          <a:stretch>
+            <a:fillRect/>
+          </a:stretch>
+        </p:blipFill>
+        <p:spPr bwMode="auto">
+          <a:xfrm>
+            <a:off x="7382579" y="2717365"/>
+            <a:ext cx="3914271" cy="2278147"/>
+          </a:xfrm>
+          <a:prstGeom prst="rect">
+            <a:avLst/>
+          </a:prstGeom>
+          <a:noFill/>
+          <a:extLst>
+            <a:ext uri="{909E8E84-426E-40DD-AFC4-6F175D3DCCD1}">
+              <a14:hiddenFill xmlns:a14="http://schemas.microsoft.com/office/drawing/2010/main">
+                <a:solidFill>
+                  <a:srgbClr val="FFFFFF"/>
+                </a:solidFill>
+              </a14:hiddenFill>
+            </a:ext>
+          </a:extLst>
+        </p:spPr>
+      </p:pic>
+      <p:sp>
+        <p:nvSpPr>
+          <p:cNvPr id="6" name="TextBox 5"/>
+          <p:cNvSpPr txBox="1"/>
+          <p:nvPr/>
+        </p:nvSpPr>
+        <p:spPr>
+          <a:xfrm>
+            <a:off x="0" y="6581001"/>
+            <a:ext cx="7886903" cy="276999"/>
+          </a:xfrm>
+          <a:prstGeom prst="rect">
+            <a:avLst/>
+          </a:prstGeom>
+          <a:noFill/>
+        </p:spPr>
+        <p:txBody>
+          <a:bodyPr wrap="none" rtlCol="0">
+            <a:spAutoFit/>
+          </a:bodyPr>
+          <a:lstStyle/>
+          <a:p>
+            <a:r>
+              <a:rPr lang="en-CA" sz="1200" dirty="0"/>
+              <a:t>Baxter NT, et al.  Microbiota-based model improves the sensitivity of fecal immunochemical test for detecting colonic lesions</a:t>
+            </a:r>
+          </a:p>
+        </p:txBody>
+      </p:sp>
+    </p:spTree>
+    <p:extLst>
+      <p:ext uri="{BB962C8B-B14F-4D97-AF65-F5344CB8AC3E}">
+        <p14:creationId xmlns:p14="http://schemas.microsoft.com/office/powerpoint/2010/main" val="360591689"/>
+      </p:ext>
+    </p:extLst>
+  </p:cSld>
+  <p:clrMapOvr>
+    <a:masterClrMapping/>
+  </p:clrMapOvr>
+</p:sld>
+</file>
+
+<file path=ppt/slides/slide6.xml><?xml version="1.0" encoding="utf-8"?>
+<p:sld xmlns:a="http://schemas.openxmlformats.org/drawingml/2006/main" xmlns:r="http://schemas.openxmlformats.org/officeDocument/2006/relationships" xmlns:p="http://schemas.openxmlformats.org/presentationml/2006/main">
+  <p:cSld>
+    <p:spTree>
+      <p:nvGrpSpPr>
+        <p:cNvPr id="1" name=""/>
+        <p:cNvGrpSpPr/>
+        <p:nvPr/>
+      </p:nvGrpSpPr>
+      <p:grpSpPr>
+        <a:xfrm>
+          <a:off x="0" y="0"/>
+          <a:ext cx="0" cy="0"/>
+          <a:chOff x="0" y="0"/>
+          <a:chExt cx="0" cy="0"/>
+        </a:xfrm>
+      </p:grpSpPr>
+      <p:sp>
+        <p:nvSpPr>
+          <p:cNvPr id="2" name="Title 1"/>
+          <p:cNvSpPr>
+            <a:spLocks noGrp="1"/>
+          </p:cNvSpPr>
+          <p:nvPr>
+            <p:ph type="title"/>
+          </p:nvPr>
+        </p:nvSpPr>
+        <p:spPr/>
+        <p:txBody>
+          <a:bodyPr/>
+          <a:lstStyle/>
+          <a:p>
+            <a:r>
+              <a:rPr lang="en-CA" dirty="0"/>
+              <a:t>Overarching Hypothesis and Specific Aims</a:t>
+            </a:r>
+          </a:p>
+        </p:txBody>
+      </p:sp>
+      <p:sp>
+        <p:nvSpPr>
+          <p:cNvPr id="3" name="Content Placeholder 2"/>
+          <p:cNvSpPr>
+            <a:spLocks noGrp="1"/>
+          </p:cNvSpPr>
+          <p:nvPr>
+            <p:ph idx="1"/>
+          </p:nvPr>
+        </p:nvSpPr>
+        <p:spPr/>
+        <p:txBody>
+          <a:bodyPr>
+            <a:normAutofit lnSpcReduction="10000"/>
+          </a:bodyPr>
+          <a:lstStyle/>
+          <a:p>
+            <a:r>
+              <a:rPr lang="en-CA" dirty="0"/>
+              <a:t>Whether the bacterial community between normal and FAP families is different and whether specific members’ heritability is strongly influenced by the autosomal dominant APC gene defect.</a:t>
+            </a:r>
+          </a:p>
+          <a:p>
+            <a:pPr lvl="1"/>
+            <a:endParaRPr lang="en-CA" dirty="0"/>
+          </a:p>
+          <a:p>
+            <a:pPr lvl="1"/>
+            <a:r>
+              <a:rPr lang="en-CA" dirty="0"/>
+              <a:t>Aim 1: Is there a detectable difference in stool in those with and without FAP?</a:t>
+            </a:r>
+          </a:p>
+          <a:p>
+            <a:pPr lvl="1"/>
+            <a:endParaRPr lang="en-CA" dirty="0"/>
+          </a:p>
+          <a:p>
+            <a:pPr lvl="1"/>
+            <a:r>
+              <a:rPr lang="en-CA" dirty="0"/>
+              <a:t>Aim2: Within the same family and across families is there a consistent microbiome signature difference between those with FAP and those without disease?</a:t>
+            </a:r>
+          </a:p>
+          <a:p>
+            <a:pPr lvl="1"/>
+            <a:endParaRPr lang="en-CA" dirty="0"/>
+          </a:p>
+          <a:p>
+            <a:pPr lvl="1"/>
+            <a:r>
+              <a:rPr lang="en-CA" dirty="0"/>
+              <a:t>Aim3: Is there a detectable difference between the bacterial microbiome of benign and polyp tissue in those with FAP?</a:t>
+            </a:r>
+          </a:p>
+          <a:p>
+            <a:pPr lvl="1"/>
+            <a:endParaRPr lang="en-CA" dirty="0"/>
+          </a:p>
+        </p:txBody>
+      </p:sp>
+    </p:spTree>
+    <p:extLst>
+      <p:ext uri="{BB962C8B-B14F-4D97-AF65-F5344CB8AC3E}">
+        <p14:creationId xmlns:p14="http://schemas.microsoft.com/office/powerpoint/2010/main" val="2541958443"/>
+      </p:ext>
+    </p:extLst>
+  </p:cSld>
+  <p:clrMapOvr>
+    <a:masterClrMapping/>
+  </p:clrMapOvr>
+</p:sld>
+</file>
+
+<file path=ppt/slides/slide7.xml><?xml version="1.0" encoding="utf-8"?>
+<p:sld xmlns:a="http://schemas.openxmlformats.org/drawingml/2006/main" xmlns:r="http://schemas.openxmlformats.org/officeDocument/2006/relationships" xmlns:p="http://schemas.openxmlformats.org/presentationml/2006/main">
+  <p:cSld>
+    <p:spTree>
+      <p:nvGrpSpPr>
+        <p:cNvPr id="1" name=""/>
+        <p:cNvGrpSpPr/>
+        <p:nvPr/>
+      </p:nvGrpSpPr>
+      <p:grpSpPr>
+        <a:xfrm>
+          <a:off x="0" y="0"/>
+          <a:ext cx="0" cy="0"/>
+          <a:chOff x="0" y="0"/>
+          <a:chExt cx="0" cy="0"/>
+        </a:xfrm>
+      </p:grpSpPr>
+      <p:sp>
+        <p:nvSpPr>
+          <p:cNvPr id="2" name="Title 1"/>
+          <p:cNvSpPr>
+            <a:spLocks noGrp="1"/>
+          </p:cNvSpPr>
+          <p:nvPr>
+            <p:ph type="title"/>
+          </p:nvPr>
+        </p:nvSpPr>
+        <p:spPr/>
+        <p:txBody>
+          <a:bodyPr/>
+          <a:lstStyle/>
+          <a:p>
+            <a:r>
+              <a:rPr lang="en-CA" dirty="0"/>
+              <a:t>Sampling Overview</a:t>
+            </a:r>
+          </a:p>
+        </p:txBody>
+      </p:sp>
+      <p:sp>
+        <p:nvSpPr>
+          <p:cNvPr id="4" name="Right Arrow 3"/>
+          <p:cNvSpPr/>
+          <p:nvPr/>
+        </p:nvSpPr>
+        <p:spPr>
+          <a:xfrm>
+            <a:off x="622300" y="2374900"/>
+            <a:ext cx="6565900" cy="584200"/>
+          </a:xfrm>
+          <a:prstGeom prst="rightArrow">
+            <a:avLst/>
+          </a:prstGeom>
+        </p:spPr>
+        <p:style>
+          <a:lnRef idx="2">
+            <a:schemeClr val="accent1">
+              <a:shade val="50000"/>
+            </a:schemeClr>
+          </a:lnRef>
+          <a:fillRef idx="1">
+            <a:schemeClr val="accent1"/>
+          </a:fillRef>
+          <a:effectRef idx="0">
+            <a:schemeClr val="accent1"/>
+          </a:effectRef>
+          <a:fontRef idx="minor">
+            <a:schemeClr val="lt1"/>
+          </a:fontRef>
+        </p:style>
+        <p:txBody>
+          <a:bodyPr rtlCol="0" anchor="ctr"/>
+          <a:lstStyle/>
+          <a:p>
+            <a:pPr algn="ctr"/>
+            <a:endParaRPr lang="en-CA"/>
+          </a:p>
+        </p:txBody>
+      </p:sp>
+      <p:sp>
+        <p:nvSpPr>
+          <p:cNvPr id="5" name="Isosceles Triangle 4"/>
+          <p:cNvSpPr/>
+          <p:nvPr/>
+        </p:nvSpPr>
+        <p:spPr>
+          <a:xfrm rot="10800000">
+            <a:off x="508000" y="2311400"/>
+            <a:ext cx="254000" cy="241300"/>
+          </a:xfrm>
+          <a:prstGeom prst="triangle">
+            <a:avLst/>
+          </a:prstGeom>
+          <a:solidFill>
+            <a:schemeClr val="accent2"/>
+          </a:solidFill>
+          <a:ln>
+            <a:solidFill>
+              <a:schemeClr val="accent2"/>
+            </a:solidFill>
+          </a:ln>
+        </p:spPr>
+        <p:style>
+          <a:lnRef idx="2">
+            <a:schemeClr val="accent1">
+              <a:shade val="50000"/>
+            </a:schemeClr>
+          </a:lnRef>
+          <a:fillRef idx="1">
+            <a:schemeClr val="accent1"/>
+          </a:fillRef>
+          <a:effectRef idx="0">
+            <a:schemeClr val="accent1"/>
+          </a:effectRef>
+          <a:fontRef idx="minor">
+            <a:schemeClr val="lt1"/>
+          </a:fontRef>
+        </p:style>
+        <p:txBody>
+          <a:bodyPr rtlCol="0" anchor="ctr"/>
+          <a:lstStyle/>
+          <a:p>
+            <a:pPr algn="ctr"/>
+            <a:endParaRPr lang="en-CA"/>
+          </a:p>
+        </p:txBody>
+      </p:sp>
+      <p:sp>
+        <p:nvSpPr>
+          <p:cNvPr id="6" name="Isosceles Triangle 5"/>
+          <p:cNvSpPr/>
+          <p:nvPr/>
+        </p:nvSpPr>
+        <p:spPr>
+          <a:xfrm rot="10800000">
+            <a:off x="3695700" y="2311400"/>
+            <a:ext cx="254000" cy="241300"/>
+          </a:xfrm>
+          <a:prstGeom prst="triangle">
+            <a:avLst/>
+          </a:prstGeom>
+          <a:solidFill>
+            <a:schemeClr val="accent2"/>
+          </a:solidFill>
+          <a:ln>
+            <a:solidFill>
+              <a:schemeClr val="accent2"/>
+            </a:solidFill>
+          </a:ln>
+        </p:spPr>
+        <p:style>
+          <a:lnRef idx="2">
+            <a:schemeClr val="accent1">
+              <a:shade val="50000"/>
+            </a:schemeClr>
+          </a:lnRef>
+          <a:fillRef idx="1">
+            <a:schemeClr val="accent1"/>
+          </a:fillRef>
+          <a:effectRef idx="0">
+            <a:schemeClr val="accent1"/>
+          </a:effectRef>
+          <a:fontRef idx="minor">
+            <a:schemeClr val="lt1"/>
+          </a:fontRef>
+        </p:style>
+        <p:txBody>
+          <a:bodyPr rtlCol="0" anchor="ctr"/>
+          <a:lstStyle/>
+          <a:p>
+            <a:pPr algn="ctr"/>
+            <a:endParaRPr lang="en-CA"/>
+          </a:p>
+        </p:txBody>
+      </p:sp>
+      <p:sp>
+        <p:nvSpPr>
+          <p:cNvPr id="7" name="Isosceles Triangle 6"/>
+          <p:cNvSpPr/>
+          <p:nvPr/>
+        </p:nvSpPr>
+        <p:spPr>
+          <a:xfrm rot="10800000">
+            <a:off x="6464300" y="2311400"/>
+            <a:ext cx="254000" cy="241300"/>
+          </a:xfrm>
+          <a:prstGeom prst="triangle">
+            <a:avLst/>
+          </a:prstGeom>
+          <a:solidFill>
+            <a:schemeClr val="accent2"/>
+          </a:solidFill>
+          <a:ln>
+            <a:solidFill>
+              <a:schemeClr val="accent2"/>
+            </a:solidFill>
+          </a:ln>
+        </p:spPr>
+        <p:style>
+          <a:lnRef idx="2">
+            <a:schemeClr val="accent1">
+              <a:shade val="50000"/>
+            </a:schemeClr>
+          </a:lnRef>
+          <a:fillRef idx="1">
+            <a:schemeClr val="accent1"/>
+          </a:fillRef>
+          <a:effectRef idx="0">
+            <a:schemeClr val="accent1"/>
+          </a:effectRef>
+          <a:fontRef idx="minor">
+            <a:schemeClr val="lt1"/>
+          </a:fontRef>
+        </p:style>
+        <p:txBody>
+          <a:bodyPr rtlCol="0" anchor="ctr"/>
+          <a:lstStyle/>
+          <a:p>
+            <a:pPr algn="ctr"/>
+            <a:endParaRPr lang="en-CA"/>
+          </a:p>
+        </p:txBody>
+      </p:sp>
+      <p:sp>
+        <p:nvSpPr>
+          <p:cNvPr id="8" name="TextBox 7"/>
+          <p:cNvSpPr txBox="1"/>
+          <p:nvPr/>
+        </p:nvSpPr>
+        <p:spPr>
+          <a:xfrm>
+            <a:off x="355600" y="2959100"/>
+            <a:ext cx="1324273" cy="369332"/>
+          </a:xfrm>
+          <a:prstGeom prst="rect">
+            <a:avLst/>
+          </a:prstGeom>
+          <a:noFill/>
+        </p:spPr>
+        <p:txBody>
+          <a:bodyPr wrap="none" rtlCol="0">
+            <a:spAutoFit/>
+          </a:bodyPr>
+          <a:lstStyle/>
+          <a:p>
+            <a:r>
+              <a:rPr lang="en-CA" dirty="0"/>
+              <a:t>1</a:t>
+            </a:r>
+            <a:r>
+              <a:rPr lang="en-CA" baseline="30000" dirty="0"/>
+              <a:t>st</a:t>
+            </a:r>
+            <a:r>
+              <a:rPr lang="en-CA" dirty="0"/>
+              <a:t> Sampling</a:t>
+            </a:r>
+          </a:p>
+        </p:txBody>
+      </p:sp>
+      <p:sp>
+        <p:nvSpPr>
+          <p:cNvPr id="9" name="TextBox 8"/>
+          <p:cNvSpPr txBox="1"/>
+          <p:nvPr/>
+        </p:nvSpPr>
+        <p:spPr>
+          <a:xfrm>
+            <a:off x="3352800" y="2959100"/>
+            <a:ext cx="1374094" cy="369332"/>
+          </a:xfrm>
+          <a:prstGeom prst="rect">
+            <a:avLst/>
+          </a:prstGeom>
+          <a:noFill/>
+        </p:spPr>
+        <p:txBody>
+          <a:bodyPr wrap="none" rtlCol="0">
+            <a:spAutoFit/>
+          </a:bodyPr>
+          <a:lstStyle/>
+          <a:p>
+            <a:r>
+              <a:rPr lang="en-CA" dirty="0"/>
+              <a:t>2</a:t>
+            </a:r>
+            <a:r>
+              <a:rPr lang="en-CA" baseline="30000" dirty="0"/>
+              <a:t>nd</a:t>
+            </a:r>
+            <a:r>
+              <a:rPr lang="en-CA" dirty="0"/>
+              <a:t> Sampling</a:t>
+            </a:r>
+          </a:p>
+        </p:txBody>
+      </p:sp>
+      <p:sp>
+        <p:nvSpPr>
+          <p:cNvPr id="10" name="TextBox 9"/>
+          <p:cNvSpPr txBox="1"/>
+          <p:nvPr/>
+        </p:nvSpPr>
+        <p:spPr>
+          <a:xfrm>
+            <a:off x="5638800" y="2959100"/>
+            <a:ext cx="1397627" cy="369332"/>
+          </a:xfrm>
+          <a:prstGeom prst="rect">
+            <a:avLst/>
+          </a:prstGeom>
+          <a:noFill/>
+        </p:spPr>
+        <p:txBody>
+          <a:bodyPr wrap="none" rtlCol="0">
+            <a:spAutoFit/>
+          </a:bodyPr>
+          <a:lstStyle/>
+          <a:p>
+            <a:r>
+              <a:rPr lang="en-CA" dirty="0"/>
+              <a:t>3</a:t>
+            </a:r>
+            <a:r>
+              <a:rPr lang="en-CA" baseline="30000" dirty="0"/>
+              <a:t>rd</a:t>
+            </a:r>
+            <a:r>
+              <a:rPr lang="en-CA" dirty="0"/>
+              <a:t> Sampling</a:t>
+            </a:r>
+          </a:p>
+        </p:txBody>
+      </p:sp>
+      <p:sp>
+        <p:nvSpPr>
+          <p:cNvPr id="11" name="TextBox 10"/>
+          <p:cNvSpPr txBox="1"/>
+          <p:nvPr/>
+        </p:nvSpPr>
+        <p:spPr>
+          <a:xfrm>
+            <a:off x="406400" y="3302000"/>
+            <a:ext cx="2716256" cy="954107"/>
+          </a:xfrm>
+          <a:prstGeom prst="rect">
+            <a:avLst/>
+          </a:prstGeom>
+          <a:noFill/>
+        </p:spPr>
+        <p:txBody>
+          <a:bodyPr wrap="none" rtlCol="0">
+            <a:spAutoFit/>
+          </a:bodyPr>
+          <a:lstStyle/>
+          <a:p>
+            <a:pPr marL="285750" indent="-285750">
+              <a:buFontTx/>
+              <a:buChar char="-"/>
+            </a:pPr>
+            <a:r>
+              <a:rPr lang="en-CA" sz="1400" dirty="0"/>
+              <a:t>Demographics</a:t>
+            </a:r>
+          </a:p>
+          <a:p>
+            <a:pPr marL="285750" indent="-285750">
+              <a:buFontTx/>
+              <a:buChar char="-"/>
+            </a:pPr>
+            <a:r>
+              <a:rPr lang="en-CA" sz="1400" dirty="0"/>
+              <a:t>Food Frequency Questionnaire</a:t>
+            </a:r>
+          </a:p>
+          <a:p>
+            <a:pPr marL="285750" indent="-285750">
+              <a:buFontTx/>
+              <a:buChar char="-"/>
+            </a:pPr>
+            <a:r>
+              <a:rPr lang="en-CA" sz="1400" dirty="0"/>
+              <a:t>Medical History</a:t>
+            </a:r>
+          </a:p>
+          <a:p>
+            <a:pPr marL="285750" indent="-285750">
+              <a:buFontTx/>
+              <a:buChar char="-"/>
+            </a:pPr>
+            <a:endParaRPr lang="en-CA" sz="1400" dirty="0"/>
+          </a:p>
+        </p:txBody>
+      </p:sp>
+      <p:sp>
+        <p:nvSpPr>
+          <p:cNvPr id="13" name="TextBox 12"/>
+          <p:cNvSpPr txBox="1"/>
+          <p:nvPr/>
+        </p:nvSpPr>
+        <p:spPr>
+          <a:xfrm>
+            <a:off x="317500" y="1524000"/>
+            <a:ext cx="2108975" cy="369332"/>
+          </a:xfrm>
+          <a:prstGeom prst="rect">
+            <a:avLst/>
+          </a:prstGeom>
+          <a:noFill/>
+        </p:spPr>
+        <p:txBody>
+          <a:bodyPr wrap="none" rtlCol="0">
+            <a:spAutoFit/>
+          </a:bodyPr>
+          <a:lstStyle/>
+          <a:p>
+            <a:r>
+              <a:rPr lang="en-CA" dirty="0"/>
+              <a:t>Repeated every year</a:t>
+            </a:r>
+          </a:p>
+        </p:txBody>
+      </p:sp>
+      <p:sp>
+        <p:nvSpPr>
+          <p:cNvPr id="14" name="Rectangle 13"/>
+          <p:cNvSpPr/>
+          <p:nvPr/>
+        </p:nvSpPr>
+        <p:spPr>
+          <a:xfrm>
+            <a:off x="241300" y="1549400"/>
+            <a:ext cx="7708900" cy="2514600"/>
+          </a:xfrm>
+          <a:prstGeom prst="rect">
+            <a:avLst/>
+          </a:prstGeom>
+          <a:noFill/>
+          <a:ln w="22225">
+            <a:solidFill>
+              <a:srgbClr val="002060"/>
+            </a:solidFill>
+          </a:ln>
+        </p:spPr>
+        <p:style>
+          <a:lnRef idx="2">
+            <a:schemeClr val="accent1">
+              <a:shade val="50000"/>
+            </a:schemeClr>
+          </a:lnRef>
+          <a:fillRef idx="1">
+            <a:schemeClr val="accent1"/>
+          </a:fillRef>
+          <a:effectRef idx="0">
+            <a:schemeClr val="accent1"/>
+          </a:effectRef>
+          <a:fontRef idx="minor">
+            <a:schemeClr val="lt1"/>
+          </a:fontRef>
+        </p:style>
+        <p:txBody>
+          <a:bodyPr rtlCol="0" anchor="ctr"/>
+          <a:lstStyle/>
+          <a:p>
+            <a:pPr algn="ctr"/>
+            <a:endParaRPr lang="en-CA" dirty="0"/>
+          </a:p>
+        </p:txBody>
+      </p:sp>
+      <p:sp>
+        <p:nvSpPr>
+          <p:cNvPr id="15" name="Right Arrow 14"/>
+          <p:cNvSpPr/>
+          <p:nvPr/>
+        </p:nvSpPr>
+        <p:spPr>
+          <a:xfrm>
+            <a:off x="774700" y="5283200"/>
+            <a:ext cx="6299200" cy="546100"/>
+          </a:xfrm>
+          <a:prstGeom prst="rightArrow">
+            <a:avLst/>
+          </a:prstGeom>
+        </p:spPr>
+        <p:style>
+          <a:lnRef idx="2">
+            <a:schemeClr val="accent1">
+              <a:shade val="50000"/>
+            </a:schemeClr>
+          </a:lnRef>
+          <a:fillRef idx="1">
+            <a:schemeClr val="accent1"/>
+          </a:fillRef>
+          <a:effectRef idx="0">
+            <a:schemeClr val="accent1"/>
+          </a:effectRef>
+          <a:fontRef idx="minor">
+            <a:schemeClr val="lt1"/>
+          </a:fontRef>
+        </p:style>
+        <p:txBody>
+          <a:bodyPr rtlCol="0" anchor="ctr"/>
+          <a:lstStyle/>
+          <a:p>
+            <a:pPr algn="ctr"/>
+            <a:endParaRPr lang="en-CA"/>
+          </a:p>
+        </p:txBody>
+      </p:sp>
+      <p:sp>
+        <p:nvSpPr>
+          <p:cNvPr id="16" name="Isosceles Triangle 15"/>
+          <p:cNvSpPr/>
+          <p:nvPr/>
+        </p:nvSpPr>
+        <p:spPr>
+          <a:xfrm rot="10800000">
+            <a:off x="673100" y="5194300"/>
+            <a:ext cx="254000" cy="241300"/>
+          </a:xfrm>
+          <a:prstGeom prst="triangle">
+            <a:avLst/>
+          </a:prstGeom>
+          <a:solidFill>
+            <a:schemeClr val="accent2"/>
+          </a:solidFill>
+          <a:ln>
+            <a:solidFill>
+              <a:schemeClr val="accent2"/>
+            </a:solidFill>
+          </a:ln>
+        </p:spPr>
+        <p:style>
+          <a:lnRef idx="2">
+            <a:schemeClr val="accent1">
+              <a:shade val="50000"/>
+            </a:schemeClr>
+          </a:lnRef>
+          <a:fillRef idx="1">
+            <a:schemeClr val="accent1"/>
+          </a:fillRef>
+          <a:effectRef idx="0">
+            <a:schemeClr val="accent1"/>
+          </a:effectRef>
+          <a:fontRef idx="minor">
+            <a:schemeClr val="lt1"/>
+          </a:fontRef>
+        </p:style>
+        <p:txBody>
+          <a:bodyPr rtlCol="0" anchor="ctr"/>
+          <a:lstStyle/>
+          <a:p>
+            <a:pPr algn="ctr"/>
+            <a:endParaRPr lang="en-CA"/>
+          </a:p>
+        </p:txBody>
+      </p:sp>
+      <p:sp>
+        <p:nvSpPr>
+          <p:cNvPr id="17" name="Isosceles Triangle 16"/>
+          <p:cNvSpPr/>
+          <p:nvPr/>
+        </p:nvSpPr>
+        <p:spPr>
+          <a:xfrm rot="10800000">
+            <a:off x="3860800" y="5194300"/>
+            <a:ext cx="254000" cy="241300"/>
+          </a:xfrm>
+          <a:prstGeom prst="triangle">
+            <a:avLst/>
+          </a:prstGeom>
+          <a:solidFill>
+            <a:schemeClr val="accent2"/>
+          </a:solidFill>
+          <a:ln>
+            <a:solidFill>
+              <a:schemeClr val="accent2"/>
+            </a:solidFill>
+          </a:ln>
+        </p:spPr>
+        <p:style>
+          <a:lnRef idx="2">
+            <a:schemeClr val="accent1">
+              <a:shade val="50000"/>
+            </a:schemeClr>
+          </a:lnRef>
+          <a:fillRef idx="1">
+            <a:schemeClr val="accent1"/>
+          </a:fillRef>
+          <a:effectRef idx="0">
+            <a:schemeClr val="accent1"/>
+          </a:effectRef>
+          <a:fontRef idx="minor">
+            <a:schemeClr val="lt1"/>
+          </a:fontRef>
+        </p:style>
+        <p:txBody>
+          <a:bodyPr rtlCol="0" anchor="ctr"/>
+          <a:lstStyle/>
+          <a:p>
+            <a:pPr algn="ctr"/>
+            <a:endParaRPr lang="en-CA"/>
+          </a:p>
+        </p:txBody>
+      </p:sp>
+      <p:sp>
+        <p:nvSpPr>
+          <p:cNvPr id="18" name="Isosceles Triangle 17"/>
+          <p:cNvSpPr/>
+          <p:nvPr/>
+        </p:nvSpPr>
+        <p:spPr>
+          <a:xfrm rot="10800000">
+            <a:off x="6629400" y="5194300"/>
+            <a:ext cx="254000" cy="241300"/>
+          </a:xfrm>
+          <a:prstGeom prst="triangle">
+            <a:avLst/>
+          </a:prstGeom>
+          <a:solidFill>
+            <a:schemeClr val="accent2"/>
+          </a:solidFill>
+          <a:ln>
+            <a:solidFill>
+              <a:schemeClr val="accent2"/>
+            </a:solidFill>
+          </a:ln>
+        </p:spPr>
+        <p:style>
+          <a:lnRef idx="2">
+            <a:schemeClr val="accent1">
+              <a:shade val="50000"/>
+            </a:schemeClr>
+          </a:lnRef>
+          <a:fillRef idx="1">
+            <a:schemeClr val="accent1"/>
+          </a:fillRef>
+          <a:effectRef idx="0">
+            <a:schemeClr val="accent1"/>
+          </a:effectRef>
+          <a:fontRef idx="minor">
+            <a:schemeClr val="lt1"/>
+          </a:fontRef>
+        </p:style>
+        <p:txBody>
+          <a:bodyPr rtlCol="0" anchor="ctr"/>
+          <a:lstStyle/>
+          <a:p>
+            <a:pPr algn="ctr"/>
+            <a:endParaRPr lang="en-CA"/>
+          </a:p>
+        </p:txBody>
+      </p:sp>
+      <p:sp>
+        <p:nvSpPr>
+          <p:cNvPr id="19" name="TextBox 18"/>
+          <p:cNvSpPr txBox="1"/>
+          <p:nvPr/>
+        </p:nvSpPr>
+        <p:spPr>
+          <a:xfrm>
+            <a:off x="317500" y="5702300"/>
+            <a:ext cx="2051972" cy="369332"/>
+          </a:xfrm>
+          <a:prstGeom prst="rect">
+            <a:avLst/>
+          </a:prstGeom>
+          <a:noFill/>
+        </p:spPr>
+        <p:txBody>
+          <a:bodyPr wrap="none" rtlCol="0">
+            <a:spAutoFit/>
+          </a:bodyPr>
+          <a:lstStyle/>
+          <a:p>
+            <a:r>
+              <a:rPr lang="en-CA" dirty="0"/>
+              <a:t>Before Colonoscopy</a:t>
+            </a:r>
+          </a:p>
+        </p:txBody>
+      </p:sp>
+      <p:sp>
+        <p:nvSpPr>
+          <p:cNvPr id="20" name="TextBox 19"/>
+          <p:cNvSpPr txBox="1"/>
+          <p:nvPr/>
+        </p:nvSpPr>
+        <p:spPr>
+          <a:xfrm>
+            <a:off x="3302000" y="5702300"/>
+            <a:ext cx="1380634" cy="369332"/>
+          </a:xfrm>
+          <a:prstGeom prst="rect">
+            <a:avLst/>
+          </a:prstGeom>
+          <a:noFill/>
+        </p:spPr>
+        <p:txBody>
+          <a:bodyPr wrap="none" rtlCol="0">
+            <a:spAutoFit/>
+          </a:bodyPr>
+          <a:lstStyle/>
+          <a:p>
+            <a:r>
+              <a:rPr lang="en-CA" dirty="0"/>
+              <a:t>Colonoscopy</a:t>
+            </a:r>
+          </a:p>
+        </p:txBody>
+      </p:sp>
+      <p:sp>
+        <p:nvSpPr>
+          <p:cNvPr id="21" name="TextBox 20"/>
+          <p:cNvSpPr txBox="1"/>
+          <p:nvPr/>
+        </p:nvSpPr>
+        <p:spPr>
+          <a:xfrm>
+            <a:off x="5994400" y="5753100"/>
+            <a:ext cx="1907125" cy="369332"/>
+          </a:xfrm>
+          <a:prstGeom prst="rect">
+            <a:avLst/>
+          </a:prstGeom>
+          <a:noFill/>
+        </p:spPr>
+        <p:txBody>
+          <a:bodyPr wrap="none" rtlCol="0">
+            <a:spAutoFit/>
+          </a:bodyPr>
+          <a:lstStyle/>
+          <a:p>
+            <a:r>
+              <a:rPr lang="en-CA" dirty="0"/>
+              <a:t>After Colonoscopy</a:t>
+            </a:r>
+          </a:p>
+        </p:txBody>
+      </p:sp>
+      <p:sp>
+        <p:nvSpPr>
+          <p:cNvPr id="22" name="TextBox 21"/>
+          <p:cNvSpPr txBox="1"/>
+          <p:nvPr/>
+        </p:nvSpPr>
+        <p:spPr>
+          <a:xfrm>
+            <a:off x="342900" y="5994400"/>
+            <a:ext cx="2716256" cy="738664"/>
+          </a:xfrm>
+          <a:prstGeom prst="rect">
+            <a:avLst/>
+          </a:prstGeom>
+          <a:noFill/>
+        </p:spPr>
+        <p:txBody>
+          <a:bodyPr wrap="none" rtlCol="0">
+            <a:spAutoFit/>
+          </a:bodyPr>
+          <a:lstStyle/>
+          <a:p>
+            <a:pPr marL="285750" indent="-285750">
+              <a:buFontTx/>
+              <a:buChar char="-"/>
+            </a:pPr>
+            <a:r>
+              <a:rPr lang="en-CA" sz="1400" dirty="0"/>
+              <a:t>Demographics</a:t>
+            </a:r>
+          </a:p>
+          <a:p>
+            <a:pPr marL="285750" indent="-285750">
+              <a:buFontTx/>
+              <a:buChar char="-"/>
+            </a:pPr>
+            <a:r>
+              <a:rPr lang="en-CA" sz="1400" dirty="0"/>
+              <a:t>Food Frequency Questionnaire</a:t>
+            </a:r>
+          </a:p>
+          <a:p>
+            <a:pPr marL="285750" indent="-285750">
+              <a:buFontTx/>
+              <a:buChar char="-"/>
+            </a:pPr>
+            <a:r>
+              <a:rPr lang="en-CA" sz="1400" dirty="0"/>
+              <a:t>Medical History</a:t>
+            </a:r>
+          </a:p>
+        </p:txBody>
+      </p:sp>
+      <p:sp>
+        <p:nvSpPr>
+          <p:cNvPr id="23" name="TextBox 22"/>
+          <p:cNvSpPr txBox="1"/>
+          <p:nvPr/>
+        </p:nvSpPr>
+        <p:spPr>
+          <a:xfrm>
+            <a:off x="330200" y="1981200"/>
+            <a:ext cx="661720" cy="369332"/>
+          </a:xfrm>
+          <a:prstGeom prst="rect">
+            <a:avLst/>
+          </a:prstGeom>
+          <a:noFill/>
+        </p:spPr>
+        <p:txBody>
+          <a:bodyPr wrap="none" rtlCol="0">
+            <a:spAutoFit/>
+          </a:bodyPr>
+          <a:lstStyle/>
+          <a:p>
+            <a:r>
+              <a:rPr lang="en-CA" dirty="0"/>
+              <a:t>Stool</a:t>
+            </a:r>
+          </a:p>
+        </p:txBody>
+      </p:sp>
+      <p:sp>
+        <p:nvSpPr>
+          <p:cNvPr id="24" name="TextBox 23"/>
+          <p:cNvSpPr txBox="1"/>
+          <p:nvPr/>
+        </p:nvSpPr>
+        <p:spPr>
+          <a:xfrm>
+            <a:off x="3517900" y="1981200"/>
+            <a:ext cx="661720" cy="369332"/>
+          </a:xfrm>
+          <a:prstGeom prst="rect">
+            <a:avLst/>
+          </a:prstGeom>
+          <a:noFill/>
+        </p:spPr>
+        <p:txBody>
+          <a:bodyPr wrap="none" rtlCol="0">
+            <a:spAutoFit/>
+          </a:bodyPr>
+          <a:lstStyle/>
+          <a:p>
+            <a:r>
+              <a:rPr lang="en-CA" dirty="0"/>
+              <a:t>Stool</a:t>
+            </a:r>
+          </a:p>
+        </p:txBody>
+      </p:sp>
+      <p:sp>
+        <p:nvSpPr>
+          <p:cNvPr id="25" name="TextBox 24"/>
+          <p:cNvSpPr txBox="1"/>
+          <p:nvPr/>
+        </p:nvSpPr>
+        <p:spPr>
+          <a:xfrm>
+            <a:off x="6286500" y="1981200"/>
+            <a:ext cx="661720" cy="369332"/>
+          </a:xfrm>
+          <a:prstGeom prst="rect">
+            <a:avLst/>
+          </a:prstGeom>
+          <a:noFill/>
+        </p:spPr>
+        <p:txBody>
+          <a:bodyPr wrap="none" rtlCol="0">
+            <a:spAutoFit/>
+          </a:bodyPr>
+          <a:lstStyle/>
+          <a:p>
+            <a:r>
+              <a:rPr lang="en-CA" dirty="0"/>
+              <a:t>Stool</a:t>
+            </a:r>
+          </a:p>
+        </p:txBody>
+      </p:sp>
+      <p:sp>
+        <p:nvSpPr>
+          <p:cNvPr id="26" name="TextBox 25"/>
+          <p:cNvSpPr txBox="1"/>
+          <p:nvPr/>
+        </p:nvSpPr>
+        <p:spPr>
+          <a:xfrm>
+            <a:off x="482600" y="4838700"/>
+            <a:ext cx="661720" cy="369332"/>
+          </a:xfrm>
+          <a:prstGeom prst="rect">
+            <a:avLst/>
+          </a:prstGeom>
+          <a:noFill/>
+        </p:spPr>
+        <p:txBody>
+          <a:bodyPr wrap="none" rtlCol="0">
+            <a:spAutoFit/>
+          </a:bodyPr>
+          <a:lstStyle/>
+          <a:p>
+            <a:r>
+              <a:rPr lang="en-CA" dirty="0"/>
+              <a:t>Stool</a:t>
+            </a:r>
+          </a:p>
+        </p:txBody>
+      </p:sp>
+      <p:sp>
+        <p:nvSpPr>
+          <p:cNvPr id="27" name="TextBox 26"/>
+          <p:cNvSpPr txBox="1"/>
+          <p:nvPr/>
+        </p:nvSpPr>
+        <p:spPr>
+          <a:xfrm>
+            <a:off x="2425699" y="4622800"/>
+            <a:ext cx="3109913" cy="646331"/>
+          </a:xfrm>
+          <a:prstGeom prst="rect">
+            <a:avLst/>
+          </a:prstGeom>
+          <a:noFill/>
+        </p:spPr>
+        <p:txBody>
+          <a:bodyPr wrap="square" rtlCol="0">
+            <a:spAutoFit/>
+          </a:bodyPr>
+          <a:lstStyle/>
+          <a:p>
+            <a:pPr algn="ctr"/>
+            <a:r>
+              <a:rPr lang="en-CA" dirty="0"/>
+              <a:t>5/6 matched polyp and benign</a:t>
+            </a:r>
+          </a:p>
+          <a:p>
+            <a:pPr algn="ctr"/>
+            <a:r>
+              <a:rPr lang="en-CA" dirty="0"/>
+              <a:t>tissue samples</a:t>
+            </a:r>
+          </a:p>
+        </p:txBody>
+      </p:sp>
+      <p:sp>
+        <p:nvSpPr>
+          <p:cNvPr id="28" name="TextBox 27"/>
+          <p:cNvSpPr txBox="1"/>
+          <p:nvPr/>
+        </p:nvSpPr>
+        <p:spPr>
+          <a:xfrm>
+            <a:off x="6426200" y="4838700"/>
+            <a:ext cx="661720" cy="369332"/>
+          </a:xfrm>
+          <a:prstGeom prst="rect">
+            <a:avLst/>
+          </a:prstGeom>
+          <a:noFill/>
+        </p:spPr>
+        <p:txBody>
+          <a:bodyPr wrap="none" rtlCol="0">
+            <a:spAutoFit/>
+          </a:bodyPr>
+          <a:lstStyle/>
+          <a:p>
+            <a:r>
+              <a:rPr lang="en-CA" dirty="0"/>
+              <a:t>Stool</a:t>
+            </a:r>
+          </a:p>
+        </p:txBody>
+      </p:sp>
+      <p:sp>
+        <p:nvSpPr>
+          <p:cNvPr id="29" name="Rectangle 28"/>
+          <p:cNvSpPr/>
+          <p:nvPr/>
+        </p:nvSpPr>
+        <p:spPr>
+          <a:xfrm>
+            <a:off x="228600" y="4254500"/>
+            <a:ext cx="7734300" cy="2514600"/>
+          </a:xfrm>
+          <a:prstGeom prst="rect">
+            <a:avLst/>
+          </a:prstGeom>
+          <a:noFill/>
+          <a:ln w="22225">
+            <a:solidFill>
+              <a:srgbClr val="002060"/>
+            </a:solidFill>
+          </a:ln>
+        </p:spPr>
+        <p:style>
+          <a:lnRef idx="2">
+            <a:schemeClr val="accent1">
+              <a:shade val="50000"/>
+            </a:schemeClr>
+          </a:lnRef>
+          <a:fillRef idx="1">
+            <a:schemeClr val="accent1"/>
+          </a:fillRef>
+          <a:effectRef idx="0">
+            <a:schemeClr val="accent1"/>
+          </a:effectRef>
+          <a:fontRef idx="minor">
+            <a:schemeClr val="lt1"/>
+          </a:fontRef>
+        </p:style>
+        <p:txBody>
+          <a:bodyPr rtlCol="0" anchor="ctr"/>
+          <a:lstStyle/>
+          <a:p>
+            <a:pPr algn="ctr"/>
+            <a:endParaRPr lang="en-CA"/>
+          </a:p>
+        </p:txBody>
+      </p:sp>
+      <p:sp>
+        <p:nvSpPr>
+          <p:cNvPr id="30" name="TextBox 29"/>
+          <p:cNvSpPr txBox="1"/>
+          <p:nvPr/>
+        </p:nvSpPr>
+        <p:spPr>
+          <a:xfrm>
+            <a:off x="3340100" y="6019800"/>
+            <a:ext cx="2036263" cy="738664"/>
+          </a:xfrm>
+          <a:prstGeom prst="rect">
+            <a:avLst/>
+          </a:prstGeom>
+          <a:noFill/>
+        </p:spPr>
+        <p:txBody>
+          <a:bodyPr wrap="none" rtlCol="0">
+            <a:spAutoFit/>
+          </a:bodyPr>
+          <a:lstStyle/>
+          <a:p>
+            <a:pPr marL="285750" indent="-285750">
+              <a:buFontTx/>
+              <a:buChar char="-"/>
+            </a:pPr>
+            <a:r>
+              <a:rPr lang="en-CA" sz="1400" dirty="0"/>
+              <a:t>Number of polyps</a:t>
+            </a:r>
+          </a:p>
+          <a:p>
+            <a:pPr marL="285750" indent="-285750">
+              <a:buFontTx/>
+              <a:buChar char="-"/>
+            </a:pPr>
+            <a:r>
+              <a:rPr lang="en-CA" sz="1400" dirty="0"/>
+              <a:t>Size of polyps</a:t>
+            </a:r>
+          </a:p>
+          <a:p>
+            <a:pPr marL="285750" indent="-285750">
+              <a:buFontTx/>
+              <a:buChar char="-"/>
+            </a:pPr>
+            <a:r>
+              <a:rPr lang="en-CA" sz="1400" dirty="0"/>
+              <a:t>Evasiveness of polyps</a:t>
+            </a:r>
+          </a:p>
+        </p:txBody>
+      </p:sp>
+      <p:sp>
+        <p:nvSpPr>
+          <p:cNvPr id="31" name="TextBox 30"/>
+          <p:cNvSpPr txBox="1"/>
+          <p:nvPr/>
+        </p:nvSpPr>
+        <p:spPr>
+          <a:xfrm>
+            <a:off x="203200" y="4241800"/>
+            <a:ext cx="3538405" cy="369332"/>
+          </a:xfrm>
+          <a:prstGeom prst="rect">
+            <a:avLst/>
+          </a:prstGeom>
+          <a:noFill/>
+        </p:spPr>
+        <p:txBody>
+          <a:bodyPr wrap="none" rtlCol="0">
+            <a:spAutoFit/>
+          </a:bodyPr>
+          <a:lstStyle/>
+          <a:p>
+            <a:r>
+              <a:rPr lang="en-CA" dirty="0"/>
+              <a:t>Repeated each routine colonoscopy</a:t>
+            </a:r>
+          </a:p>
+        </p:txBody>
+      </p:sp>
+      <p:sp>
+        <p:nvSpPr>
+          <p:cNvPr id="32" name="TextBox 31"/>
+          <p:cNvSpPr txBox="1"/>
+          <p:nvPr/>
+        </p:nvSpPr>
+        <p:spPr>
+          <a:xfrm>
+            <a:off x="8102600" y="1841500"/>
+            <a:ext cx="3348674" cy="1477328"/>
+          </a:xfrm>
+          <a:prstGeom prst="rect">
+            <a:avLst/>
+          </a:prstGeom>
+          <a:noFill/>
+        </p:spPr>
+        <p:txBody>
+          <a:bodyPr wrap="none" rtlCol="0">
+            <a:spAutoFit/>
+          </a:bodyPr>
+          <a:lstStyle/>
+          <a:p>
+            <a:pPr marL="285750" indent="-285750">
+              <a:buFontTx/>
+              <a:buChar char="-"/>
+            </a:pPr>
+            <a:r>
+              <a:rPr lang="en-CA" dirty="0"/>
+              <a:t>Whole family sampled</a:t>
+            </a:r>
+          </a:p>
+          <a:p>
+            <a:pPr marL="285750" indent="-285750">
+              <a:buFontTx/>
+              <a:buChar char="-"/>
+            </a:pPr>
+            <a:r>
+              <a:rPr lang="en-CA" dirty="0"/>
+              <a:t>Assumed average n/family = 4</a:t>
+            </a:r>
+          </a:p>
+          <a:p>
+            <a:pPr marL="285750" indent="-285750">
+              <a:buFontTx/>
+              <a:buChar char="-"/>
+            </a:pPr>
+            <a:r>
+              <a:rPr lang="en-CA" dirty="0"/>
+              <a:t>Samples kits mailed to families</a:t>
+            </a:r>
+          </a:p>
+          <a:p>
+            <a:pPr marL="285750" indent="-285750">
+              <a:buFontTx/>
+              <a:buChar char="-"/>
+            </a:pPr>
+            <a:r>
+              <a:rPr lang="en-CA" dirty="0"/>
+              <a:t>Go for 10 years concurrently</a:t>
+            </a:r>
+          </a:p>
+          <a:p>
+            <a:endParaRPr lang="en-CA" dirty="0"/>
+          </a:p>
+        </p:txBody>
+      </p:sp>
+      <p:sp>
+        <p:nvSpPr>
+          <p:cNvPr id="33" name="TextBox 32"/>
+          <p:cNvSpPr txBox="1"/>
+          <p:nvPr/>
+        </p:nvSpPr>
+        <p:spPr>
+          <a:xfrm>
+            <a:off x="8102600" y="4318000"/>
+            <a:ext cx="3421321" cy="1477328"/>
+          </a:xfrm>
+          <a:prstGeom prst="rect">
+            <a:avLst/>
+          </a:prstGeom>
+          <a:noFill/>
+        </p:spPr>
+        <p:txBody>
+          <a:bodyPr wrap="none" rtlCol="0">
+            <a:spAutoFit/>
+          </a:bodyPr>
+          <a:lstStyle/>
+          <a:p>
+            <a:pPr marL="285750" indent="-285750">
+              <a:buFontTx/>
+              <a:buChar char="-"/>
+            </a:pPr>
+            <a:r>
+              <a:rPr lang="en-CA" dirty="0"/>
+              <a:t>Only those needing endoscopy</a:t>
+            </a:r>
+          </a:p>
+          <a:p>
+            <a:pPr marL="285750" indent="-285750">
+              <a:buFontTx/>
+              <a:buChar char="-"/>
+            </a:pPr>
+            <a:r>
+              <a:rPr lang="en-CA" dirty="0"/>
+              <a:t>Plan on children being included</a:t>
+            </a:r>
+          </a:p>
+          <a:p>
+            <a:pPr marL="285750" indent="-285750">
+              <a:buFontTx/>
+              <a:buChar char="-"/>
+            </a:pPr>
+            <a:r>
+              <a:rPr lang="en-CA" dirty="0"/>
+              <a:t>Go for 10 years concurrently </a:t>
+            </a:r>
+          </a:p>
+          <a:p>
+            <a:pPr marL="285750" indent="-285750">
+              <a:buFontTx/>
+              <a:buChar char="-"/>
+            </a:pPr>
+            <a:endParaRPr lang="en-CA" dirty="0"/>
+          </a:p>
+          <a:p>
+            <a:endParaRPr lang="en-CA" dirty="0"/>
+          </a:p>
+        </p:txBody>
+      </p:sp>
+    </p:spTree>
+    <p:extLst>
+      <p:ext uri="{BB962C8B-B14F-4D97-AF65-F5344CB8AC3E}">
+        <p14:creationId xmlns:p14="http://schemas.microsoft.com/office/powerpoint/2010/main" val="3391084247"/>
+      </p:ext>
+    </p:extLst>
+  </p:cSld>
+  <p:clrMapOvr>
+    <a:masterClrMapping/>
+  </p:clrMapOvr>
+</p:sld>
+</file>
+
+<file path=ppt/slides/slide8.xml><?xml version="1.0" encoding="utf-8"?>
+<p:sld xmlns:a="http://schemas.openxmlformats.org/drawingml/2006/main" xmlns:r="http://schemas.openxmlformats.org/officeDocument/2006/relationships" xmlns:p="http://schemas.openxmlformats.org/presentationml/2006/main">
+  <p:cSld>
+    <p:spTree>
+      <p:nvGrpSpPr>
+        <p:cNvPr id="1" name=""/>
+        <p:cNvGrpSpPr/>
+        <p:nvPr/>
+      </p:nvGrpSpPr>
+      <p:grpSpPr>
+        <a:xfrm>
+          <a:off x="0" y="0"/>
+          <a:ext cx="0" cy="0"/>
+          <a:chOff x="0" y="0"/>
+          <a:chExt cx="0" cy="0"/>
+        </a:xfrm>
+      </p:grpSpPr>
+      <p:sp>
+        <p:nvSpPr>
+          <p:cNvPr id="2" name="Title 1"/>
+          <p:cNvSpPr>
+            <a:spLocks noGrp="1"/>
+          </p:cNvSpPr>
+          <p:nvPr>
+            <p:ph type="title"/>
+          </p:nvPr>
+        </p:nvSpPr>
+        <p:spPr/>
+        <p:txBody>
+          <a:bodyPr/>
+          <a:lstStyle/>
+          <a:p>
+            <a:r>
+              <a:rPr lang="en-CA" dirty="0"/>
+              <a:t>Aim 1</a:t>
+            </a:r>
+          </a:p>
+        </p:txBody>
+      </p:sp>
+      <p:sp>
+        <p:nvSpPr>
+          <p:cNvPr id="4" name="Oval 3"/>
+          <p:cNvSpPr/>
+          <p:nvPr/>
+        </p:nvSpPr>
+        <p:spPr>
+          <a:xfrm>
+            <a:off x="494103" y="3079951"/>
+            <a:ext cx="1635483" cy="1504082"/>
+          </a:xfrm>
+          <a:prstGeom prst="ellipse">
+            <a:avLst/>
+          </a:prstGeom>
+          <a:solidFill>
+            <a:schemeClr val="accent1">
+              <a:alpha val="56000"/>
+            </a:schemeClr>
+          </a:solidFill>
+        </p:spPr>
+        <p:style>
+          <a:lnRef idx="2">
+            <a:schemeClr val="accent1">
+              <a:shade val="50000"/>
+            </a:schemeClr>
+          </a:lnRef>
+          <a:fillRef idx="1">
+            <a:schemeClr val="accent1"/>
+          </a:fillRef>
+          <a:effectRef idx="0">
+            <a:schemeClr val="accent1"/>
+          </a:effectRef>
+          <a:fontRef idx="minor">
+            <a:schemeClr val="lt1"/>
+          </a:fontRef>
+        </p:style>
+        <p:txBody>
+          <a:bodyPr rtlCol="0" anchor="ctr"/>
+          <a:lstStyle/>
+          <a:p>
+            <a:pPr algn="ctr"/>
+            <a:r>
+              <a:rPr lang="en-CA" dirty="0"/>
+              <a:t>“Normal”</a:t>
+            </a:r>
+          </a:p>
+        </p:txBody>
+      </p:sp>
+      <p:sp>
+        <p:nvSpPr>
+          <p:cNvPr id="5" name="Oval 4"/>
+          <p:cNvSpPr/>
+          <p:nvPr/>
+        </p:nvSpPr>
+        <p:spPr>
+          <a:xfrm>
+            <a:off x="2282798" y="3087972"/>
+            <a:ext cx="1635483" cy="1504082"/>
+          </a:xfrm>
+          <a:prstGeom prst="ellipse">
+            <a:avLst/>
+          </a:prstGeom>
+          <a:solidFill>
+            <a:srgbClr val="00B050">
+              <a:alpha val="56000"/>
+            </a:srgbClr>
+          </a:solidFill>
+          <a:ln>
+            <a:solidFill>
+              <a:srgbClr val="00B050"/>
+            </a:solidFill>
+          </a:ln>
+        </p:spPr>
+        <p:style>
+          <a:lnRef idx="2">
+            <a:schemeClr val="accent1">
+              <a:shade val="50000"/>
+            </a:schemeClr>
+          </a:lnRef>
+          <a:fillRef idx="1">
+            <a:schemeClr val="accent1"/>
+          </a:fillRef>
+          <a:effectRef idx="0">
+            <a:schemeClr val="accent1"/>
+          </a:effectRef>
+          <a:fontRef idx="minor">
+            <a:schemeClr val="lt1"/>
+          </a:fontRef>
+        </p:style>
+        <p:txBody>
+          <a:bodyPr rtlCol="0" anchor="ctr"/>
+          <a:lstStyle/>
+          <a:p>
+            <a:pPr algn="ctr"/>
+            <a:r>
+              <a:rPr lang="en-CA" dirty="0"/>
+              <a:t>FAP</a:t>
+            </a:r>
+          </a:p>
+        </p:txBody>
+      </p:sp>
+      <p:sp>
+        <p:nvSpPr>
+          <p:cNvPr id="6" name="TextBox 5"/>
+          <p:cNvSpPr txBox="1"/>
+          <p:nvPr/>
+        </p:nvSpPr>
+        <p:spPr>
+          <a:xfrm>
+            <a:off x="577515" y="1828800"/>
+            <a:ext cx="8001000" cy="369332"/>
+          </a:xfrm>
+          <a:prstGeom prst="rect">
+            <a:avLst/>
+          </a:prstGeom>
+          <a:noFill/>
+        </p:spPr>
+        <p:txBody>
+          <a:bodyPr wrap="square" rtlCol="0">
+            <a:spAutoFit/>
+          </a:bodyPr>
+          <a:lstStyle/>
+          <a:p>
+            <a:r>
+              <a:rPr lang="en-CA" dirty="0"/>
+              <a:t>Is there a detectable difference in stool in those with and without FAP?</a:t>
+            </a:r>
+          </a:p>
+        </p:txBody>
+      </p:sp>
+      <p:sp>
+        <p:nvSpPr>
+          <p:cNvPr id="7" name="Oval 6"/>
+          <p:cNvSpPr/>
+          <p:nvPr/>
+        </p:nvSpPr>
+        <p:spPr>
+          <a:xfrm>
+            <a:off x="5699764" y="3075941"/>
+            <a:ext cx="1635483" cy="1504082"/>
+          </a:xfrm>
+          <a:prstGeom prst="ellipse">
+            <a:avLst/>
+          </a:prstGeom>
+          <a:solidFill>
+            <a:schemeClr val="accent1">
+              <a:alpha val="56000"/>
+            </a:schemeClr>
+          </a:solidFill>
+        </p:spPr>
+        <p:style>
+          <a:lnRef idx="2">
+            <a:schemeClr val="accent1">
+              <a:shade val="50000"/>
+            </a:schemeClr>
+          </a:lnRef>
+          <a:fillRef idx="1">
+            <a:schemeClr val="accent1"/>
+          </a:fillRef>
+          <a:effectRef idx="0">
+            <a:schemeClr val="accent1"/>
+          </a:effectRef>
+          <a:fontRef idx="minor">
+            <a:schemeClr val="lt1"/>
+          </a:fontRef>
+        </p:style>
+        <p:txBody>
+          <a:bodyPr rtlCol="0" anchor="ctr"/>
+          <a:lstStyle/>
+          <a:p>
+            <a:pPr algn="ctr"/>
+            <a:r>
+              <a:rPr lang="en-CA" dirty="0"/>
+              <a:t>“Normal”</a:t>
+            </a:r>
+          </a:p>
+        </p:txBody>
+      </p:sp>
+      <p:sp>
+        <p:nvSpPr>
+          <p:cNvPr id="8" name="Oval 7"/>
+          <p:cNvSpPr/>
+          <p:nvPr/>
+        </p:nvSpPr>
+        <p:spPr>
+          <a:xfrm>
+            <a:off x="6562027" y="3120057"/>
+            <a:ext cx="1635483" cy="1504082"/>
+          </a:xfrm>
+          <a:prstGeom prst="ellipse">
+            <a:avLst/>
+          </a:prstGeom>
+          <a:solidFill>
+            <a:srgbClr val="00B050">
+              <a:alpha val="56000"/>
+            </a:srgbClr>
+          </a:solidFill>
+          <a:ln>
+            <a:solidFill>
+              <a:srgbClr val="00B050"/>
+            </a:solidFill>
+          </a:ln>
+        </p:spPr>
+        <p:style>
+          <a:lnRef idx="2">
+            <a:schemeClr val="accent1">
+              <a:shade val="50000"/>
+            </a:schemeClr>
+          </a:lnRef>
+          <a:fillRef idx="1">
+            <a:schemeClr val="accent1"/>
+          </a:fillRef>
+          <a:effectRef idx="0">
+            <a:schemeClr val="accent1"/>
+          </a:effectRef>
+          <a:fontRef idx="minor">
+            <a:schemeClr val="lt1"/>
+          </a:fontRef>
+        </p:style>
+        <p:txBody>
+          <a:bodyPr rtlCol="0" anchor="ctr"/>
+          <a:lstStyle/>
+          <a:p>
+            <a:pPr algn="ctr"/>
+            <a:r>
+              <a:rPr lang="en-CA" dirty="0"/>
+              <a:t>FAP</a:t>
+            </a:r>
+          </a:p>
+        </p:txBody>
+      </p:sp>
+      <p:sp>
+        <p:nvSpPr>
+          <p:cNvPr id="9" name="Oval 8"/>
+          <p:cNvSpPr/>
+          <p:nvPr/>
+        </p:nvSpPr>
+        <p:spPr>
+          <a:xfrm>
+            <a:off x="9718314" y="3087972"/>
+            <a:ext cx="1635483" cy="1504082"/>
+          </a:xfrm>
+          <a:prstGeom prst="ellipse">
+            <a:avLst/>
+          </a:prstGeom>
+          <a:solidFill>
+            <a:schemeClr val="accent1">
+              <a:alpha val="56000"/>
+            </a:schemeClr>
+          </a:solidFill>
+        </p:spPr>
+        <p:style>
+          <a:lnRef idx="2">
+            <a:schemeClr val="accent1">
+              <a:shade val="50000"/>
+            </a:schemeClr>
+          </a:lnRef>
+          <a:fillRef idx="1">
+            <a:schemeClr val="accent1"/>
+          </a:fillRef>
+          <a:effectRef idx="0">
+            <a:schemeClr val="accent1"/>
+          </a:effectRef>
+          <a:fontRef idx="minor">
+            <a:schemeClr val="lt1"/>
+          </a:fontRef>
+        </p:style>
+        <p:txBody>
+          <a:bodyPr rtlCol="0" anchor="ctr"/>
+          <a:lstStyle/>
+          <a:p>
+            <a:pPr algn="ctr"/>
+            <a:endParaRPr lang="en-CA" dirty="0"/>
+          </a:p>
+          <a:p>
+            <a:pPr algn="ctr"/>
+            <a:r>
+              <a:rPr lang="en-CA" dirty="0"/>
+              <a:t>“Normal”</a:t>
+            </a:r>
+          </a:p>
+        </p:txBody>
+      </p:sp>
+      <p:sp>
+        <p:nvSpPr>
+          <p:cNvPr id="10" name="Oval 9"/>
+          <p:cNvSpPr/>
+          <p:nvPr/>
+        </p:nvSpPr>
+        <p:spPr>
+          <a:xfrm>
+            <a:off x="9745579" y="3108156"/>
+            <a:ext cx="1588168" cy="1451811"/>
+          </a:xfrm>
+          <a:prstGeom prst="ellipse">
+            <a:avLst/>
+          </a:prstGeom>
+          <a:solidFill>
+            <a:srgbClr val="00B050">
+              <a:alpha val="56000"/>
+            </a:srgbClr>
+          </a:solidFill>
+          <a:ln>
+            <a:solidFill>
+              <a:srgbClr val="00B050"/>
+            </a:solidFill>
+          </a:ln>
+        </p:spPr>
+        <p:style>
+          <a:lnRef idx="2">
+            <a:schemeClr val="accent1">
+              <a:shade val="50000"/>
+            </a:schemeClr>
+          </a:lnRef>
+          <a:fillRef idx="1">
+            <a:schemeClr val="accent1"/>
+          </a:fillRef>
+          <a:effectRef idx="0">
+            <a:schemeClr val="accent1"/>
+          </a:effectRef>
+          <a:fontRef idx="minor">
+            <a:schemeClr val="lt1"/>
+          </a:fontRef>
+        </p:style>
+        <p:txBody>
+          <a:bodyPr rtlCol="0" anchor="ctr"/>
+          <a:lstStyle/>
+          <a:p>
+            <a:pPr algn="ctr"/>
+            <a:r>
+              <a:rPr lang="en-CA" dirty="0"/>
+              <a:t>FAP</a:t>
+            </a:r>
+          </a:p>
+        </p:txBody>
+      </p:sp>
+      <p:sp>
+        <p:nvSpPr>
+          <p:cNvPr id="11" name="TextBox 10"/>
+          <p:cNvSpPr txBox="1"/>
+          <p:nvPr/>
+        </p:nvSpPr>
+        <p:spPr>
+          <a:xfrm>
+            <a:off x="4451685" y="3525256"/>
+            <a:ext cx="603820" cy="584775"/>
+          </a:xfrm>
+          <a:prstGeom prst="rect">
+            <a:avLst/>
+          </a:prstGeom>
+          <a:noFill/>
+        </p:spPr>
+        <p:txBody>
+          <a:bodyPr wrap="none" rtlCol="0">
+            <a:spAutoFit/>
+          </a:bodyPr>
+          <a:lstStyle/>
+          <a:p>
+            <a:r>
+              <a:rPr lang="en-CA" sz="3200" dirty="0"/>
+              <a:t>VS</a:t>
+            </a:r>
+          </a:p>
+        </p:txBody>
+      </p:sp>
+      <p:sp>
+        <p:nvSpPr>
+          <p:cNvPr id="12" name="TextBox 11"/>
+          <p:cNvSpPr txBox="1"/>
+          <p:nvPr/>
+        </p:nvSpPr>
+        <p:spPr>
+          <a:xfrm>
+            <a:off x="8694834" y="3533275"/>
+            <a:ext cx="603820" cy="584775"/>
+          </a:xfrm>
+          <a:prstGeom prst="rect">
+            <a:avLst/>
+          </a:prstGeom>
+          <a:noFill/>
+        </p:spPr>
+        <p:txBody>
+          <a:bodyPr wrap="none" rtlCol="0">
+            <a:spAutoFit/>
+          </a:bodyPr>
+          <a:lstStyle/>
+          <a:p>
+            <a:r>
+              <a:rPr lang="en-CA" sz="3200" dirty="0"/>
+              <a:t>VS</a:t>
+            </a:r>
+          </a:p>
+        </p:txBody>
+      </p:sp>
+    </p:spTree>
+    <p:extLst>
+      <p:ext uri="{BB962C8B-B14F-4D97-AF65-F5344CB8AC3E}">
+        <p14:creationId xmlns:p14="http://schemas.microsoft.com/office/powerpoint/2010/main" val="4180120640"/>
+      </p:ext>
+    </p:extLst>
+  </p:cSld>
+  <p:clrMapOvr>
+    <a:masterClrMapping/>
+  </p:clrMapOvr>
+</p:sld>
+</file>
+
+<file path=ppt/slides/slide9.xml><?xml version="1.0" encoding="utf-8"?>
+<p:sld xmlns:a="http://schemas.openxmlformats.org/drawingml/2006/main" xmlns:r="http://schemas.openxmlformats.org/officeDocument/2006/relationships" xmlns:p="http://schemas.openxmlformats.org/presentationml/2006/main">
+  <p:cSld>
+    <p:bg>
+      <p:bgPr>
+        <a:solidFill>
+          <a:schemeClr val="bg1"/>
+        </a:solidFill>
+        <a:effectLst/>
+      </p:bgPr>
+    </p:bg>
+    <p:spTree>
+      <p:nvGrpSpPr>
+        <p:cNvPr id="1" name=""/>
+        <p:cNvGrpSpPr/>
+        <p:nvPr/>
+      </p:nvGrpSpPr>
+      <p:grpSpPr>
+        <a:xfrm>
+          <a:off x="0" y="0"/>
+          <a:ext cx="0" cy="0"/>
+          <a:chOff x="0" y="0"/>
+          <a:chExt cx="0" cy="0"/>
+        </a:xfrm>
+      </p:grpSpPr>
+      <p:cxnSp>
+        <p:nvCxnSpPr>
+          <p:cNvPr id="14" name="Straight Connector 13"/>
+          <p:cNvCxnSpPr>
+            <a:endCxn id="4098" idx="1"/>
+          </p:cNvCxnSpPr>
+          <p:nvPr/>
+        </p:nvCxnSpPr>
+        <p:spPr>
+          <a:xfrm flipV="1">
+            <a:off x="2261937" y="3753604"/>
+            <a:ext cx="696996" cy="12281"/>
+          </a:xfrm>
+          <a:prstGeom prst="line">
+            <a:avLst/>
+          </a:prstGeom>
+          <a:ln w="22225">
+            <a:solidFill>
+              <a:schemeClr val="tx1"/>
+            </a:solidFill>
+          </a:ln>
+        </p:spPr>
+        <p:style>
+          <a:lnRef idx="1">
+            <a:schemeClr val="accent1"/>
+          </a:lnRef>
+          <a:fillRef idx="0">
+            <a:schemeClr val="accent1"/>
+          </a:fillRef>
+          <a:effectRef idx="0">
+            <a:schemeClr val="accent1"/>
+          </a:effectRef>
+          <a:fontRef idx="minor">
+            <a:schemeClr val="tx1"/>
+          </a:fontRef>
+        </p:style>
+      </p:cxnSp>
+      <p:grpSp>
+        <p:nvGrpSpPr>
+          <p:cNvPr id="17" name="Group 16"/>
+          <p:cNvGrpSpPr/>
+          <p:nvPr/>
+        </p:nvGrpSpPr>
+        <p:grpSpPr>
+          <a:xfrm>
+            <a:off x="1331491" y="3316708"/>
+            <a:ext cx="954506" cy="894347"/>
+            <a:chOff x="645694" y="4808621"/>
+            <a:chExt cx="954506" cy="894347"/>
+          </a:xfrm>
+        </p:grpSpPr>
+        <p:sp>
+          <p:nvSpPr>
+            <p:cNvPr id="15" name="Rectangle 14"/>
+            <p:cNvSpPr/>
+            <p:nvPr/>
+          </p:nvSpPr>
+          <p:spPr>
+            <a:xfrm>
+              <a:off x="649705" y="4812632"/>
+              <a:ext cx="950495" cy="890336"/>
+            </a:xfrm>
+            <a:prstGeom prst="rect">
+              <a:avLst/>
+            </a:prstGeom>
+            <a:ln>
+              <a:noFill/>
+            </a:ln>
+          </p:spPr>
+          <p:style>
+            <a:lnRef idx="2">
+              <a:schemeClr val="accent1">
+                <a:shade val="50000"/>
+              </a:schemeClr>
+            </a:lnRef>
+            <a:fillRef idx="1">
+              <a:schemeClr val="accent1"/>
+            </a:fillRef>
+            <a:effectRef idx="0">
+              <a:schemeClr val="accent1"/>
+            </a:effectRef>
+            <a:fontRef idx="minor">
+              <a:schemeClr val="lt1"/>
+            </a:fontRef>
+          </p:style>
+          <p:txBody>
+            <a:bodyPr rtlCol="0" anchor="ctr"/>
+            <a:lstStyle/>
+            <a:p>
+              <a:pPr algn="ctr"/>
+              <a:endParaRPr lang="en-CA"/>
+            </a:p>
+          </p:txBody>
+        </p:sp>
+        <p:sp>
+          <p:nvSpPr>
+            <p:cNvPr id="18" name="Rectangle 17"/>
+            <p:cNvSpPr/>
+            <p:nvPr/>
+          </p:nvSpPr>
+          <p:spPr>
+            <a:xfrm>
+              <a:off x="645694" y="4808621"/>
+              <a:ext cx="473243" cy="890336"/>
+            </a:xfrm>
+            <a:prstGeom prst="rect">
+              <a:avLst/>
+            </a:prstGeom>
+            <a:solidFill>
+              <a:schemeClr val="bg1"/>
+            </a:solidFill>
+            <a:ln>
+              <a:solidFill>
+                <a:schemeClr val="tx1"/>
+              </a:solidFill>
+            </a:ln>
+          </p:spPr>
+          <p:style>
+            <a:lnRef idx="2">
+              <a:schemeClr val="accent1">
+                <a:shade val="50000"/>
+              </a:schemeClr>
+            </a:lnRef>
+            <a:fillRef idx="1">
+              <a:schemeClr val="accent1"/>
+            </a:fillRef>
+            <a:effectRef idx="0">
+              <a:schemeClr val="accent1"/>
+            </a:effectRef>
+            <a:fontRef idx="minor">
+              <a:schemeClr val="lt1"/>
+            </a:fontRef>
+          </p:style>
+          <p:txBody>
+            <a:bodyPr rtlCol="0" anchor="ctr"/>
+            <a:lstStyle/>
+            <a:p>
+              <a:pPr algn="ctr"/>
+              <a:endParaRPr lang="en-CA"/>
+            </a:p>
+          </p:txBody>
+        </p:sp>
+      </p:grpSp>
+      <p:sp>
+        <p:nvSpPr>
+          <p:cNvPr id="2" name="Title 1"/>
+          <p:cNvSpPr>
+            <a:spLocks noGrp="1"/>
+          </p:cNvSpPr>
+          <p:nvPr>
+            <p:ph type="title"/>
+          </p:nvPr>
+        </p:nvSpPr>
+        <p:spPr/>
+        <p:txBody>
+          <a:bodyPr/>
+          <a:lstStyle/>
+          <a:p>
+            <a:r>
+              <a:rPr lang="en-CA" dirty="0"/>
+              <a:t>Aim 2</a:t>
+            </a:r>
+          </a:p>
+        </p:txBody>
+      </p:sp>
+      <p:sp>
+        <p:nvSpPr>
+          <p:cNvPr id="4" name="TextBox 3"/>
+          <p:cNvSpPr txBox="1"/>
+          <p:nvPr/>
+        </p:nvSpPr>
+        <p:spPr>
+          <a:xfrm>
+            <a:off x="264695" y="1732547"/>
+            <a:ext cx="11207042" cy="923330"/>
+          </a:xfrm>
+          <a:prstGeom prst="rect">
+            <a:avLst/>
+          </a:prstGeom>
+          <a:noFill/>
+        </p:spPr>
+        <p:txBody>
+          <a:bodyPr wrap="none" rtlCol="0">
+            <a:spAutoFit/>
+          </a:bodyPr>
+          <a:lstStyle/>
+          <a:p>
+            <a:r>
+              <a:rPr lang="en-CA" dirty="0"/>
+              <a:t>Within the same family and across families is there a consistent microbiome signature difference between those with </a:t>
+            </a:r>
+          </a:p>
+          <a:p>
+            <a:r>
+              <a:rPr lang="en-CA" dirty="0"/>
+              <a:t>FAP and those without disease?</a:t>
+            </a:r>
+          </a:p>
+          <a:p>
+            <a:endParaRPr lang="en-CA" dirty="0"/>
+          </a:p>
+        </p:txBody>
+      </p:sp>
+      <p:pic>
+        <p:nvPicPr>
+          <p:cNvPr id="4098" name="Picture 2" descr="http://www.edupic.net/Images/Fractions/Thumbs/1_half_circ_gr_sm.gif"/>
+          <p:cNvPicPr>
+            <a:picLocks noChangeAspect="1" noChangeArrowheads="1"/>
+          </p:cNvPicPr>
+          <p:nvPr/>
+        </p:nvPicPr>
+        <p:blipFill>
+          <a:blip r:embed="rId3">
+            <a:extLst>
+              <a:ext uri="{28A0092B-C50C-407E-A947-70E740481C1C}">
+                <a14:useLocalDpi xmlns:a14="http://schemas.microsoft.com/office/drawing/2010/main" val="0"/>
+              </a:ext>
+            </a:extLst>
+          </a:blip>
+          <a:srcRect/>
+          <a:stretch>
+            <a:fillRect/>
+          </a:stretch>
+        </p:blipFill>
+        <p:spPr bwMode="auto">
+          <a:xfrm>
+            <a:off x="2958933" y="3200401"/>
+            <a:ext cx="1106405" cy="1106405"/>
+          </a:xfrm>
+          <a:prstGeom prst="rect">
+            <a:avLst/>
+          </a:prstGeom>
+          <a:noFill/>
+          <a:extLst>
+            <a:ext uri="{909E8E84-426E-40DD-AFC4-6F175D3DCCD1}">
+              <a14:hiddenFill xmlns:a14="http://schemas.microsoft.com/office/drawing/2010/main">
+                <a:solidFill>
+                  <a:srgbClr val="FFFFFF"/>
+                </a:solidFill>
+              </a14:hiddenFill>
+            </a:ext>
+          </a:extLst>
+        </p:spPr>
+      </p:pic>
+      <p:sp>
+        <p:nvSpPr>
+          <p:cNvPr id="11" name="TextBox 10"/>
+          <p:cNvSpPr txBox="1"/>
+          <p:nvPr/>
+        </p:nvSpPr>
+        <p:spPr>
+          <a:xfrm>
+            <a:off x="1311439" y="3573382"/>
+            <a:ext cx="1072730" cy="369332"/>
+          </a:xfrm>
+          <a:prstGeom prst="rect">
+            <a:avLst/>
+          </a:prstGeom>
+          <a:noFill/>
+        </p:spPr>
+        <p:txBody>
+          <a:bodyPr wrap="none" rtlCol="0">
+            <a:spAutoFit/>
+          </a:bodyPr>
+          <a:lstStyle/>
+          <a:p>
+            <a:r>
+              <a:rPr lang="en-CA" dirty="0"/>
+              <a:t>“Normal”</a:t>
+            </a:r>
+          </a:p>
+        </p:txBody>
+      </p:sp>
+      <p:sp>
+        <p:nvSpPr>
+          <p:cNvPr id="12" name="TextBox 11"/>
+          <p:cNvSpPr txBox="1"/>
+          <p:nvPr/>
+        </p:nvSpPr>
+        <p:spPr>
+          <a:xfrm>
+            <a:off x="3176337" y="3573381"/>
+            <a:ext cx="529184" cy="369332"/>
+          </a:xfrm>
+          <a:prstGeom prst="rect">
+            <a:avLst/>
+          </a:prstGeom>
+          <a:noFill/>
+        </p:spPr>
+        <p:txBody>
+          <a:bodyPr wrap="none" rtlCol="0">
+            <a:spAutoFit/>
+          </a:bodyPr>
+          <a:lstStyle/>
+          <a:p>
+            <a:r>
+              <a:rPr lang="en-CA" dirty="0"/>
+              <a:t>FAP</a:t>
+            </a:r>
+          </a:p>
+        </p:txBody>
+      </p:sp>
+      <p:cxnSp>
+        <p:nvCxnSpPr>
+          <p:cNvPr id="26" name="Straight Connector 25"/>
+          <p:cNvCxnSpPr/>
+          <p:nvPr/>
+        </p:nvCxnSpPr>
+        <p:spPr>
+          <a:xfrm>
+            <a:off x="2658979" y="3777915"/>
+            <a:ext cx="24063" cy="1540042"/>
+          </a:xfrm>
+          <a:prstGeom prst="line">
+            <a:avLst/>
+          </a:prstGeom>
+          <a:ln w="22225">
+            <a:solidFill>
+              <a:schemeClr val="tx1"/>
+            </a:solidFill>
+          </a:ln>
+        </p:spPr>
+        <p:style>
+          <a:lnRef idx="1">
+            <a:schemeClr val="accent1"/>
+          </a:lnRef>
+          <a:fillRef idx="0">
+            <a:schemeClr val="accent1"/>
+          </a:fillRef>
+          <a:effectRef idx="0">
+            <a:schemeClr val="accent1"/>
+          </a:effectRef>
+          <a:fontRef idx="minor">
+            <a:schemeClr val="tx1"/>
+          </a:fontRef>
+        </p:style>
+      </p:cxnSp>
+      <p:cxnSp>
+        <p:nvCxnSpPr>
+          <p:cNvPr id="30" name="Straight Connector 29"/>
+          <p:cNvCxnSpPr/>
+          <p:nvPr/>
+        </p:nvCxnSpPr>
+        <p:spPr>
+          <a:xfrm flipV="1">
+            <a:off x="1347537" y="5317958"/>
+            <a:ext cx="2466474" cy="12034"/>
+          </a:xfrm>
+          <a:prstGeom prst="line">
+            <a:avLst/>
+          </a:prstGeom>
+          <a:ln w="22225">
+            <a:solidFill>
+              <a:schemeClr val="tx1"/>
+            </a:solidFill>
+          </a:ln>
+        </p:spPr>
+        <p:style>
+          <a:lnRef idx="1">
+            <a:schemeClr val="accent1"/>
+          </a:lnRef>
+          <a:fillRef idx="0">
+            <a:schemeClr val="accent1"/>
+          </a:fillRef>
+          <a:effectRef idx="0">
+            <a:schemeClr val="accent1"/>
+          </a:effectRef>
+          <a:fontRef idx="minor">
+            <a:schemeClr val="tx1"/>
+          </a:fontRef>
+        </p:style>
+      </p:cxnSp>
+      <p:cxnSp>
+        <p:nvCxnSpPr>
+          <p:cNvPr id="34" name="Straight Connector 33"/>
+          <p:cNvCxnSpPr/>
+          <p:nvPr/>
+        </p:nvCxnSpPr>
+        <p:spPr>
+          <a:xfrm>
+            <a:off x="1355558" y="5317958"/>
+            <a:ext cx="4011" cy="312821"/>
+          </a:xfrm>
+          <a:prstGeom prst="line">
+            <a:avLst/>
+          </a:prstGeom>
+          <a:ln w="22225">
+            <a:solidFill>
+              <a:schemeClr val="tx1"/>
+            </a:solidFill>
+          </a:ln>
+        </p:spPr>
+        <p:style>
+          <a:lnRef idx="1">
+            <a:schemeClr val="accent1"/>
+          </a:lnRef>
+          <a:fillRef idx="0">
+            <a:schemeClr val="accent1"/>
+          </a:fillRef>
+          <a:effectRef idx="0">
+            <a:schemeClr val="accent1"/>
+          </a:effectRef>
+          <a:fontRef idx="minor">
+            <a:schemeClr val="tx1"/>
+          </a:fontRef>
+        </p:style>
+      </p:cxnSp>
+      <p:pic>
+        <p:nvPicPr>
+          <p:cNvPr id="36" name="Picture 2" descr="http://www.edupic.net/Images/Fractions/Thumbs/1_half_circ_gr_sm.gif"/>
+          <p:cNvPicPr>
+            <a:picLocks noChangeAspect="1" noChangeArrowheads="1"/>
+          </p:cNvPicPr>
+          <p:nvPr/>
+        </p:nvPicPr>
+        <p:blipFill>
+          <a:blip r:embed="rId3">
+            <a:extLst>
+              <a:ext uri="{28A0092B-C50C-407E-A947-70E740481C1C}">
+                <a14:useLocalDpi xmlns:a14="http://schemas.microsoft.com/office/drawing/2010/main" val="0"/>
+              </a:ext>
+            </a:extLst>
+          </a:blip>
+          <a:srcRect/>
+          <a:stretch>
+            <a:fillRect/>
+          </a:stretch>
+        </p:blipFill>
+        <p:spPr bwMode="auto">
+          <a:xfrm>
+            <a:off x="1058779" y="5614237"/>
+            <a:ext cx="601579" cy="601579"/>
+          </a:xfrm>
+          <a:prstGeom prst="rect">
+            <a:avLst/>
+          </a:prstGeom>
+          <a:noFill/>
+          <a:extLst>
+            <a:ext uri="{909E8E84-426E-40DD-AFC4-6F175D3DCCD1}">
+              <a14:hiddenFill xmlns:a14="http://schemas.microsoft.com/office/drawing/2010/main">
+                <a:solidFill>
+                  <a:srgbClr val="FFFFFF"/>
+                </a:solidFill>
+              </a14:hiddenFill>
+            </a:ext>
+          </a:extLst>
+        </p:spPr>
+      </p:pic>
+      <p:grpSp>
+        <p:nvGrpSpPr>
+          <p:cNvPr id="37" name="Group 36"/>
+          <p:cNvGrpSpPr/>
+          <p:nvPr/>
+        </p:nvGrpSpPr>
+        <p:grpSpPr>
+          <a:xfrm>
+            <a:off x="1868901" y="5642810"/>
+            <a:ext cx="657731" cy="565484"/>
+            <a:chOff x="645694" y="4808621"/>
+            <a:chExt cx="954506" cy="894347"/>
+          </a:xfrm>
+        </p:grpSpPr>
+        <p:sp>
+          <p:nvSpPr>
+            <p:cNvPr id="38" name="Rectangle 37"/>
+            <p:cNvSpPr/>
+            <p:nvPr/>
+          </p:nvSpPr>
+          <p:spPr>
+            <a:xfrm>
+              <a:off x="649705" y="4812632"/>
+              <a:ext cx="950495" cy="890336"/>
+            </a:xfrm>
+            <a:prstGeom prst="rect">
+              <a:avLst/>
+            </a:prstGeom>
+            <a:solidFill>
+              <a:srgbClr val="009A00"/>
+            </a:solidFill>
+            <a:ln>
+              <a:solidFill>
+                <a:schemeClr val="tx1"/>
+              </a:solidFill>
+            </a:ln>
+          </p:spPr>
+          <p:style>
+            <a:lnRef idx="2">
+              <a:schemeClr val="accent1">
+                <a:shade val="50000"/>
+              </a:schemeClr>
+            </a:lnRef>
+            <a:fillRef idx="1">
+              <a:schemeClr val="accent1"/>
+            </a:fillRef>
+            <a:effectRef idx="0">
+              <a:schemeClr val="accent1"/>
+            </a:effectRef>
+            <a:fontRef idx="minor">
+              <a:schemeClr val="lt1"/>
+            </a:fontRef>
+          </p:style>
+          <p:txBody>
+            <a:bodyPr rtlCol="0" anchor="ctr"/>
+            <a:lstStyle/>
+            <a:p>
+              <a:pPr algn="ctr"/>
+              <a:endParaRPr lang="en-CA"/>
+            </a:p>
+          </p:txBody>
+        </p:sp>
+        <p:sp>
+          <p:nvSpPr>
+            <p:cNvPr id="39" name="Rectangle 38"/>
+            <p:cNvSpPr/>
+            <p:nvPr/>
+          </p:nvSpPr>
+          <p:spPr>
+            <a:xfrm>
+              <a:off x="645694" y="4808621"/>
+              <a:ext cx="473243" cy="890336"/>
+            </a:xfrm>
+            <a:prstGeom prst="rect">
+              <a:avLst/>
+            </a:prstGeom>
+            <a:solidFill>
+              <a:schemeClr val="bg1"/>
+            </a:solidFill>
+            <a:ln>
+              <a:solidFill>
+                <a:schemeClr val="tx1"/>
+              </a:solidFill>
+            </a:ln>
+          </p:spPr>
+          <p:style>
+            <a:lnRef idx="2">
+              <a:schemeClr val="accent1">
+                <a:shade val="50000"/>
+              </a:schemeClr>
+            </a:lnRef>
+            <a:fillRef idx="1">
+              <a:schemeClr val="accent1"/>
+            </a:fillRef>
+            <a:effectRef idx="0">
+              <a:schemeClr val="accent1"/>
+            </a:effectRef>
+            <a:fontRef idx="minor">
+              <a:schemeClr val="lt1"/>
+            </a:fontRef>
+          </p:style>
+          <p:txBody>
+            <a:bodyPr rtlCol="0" anchor="ctr"/>
+            <a:lstStyle/>
+            <a:p>
+              <a:pPr algn="ctr"/>
+              <a:endParaRPr lang="en-CA"/>
+            </a:p>
+          </p:txBody>
+        </p:sp>
+      </p:grpSp>
+      <p:cxnSp>
+        <p:nvCxnSpPr>
+          <p:cNvPr id="40" name="Straight Connector 39"/>
+          <p:cNvCxnSpPr/>
+          <p:nvPr/>
+        </p:nvCxnSpPr>
+        <p:spPr>
+          <a:xfrm>
+            <a:off x="2193756" y="5325974"/>
+            <a:ext cx="4011" cy="312821"/>
+          </a:xfrm>
+          <a:prstGeom prst="line">
+            <a:avLst/>
+          </a:prstGeom>
+          <a:ln w="22225">
+            <a:solidFill>
+              <a:schemeClr val="tx1"/>
+            </a:solidFill>
+          </a:ln>
+        </p:spPr>
+        <p:style>
+          <a:lnRef idx="1">
+            <a:schemeClr val="accent1"/>
+          </a:lnRef>
+          <a:fillRef idx="0">
+            <a:schemeClr val="accent1"/>
+          </a:fillRef>
+          <a:effectRef idx="0">
+            <a:schemeClr val="accent1"/>
+          </a:effectRef>
+          <a:fontRef idx="minor">
+            <a:schemeClr val="tx1"/>
+          </a:fontRef>
+        </p:style>
+      </p:cxnSp>
+      <p:grpSp>
+        <p:nvGrpSpPr>
+          <p:cNvPr id="42" name="Group 41"/>
+          <p:cNvGrpSpPr/>
+          <p:nvPr/>
+        </p:nvGrpSpPr>
+        <p:grpSpPr>
+          <a:xfrm>
+            <a:off x="3537280" y="5626767"/>
+            <a:ext cx="657731" cy="565484"/>
+            <a:chOff x="645694" y="4808621"/>
+            <a:chExt cx="954506" cy="894347"/>
+          </a:xfrm>
+        </p:grpSpPr>
+        <p:sp>
+          <p:nvSpPr>
+            <p:cNvPr id="43" name="Rectangle 42"/>
+            <p:cNvSpPr/>
+            <p:nvPr/>
+          </p:nvSpPr>
+          <p:spPr>
+            <a:xfrm>
+              <a:off x="649705" y="4812632"/>
+              <a:ext cx="950495" cy="890336"/>
+            </a:xfrm>
+            <a:prstGeom prst="rect">
+              <a:avLst/>
+            </a:prstGeom>
+            <a:solidFill>
+              <a:schemeClr val="accent1"/>
+            </a:solidFill>
+            <a:ln>
+              <a:noFill/>
+            </a:ln>
+          </p:spPr>
+          <p:style>
+            <a:lnRef idx="2">
+              <a:schemeClr val="accent1">
+                <a:shade val="50000"/>
+              </a:schemeClr>
+            </a:lnRef>
+            <a:fillRef idx="1">
+              <a:schemeClr val="accent1"/>
+            </a:fillRef>
+            <a:effectRef idx="0">
+              <a:schemeClr val="accent1"/>
+            </a:effectRef>
+            <a:fontRef idx="minor">
+              <a:schemeClr val="lt1"/>
+            </a:fontRef>
+          </p:style>
+          <p:txBody>
+            <a:bodyPr rtlCol="0" anchor="ctr"/>
+            <a:lstStyle/>
+            <a:p>
+              <a:pPr algn="ctr"/>
+              <a:endParaRPr lang="en-CA"/>
+            </a:p>
+          </p:txBody>
+        </p:sp>
+        <p:sp>
+          <p:nvSpPr>
+            <p:cNvPr id="44" name="Rectangle 43"/>
+            <p:cNvSpPr/>
+            <p:nvPr/>
+          </p:nvSpPr>
+          <p:spPr>
+            <a:xfrm>
+              <a:off x="645694" y="4808621"/>
+              <a:ext cx="473243" cy="890336"/>
+            </a:xfrm>
+            <a:prstGeom prst="rect">
+              <a:avLst/>
+            </a:prstGeom>
+            <a:solidFill>
+              <a:schemeClr val="bg1"/>
+            </a:solidFill>
+            <a:ln>
+              <a:solidFill>
+                <a:schemeClr val="tx1"/>
+              </a:solidFill>
+            </a:ln>
+          </p:spPr>
+          <p:style>
+            <a:lnRef idx="2">
+              <a:schemeClr val="accent1">
+                <a:shade val="50000"/>
+              </a:schemeClr>
+            </a:lnRef>
+            <a:fillRef idx="1">
+              <a:schemeClr val="accent1"/>
+            </a:fillRef>
+            <a:effectRef idx="0">
+              <a:schemeClr val="accent1"/>
+            </a:effectRef>
+            <a:fontRef idx="minor">
+              <a:schemeClr val="lt1"/>
+            </a:fontRef>
+          </p:style>
+          <p:txBody>
+            <a:bodyPr rtlCol="0" anchor="ctr"/>
+            <a:lstStyle/>
+            <a:p>
+              <a:pPr algn="ctr"/>
+              <a:endParaRPr lang="en-CA"/>
+            </a:p>
+          </p:txBody>
+        </p:sp>
+      </p:grpSp>
+      <p:pic>
+        <p:nvPicPr>
+          <p:cNvPr id="33" name="Picture 32"/>
+          <p:cNvPicPr>
+            <a:picLocks noChangeAspect="1"/>
+          </p:cNvPicPr>
+          <p:nvPr/>
+        </p:nvPicPr>
+        <p:blipFill>
+          <a:blip r:embed="rId4"/>
+          <a:stretch>
+            <a:fillRect/>
+          </a:stretch>
+        </p:blipFill>
+        <p:spPr>
+          <a:xfrm>
+            <a:off x="2679019" y="5555403"/>
+            <a:ext cx="727014" cy="737113"/>
+          </a:xfrm>
+          <a:prstGeom prst="rect">
+            <a:avLst/>
+          </a:prstGeom>
+        </p:spPr>
+      </p:pic>
+      <p:cxnSp>
+        <p:nvCxnSpPr>
+          <p:cNvPr id="46" name="Straight Connector 45"/>
+          <p:cNvCxnSpPr/>
+          <p:nvPr/>
+        </p:nvCxnSpPr>
+        <p:spPr>
+          <a:xfrm>
+            <a:off x="3043983" y="5309928"/>
+            <a:ext cx="4011" cy="312821"/>
+          </a:xfrm>
+          <a:prstGeom prst="line">
+            <a:avLst/>
+          </a:prstGeom>
+          <a:ln w="22225">
+            <a:solidFill>
+              <a:schemeClr val="tx1"/>
+            </a:solidFill>
+          </a:ln>
+        </p:spPr>
+        <p:style>
+          <a:lnRef idx="1">
+            <a:schemeClr val="accent1"/>
+          </a:lnRef>
+          <a:fillRef idx="0">
+            <a:schemeClr val="accent1"/>
+          </a:fillRef>
+          <a:effectRef idx="0">
+            <a:schemeClr val="accent1"/>
+          </a:effectRef>
+          <a:fontRef idx="minor">
+            <a:schemeClr val="tx1"/>
+          </a:fontRef>
+        </p:style>
+      </p:cxnSp>
+      <p:cxnSp>
+        <p:nvCxnSpPr>
+          <p:cNvPr id="47" name="Straight Connector 46"/>
+          <p:cNvCxnSpPr/>
+          <p:nvPr/>
+        </p:nvCxnSpPr>
+        <p:spPr>
+          <a:xfrm>
+            <a:off x="3809991" y="5317945"/>
+            <a:ext cx="4011" cy="312821"/>
+          </a:xfrm>
+          <a:prstGeom prst="line">
+            <a:avLst/>
+          </a:prstGeom>
+          <a:ln w="22225">
+            <a:solidFill>
+              <a:schemeClr val="tx1"/>
+            </a:solidFill>
+          </a:ln>
+        </p:spPr>
+        <p:style>
+          <a:lnRef idx="1">
+            <a:schemeClr val="accent1"/>
+          </a:lnRef>
+          <a:fillRef idx="0">
+            <a:schemeClr val="accent1"/>
+          </a:fillRef>
+          <a:effectRef idx="0">
+            <a:schemeClr val="accent1"/>
+          </a:effectRef>
+          <a:fontRef idx="minor">
+            <a:schemeClr val="tx1"/>
+          </a:fontRef>
+        </p:style>
+      </p:cxnSp>
+      <p:sp>
+        <p:nvSpPr>
+          <p:cNvPr id="50" name="Oval 49"/>
+          <p:cNvSpPr/>
+          <p:nvPr/>
+        </p:nvSpPr>
+        <p:spPr>
+          <a:xfrm>
+            <a:off x="6685972" y="3043856"/>
+            <a:ext cx="1635483" cy="1504082"/>
+          </a:xfrm>
+          <a:prstGeom prst="ellipse">
+            <a:avLst/>
+          </a:prstGeom>
+          <a:solidFill>
+            <a:schemeClr val="accent1">
+              <a:alpha val="56000"/>
+            </a:schemeClr>
+          </a:solidFill>
+        </p:spPr>
+        <p:style>
+          <a:lnRef idx="2">
+            <a:schemeClr val="accent1">
+              <a:shade val="50000"/>
+            </a:schemeClr>
+          </a:lnRef>
+          <a:fillRef idx="1">
+            <a:schemeClr val="accent1"/>
+          </a:fillRef>
+          <a:effectRef idx="0">
+            <a:schemeClr val="accent1"/>
+          </a:effectRef>
+          <a:fontRef idx="minor">
+            <a:schemeClr val="lt1"/>
+          </a:fontRef>
+        </p:style>
+        <p:txBody>
+          <a:bodyPr rtlCol="0" anchor="ctr"/>
+          <a:lstStyle/>
+          <a:p>
+            <a:pPr algn="ctr"/>
+            <a:r>
+              <a:rPr lang="en-CA" dirty="0"/>
+              <a:t>“Normal”</a:t>
+            </a:r>
+          </a:p>
+        </p:txBody>
+      </p:sp>
+      <p:sp>
+        <p:nvSpPr>
+          <p:cNvPr id="51" name="Oval 50"/>
+          <p:cNvSpPr/>
+          <p:nvPr/>
+        </p:nvSpPr>
+        <p:spPr>
+          <a:xfrm>
+            <a:off x="9858292" y="4820520"/>
+            <a:ext cx="1635483" cy="1504082"/>
+          </a:xfrm>
+          <a:prstGeom prst="ellipse">
+            <a:avLst/>
+          </a:prstGeom>
+          <a:solidFill>
+            <a:srgbClr val="00B050">
+              <a:alpha val="56000"/>
+            </a:srgbClr>
+          </a:solidFill>
+          <a:ln>
+            <a:solidFill>
+              <a:srgbClr val="00B050"/>
+            </a:solidFill>
+          </a:ln>
+        </p:spPr>
+        <p:style>
+          <a:lnRef idx="2">
+            <a:schemeClr val="accent1">
+              <a:shade val="50000"/>
+            </a:schemeClr>
+          </a:lnRef>
+          <a:fillRef idx="1">
+            <a:schemeClr val="accent1"/>
+          </a:fillRef>
+          <a:effectRef idx="0">
+            <a:schemeClr val="accent1"/>
+          </a:effectRef>
+          <a:fontRef idx="minor">
+            <a:schemeClr val="lt1"/>
+          </a:fontRef>
+        </p:style>
+        <p:txBody>
+          <a:bodyPr rtlCol="0" anchor="ctr"/>
+          <a:lstStyle/>
+          <a:p>
+            <a:pPr algn="ctr"/>
+            <a:r>
+              <a:rPr lang="en-CA" dirty="0"/>
+              <a:t>FAP</a:t>
+            </a:r>
+          </a:p>
+        </p:txBody>
+      </p:sp>
+      <p:sp>
+        <p:nvSpPr>
+          <p:cNvPr id="48" name="Flowchart: Connector 47"/>
+          <p:cNvSpPr/>
+          <p:nvPr/>
+        </p:nvSpPr>
+        <p:spPr>
+          <a:xfrm>
+            <a:off x="8013038" y="3296653"/>
+            <a:ext cx="661737" cy="637673"/>
+          </a:xfrm>
+          <a:prstGeom prst="flowChartConnector">
+            <a:avLst/>
+          </a:prstGeom>
+        </p:spPr>
+        <p:style>
+          <a:lnRef idx="2">
+            <a:schemeClr val="accent1">
+              <a:shade val="50000"/>
+            </a:schemeClr>
+          </a:lnRef>
+          <a:fillRef idx="1">
+            <a:schemeClr val="accent1"/>
+          </a:fillRef>
+          <a:effectRef idx="0">
+            <a:schemeClr val="accent1"/>
+          </a:effectRef>
+          <a:fontRef idx="minor">
+            <a:schemeClr val="lt1"/>
+          </a:fontRef>
+        </p:style>
+        <p:txBody>
+          <a:bodyPr rtlCol="0" anchor="ctr"/>
+          <a:lstStyle/>
+          <a:p>
+            <a:pPr algn="ctr"/>
+            <a:endParaRPr lang="en-CA"/>
+          </a:p>
+        </p:txBody>
+      </p:sp>
+      <p:sp>
+        <p:nvSpPr>
+          <p:cNvPr id="56" name="Flowchart: Connector 55"/>
+          <p:cNvSpPr/>
+          <p:nvPr/>
+        </p:nvSpPr>
+        <p:spPr>
+          <a:xfrm>
+            <a:off x="7082596" y="4207043"/>
+            <a:ext cx="661737" cy="637673"/>
+          </a:xfrm>
+          <a:prstGeom prst="flowChartConnector">
+            <a:avLst/>
+          </a:prstGeom>
+        </p:spPr>
+        <p:style>
+          <a:lnRef idx="2">
+            <a:schemeClr val="accent1">
+              <a:shade val="50000"/>
+            </a:schemeClr>
+          </a:lnRef>
+          <a:fillRef idx="1">
+            <a:schemeClr val="accent1"/>
+          </a:fillRef>
+          <a:effectRef idx="0">
+            <a:schemeClr val="accent1"/>
+          </a:effectRef>
+          <a:fontRef idx="minor">
+            <a:schemeClr val="lt1"/>
+          </a:fontRef>
+        </p:style>
+        <p:txBody>
+          <a:bodyPr rtlCol="0" anchor="ctr"/>
+          <a:lstStyle/>
+          <a:p>
+            <a:pPr algn="ctr"/>
+            <a:endParaRPr lang="en-CA"/>
+          </a:p>
+        </p:txBody>
+      </p:sp>
+      <p:sp>
+        <p:nvSpPr>
+          <p:cNvPr id="57" name="Flowchart: Connector 56"/>
+          <p:cNvSpPr/>
+          <p:nvPr/>
+        </p:nvSpPr>
+        <p:spPr>
+          <a:xfrm>
+            <a:off x="6325025" y="3324727"/>
+            <a:ext cx="661737" cy="637673"/>
+          </a:xfrm>
+          <a:prstGeom prst="flowChartConnector">
+            <a:avLst/>
+          </a:prstGeom>
+        </p:spPr>
+        <p:style>
+          <a:lnRef idx="2">
+            <a:schemeClr val="accent1">
+              <a:shade val="50000"/>
+            </a:schemeClr>
+          </a:lnRef>
+          <a:fillRef idx="1">
+            <a:schemeClr val="accent1"/>
+          </a:fillRef>
+          <a:effectRef idx="0">
+            <a:schemeClr val="accent1"/>
+          </a:effectRef>
+          <a:fontRef idx="minor">
+            <a:schemeClr val="lt1"/>
+          </a:fontRef>
+        </p:style>
+        <p:txBody>
+          <a:bodyPr rtlCol="0" anchor="ctr"/>
+          <a:lstStyle/>
+          <a:p>
+            <a:pPr algn="ctr"/>
+            <a:endParaRPr lang="en-CA"/>
+          </a:p>
+        </p:txBody>
+      </p:sp>
+      <p:sp>
+        <p:nvSpPr>
+          <p:cNvPr id="58" name="Flowchart: Connector 57"/>
+          <p:cNvSpPr/>
+          <p:nvPr/>
+        </p:nvSpPr>
+        <p:spPr>
+          <a:xfrm>
+            <a:off x="7187288" y="2707106"/>
+            <a:ext cx="661737" cy="637673"/>
+          </a:xfrm>
+          <a:prstGeom prst="flowChartConnector">
+            <a:avLst/>
+          </a:prstGeom>
+        </p:spPr>
+        <p:style>
+          <a:lnRef idx="2">
+            <a:schemeClr val="accent1">
+              <a:shade val="50000"/>
+            </a:schemeClr>
+          </a:lnRef>
+          <a:fillRef idx="1">
+            <a:schemeClr val="accent1"/>
+          </a:fillRef>
+          <a:effectRef idx="0">
+            <a:schemeClr val="accent1"/>
+          </a:effectRef>
+          <a:fontRef idx="minor">
+            <a:schemeClr val="lt1"/>
+          </a:fontRef>
+        </p:style>
+        <p:txBody>
+          <a:bodyPr rtlCol="0" anchor="ctr"/>
+          <a:lstStyle/>
+          <a:p>
+            <a:pPr algn="ctr"/>
+            <a:endParaRPr lang="en-CA"/>
+          </a:p>
+        </p:txBody>
+      </p:sp>
+      <p:sp>
+        <p:nvSpPr>
+          <p:cNvPr id="59" name="Flowchart: Connector 58"/>
+          <p:cNvSpPr/>
+          <p:nvPr/>
+        </p:nvSpPr>
+        <p:spPr>
+          <a:xfrm>
+            <a:off x="10327112" y="4515853"/>
+            <a:ext cx="661737" cy="637673"/>
+          </a:xfrm>
+          <a:prstGeom prst="flowChartConnector">
+            <a:avLst/>
+          </a:prstGeom>
+          <a:solidFill>
+            <a:srgbClr val="009A00"/>
+          </a:solidFill>
+          <a:ln>
+            <a:solidFill>
+              <a:srgbClr val="009A00"/>
+            </a:solidFill>
+          </a:ln>
+        </p:spPr>
+        <p:style>
+          <a:lnRef idx="2">
+            <a:schemeClr val="accent1">
+              <a:shade val="50000"/>
+            </a:schemeClr>
+          </a:lnRef>
+          <a:fillRef idx="1">
+            <a:schemeClr val="accent1"/>
+          </a:fillRef>
+          <a:effectRef idx="0">
+            <a:schemeClr val="accent1"/>
+          </a:effectRef>
+          <a:fontRef idx="minor">
+            <a:schemeClr val="lt1"/>
+          </a:fontRef>
+        </p:style>
+        <p:txBody>
+          <a:bodyPr rtlCol="0" anchor="ctr"/>
+          <a:lstStyle/>
+          <a:p>
+            <a:pPr algn="ctr"/>
+            <a:endParaRPr lang="en-CA"/>
+          </a:p>
+        </p:txBody>
+      </p:sp>
+      <p:sp>
+        <p:nvSpPr>
+          <p:cNvPr id="60" name="Flowchart: Connector 59"/>
+          <p:cNvSpPr/>
+          <p:nvPr/>
+        </p:nvSpPr>
+        <p:spPr>
+          <a:xfrm>
+            <a:off x="11129217" y="5233738"/>
+            <a:ext cx="661737" cy="637673"/>
+          </a:xfrm>
+          <a:prstGeom prst="flowChartConnector">
+            <a:avLst/>
+          </a:prstGeom>
+          <a:solidFill>
+            <a:srgbClr val="009A00"/>
+          </a:solidFill>
+          <a:ln>
+            <a:solidFill>
+              <a:srgbClr val="009A00"/>
+            </a:solidFill>
+          </a:ln>
+        </p:spPr>
+        <p:style>
+          <a:lnRef idx="2">
+            <a:schemeClr val="accent1">
+              <a:shade val="50000"/>
+            </a:schemeClr>
+          </a:lnRef>
+          <a:fillRef idx="1">
+            <a:schemeClr val="accent1"/>
+          </a:fillRef>
+          <a:effectRef idx="0">
+            <a:schemeClr val="accent1"/>
+          </a:effectRef>
+          <a:fontRef idx="minor">
+            <a:schemeClr val="lt1"/>
+          </a:fontRef>
+        </p:style>
+        <p:txBody>
+          <a:bodyPr rtlCol="0" anchor="ctr"/>
+          <a:lstStyle/>
+          <a:p>
+            <a:pPr algn="ctr"/>
+            <a:endParaRPr lang="en-CA"/>
+          </a:p>
+        </p:txBody>
+      </p:sp>
+      <p:sp>
+        <p:nvSpPr>
+          <p:cNvPr id="61" name="Flowchart: Connector 60"/>
+          <p:cNvSpPr/>
+          <p:nvPr/>
+        </p:nvSpPr>
+        <p:spPr>
+          <a:xfrm>
+            <a:off x="10335133" y="5967663"/>
+            <a:ext cx="661737" cy="637673"/>
+          </a:xfrm>
+          <a:prstGeom prst="flowChartConnector">
+            <a:avLst/>
+          </a:prstGeom>
+          <a:solidFill>
+            <a:srgbClr val="009A00"/>
+          </a:solidFill>
+          <a:ln>
+            <a:solidFill>
+              <a:srgbClr val="009A00"/>
+            </a:solidFill>
+          </a:ln>
+        </p:spPr>
+        <p:style>
+          <a:lnRef idx="2">
+            <a:schemeClr val="accent1">
+              <a:shade val="50000"/>
+            </a:schemeClr>
+          </a:lnRef>
+          <a:fillRef idx="1">
+            <a:schemeClr val="accent1"/>
+          </a:fillRef>
+          <a:effectRef idx="0">
+            <a:schemeClr val="accent1"/>
+          </a:effectRef>
+          <a:fontRef idx="minor">
+            <a:schemeClr val="lt1"/>
+          </a:fontRef>
+        </p:style>
+        <p:txBody>
+          <a:bodyPr rtlCol="0" anchor="ctr"/>
+          <a:lstStyle/>
+          <a:p>
+            <a:pPr algn="ctr"/>
+            <a:endParaRPr lang="en-CA"/>
+          </a:p>
+        </p:txBody>
+      </p:sp>
+      <p:sp>
+        <p:nvSpPr>
+          <p:cNvPr id="62" name="Flowchart: Connector 61"/>
+          <p:cNvSpPr/>
+          <p:nvPr/>
+        </p:nvSpPr>
+        <p:spPr>
+          <a:xfrm>
+            <a:off x="9529017" y="5197643"/>
+            <a:ext cx="661737" cy="637673"/>
+          </a:xfrm>
+          <a:prstGeom prst="flowChartConnector">
+            <a:avLst/>
+          </a:prstGeom>
+          <a:solidFill>
+            <a:srgbClr val="009A00"/>
+          </a:solidFill>
+          <a:ln>
+            <a:solidFill>
+              <a:srgbClr val="009A00"/>
+            </a:solidFill>
+          </a:ln>
+        </p:spPr>
+        <p:style>
+          <a:lnRef idx="2">
+            <a:schemeClr val="accent1">
+              <a:shade val="50000"/>
+            </a:schemeClr>
+          </a:lnRef>
+          <a:fillRef idx="1">
+            <a:schemeClr val="accent1"/>
+          </a:fillRef>
+          <a:effectRef idx="0">
+            <a:schemeClr val="accent1"/>
+          </a:effectRef>
+          <a:fontRef idx="minor">
+            <a:schemeClr val="lt1"/>
+          </a:fontRef>
+        </p:style>
+        <p:txBody>
+          <a:bodyPr rtlCol="0" anchor="ctr"/>
+          <a:lstStyle/>
+          <a:p>
+            <a:pPr algn="ctr"/>
+            <a:endParaRPr lang="en-CA"/>
+          </a:p>
+        </p:txBody>
+      </p:sp>
+      <p:sp>
+        <p:nvSpPr>
+          <p:cNvPr id="63" name="TextBox 62"/>
+          <p:cNvSpPr txBox="1"/>
+          <p:nvPr/>
+        </p:nvSpPr>
+        <p:spPr>
+          <a:xfrm>
+            <a:off x="4764506" y="4295277"/>
+            <a:ext cx="939681" cy="584775"/>
+          </a:xfrm>
+          <a:prstGeom prst="rect">
+            <a:avLst/>
+          </a:prstGeom>
+          <a:noFill/>
+        </p:spPr>
+        <p:txBody>
+          <a:bodyPr wrap="none" rtlCol="0">
+            <a:spAutoFit/>
+          </a:bodyPr>
+          <a:lstStyle/>
+          <a:p>
+            <a:r>
+              <a:rPr lang="en-CA" sz="3200" dirty="0"/>
+              <a:t>AND</a:t>
+            </a:r>
+          </a:p>
+        </p:txBody>
+      </p:sp>
+      <p:sp>
+        <p:nvSpPr>
+          <p:cNvPr id="64" name="TextBox 63"/>
+          <p:cNvSpPr txBox="1"/>
+          <p:nvPr/>
+        </p:nvSpPr>
+        <p:spPr>
+          <a:xfrm>
+            <a:off x="8758990" y="4199024"/>
+            <a:ext cx="603820" cy="584775"/>
+          </a:xfrm>
+          <a:prstGeom prst="rect">
+            <a:avLst/>
+          </a:prstGeom>
+          <a:noFill/>
+        </p:spPr>
+        <p:txBody>
+          <a:bodyPr wrap="none" rtlCol="0">
+            <a:spAutoFit/>
+          </a:bodyPr>
+          <a:lstStyle/>
+          <a:p>
+            <a:r>
+              <a:rPr lang="en-CA" sz="3200" dirty="0"/>
+              <a:t>VS</a:t>
+            </a:r>
+          </a:p>
+        </p:txBody>
+      </p:sp>
+    </p:spTree>
+    <p:extLst>
+      <p:ext uri="{BB962C8B-B14F-4D97-AF65-F5344CB8AC3E}">
+        <p14:creationId xmlns:p14="http://schemas.microsoft.com/office/powerpoint/2010/main" val="3705358370"/>
       </p:ext>
     </p:extLst>
   </p:cSld>
@@ -3716,4 +12687,299 @@
     </a:ext>
   </a:extLst>
 </a:theme>
+</file>
+
+<file path=ppt/theme/theme2.xml><?xml version="1.0" encoding="utf-8"?>
+<a:theme xmlns:a="http://schemas.openxmlformats.org/drawingml/2006/main" name="Office Theme">
+  <a:themeElements>
+    <a:clrScheme name="Office">
+      <a:dk1>
+        <a:sysClr val="windowText" lastClr="000000"/>
+      </a:dk1>
+      <a:lt1>
+        <a:sysClr val="window" lastClr="FFFFFF"/>
+      </a:lt1>
+      <a:dk2>
+        <a:srgbClr val="44546A"/>
+      </a:dk2>
+      <a:lt2>
+        <a:srgbClr val="E7E6E6"/>
+      </a:lt2>
+      <a:accent1>
+        <a:srgbClr val="5B9BD5"/>
+      </a:accent1>
+      <a:accent2>
+        <a:srgbClr val="ED7D31"/>
+      </a:accent2>
+      <a:accent3>
+        <a:srgbClr val="A5A5A5"/>
+      </a:accent3>
+      <a:accent4>
+        <a:srgbClr val="FFC000"/>
+      </a:accent4>
+      <a:accent5>
+        <a:srgbClr val="4472C4"/>
+      </a:accent5>
+      <a:accent6>
+        <a:srgbClr val="70AD47"/>
+      </a:accent6>
+      <a:hlink>
+        <a:srgbClr val="0563C1"/>
+      </a:hlink>
+      <a:folHlink>
+        <a:srgbClr val="954F72"/>
+      </a:folHlink>
+    </a:clrScheme>
+    <a:fontScheme name="Office">
+      <a:majorFont>
+        <a:latin typeface="Calibri Light" panose="020F0302020204030204"/>
+        <a:ea typeface=""/>
+        <a:cs typeface=""/>
+        <a:font script="Jpan" typeface="游ゴシック Light"/>
+        <a:font script="Hang" typeface="맑은 고딕"/>
+        <a:font script="Hans" typeface="等线 Light"/>
+        <a:font script="Hant" typeface="新細明體"/>
+        <a:font script="Arab" typeface="Times New Roman"/>
+        <a:font script="Hebr" typeface="Times New Roman"/>
+        <a:font script="Thai" typeface="Angsana New"/>
+        <a:font script="Ethi" typeface="Nyala"/>
+        <a:font script="Beng" typeface="Vrinda"/>
+        <a:font script="Gujr" typeface="Shruti"/>
+        <a:font script="Khmr" typeface="MoolBoran"/>
+        <a:font script="Knda" typeface="Tunga"/>
+        <a:font script="Guru" typeface="Raavi"/>
+        <a:font script="Cans" typeface="Euphemia"/>
+        <a:font script="Cher" typeface="Plantagenet Cherokee"/>
+        <a:font script="Yiii" typeface="Microsoft Yi Baiti"/>
+        <a:font script="Tibt" typeface="Microsoft Himalaya"/>
+        <a:font script="Thaa" typeface="MV Boli"/>
+        <a:font script="Deva" typeface="Mangal"/>
+        <a:font script="Telu" typeface="Gautami"/>
+        <a:font script="Taml" typeface="Latha"/>
+        <a:font script="Syrc" typeface="Estrangelo Edessa"/>
+        <a:font script="Orya" typeface="Kalinga"/>
+        <a:font script="Mlym" typeface="Kartika"/>
+        <a:font script="Laoo" typeface="DokChampa"/>
+        <a:font script="Sinh" typeface="Iskoola Pota"/>
+        <a:font script="Mong" typeface="Mongolian Baiti"/>
+        <a:font script="Viet" typeface="Times New Roman"/>
+        <a:font script="Uigh" typeface="Microsoft Uighur"/>
+        <a:font script="Geor" typeface="Sylfaen"/>
+        <a:font script="Armn" typeface="Arial"/>
+        <a:font script="Bugi" typeface="Leelawadee UI"/>
+        <a:font script="Bopo" typeface="Microsoft JhengHei"/>
+        <a:font script="Java" typeface="Javanese Text"/>
+        <a:font script="Lisu" typeface="Segoe UI"/>
+        <a:font script="Mymr" typeface="Myanmar Text"/>
+        <a:font script="Nkoo" typeface="Ebrima"/>
+        <a:font script="Olck" typeface="Nirmala UI"/>
+        <a:font script="Osma" typeface="Ebrima"/>
+        <a:font script="Phag" typeface="Phagspa"/>
+        <a:font script="Syrn" typeface="Estrangelo Edessa"/>
+        <a:font script="Syrj" typeface="Estrangelo Edessa"/>
+        <a:font script="Syre" typeface="Estrangelo Edessa"/>
+        <a:font script="Sora" typeface="Nirmala UI"/>
+        <a:font script="Tale" typeface="Microsoft Tai Le"/>
+        <a:font script="Talu" typeface="Microsoft New Tai Lue"/>
+        <a:font script="Tfng" typeface="Ebrima"/>
+      </a:majorFont>
+      <a:minorFont>
+        <a:latin typeface="Calibri" panose="020F0502020204030204"/>
+        <a:ea typeface=""/>
+        <a:cs typeface=""/>
+        <a:font script="Jpan" typeface="游ゴシック"/>
+        <a:font script="Hang" typeface="맑은 고딕"/>
+        <a:font script="Hans" typeface="等线"/>
+        <a:font script="Hant" typeface="新細明體"/>
+        <a:font script="Arab" typeface="Arial"/>
+        <a:font script="Hebr" typeface="Arial"/>
+        <a:font script="Thai" typeface="Cordia New"/>
+        <a:font script="Ethi" typeface="Nyala"/>
+        <a:font script="Beng" typeface="Vrinda"/>
+        <a:font script="Gujr" typeface="Shruti"/>
+        <a:font script="Khmr" typeface="DaunPenh"/>
+        <a:font script="Knda" typeface="Tunga"/>
+        <a:font script="Guru" typeface="Raavi"/>
+        <a:font script="Cans" typeface="Euphemia"/>
+        <a:font script="Cher" typeface="Plantagenet Cherokee"/>
+        <a:font script="Yiii" typeface="Microsoft Yi Baiti"/>
+        <a:font script="Tibt" typeface="Microsoft Himalaya"/>
+        <a:font script="Thaa" typeface="MV Boli"/>
+        <a:font script="Deva" typeface="Mangal"/>
+        <a:font script="Telu" typeface="Gautami"/>
+        <a:font script="Taml" typeface="Latha"/>
+        <a:font script="Syrc" typeface="Estrangelo Edessa"/>
+        <a:font script="Orya" typeface="Kalinga"/>
+        <a:font script="Mlym" typeface="Kartika"/>
+        <a:font script="Laoo" typeface="DokChampa"/>
+        <a:font script="Sinh" typeface="Iskoola Pota"/>
+        <a:font script="Mong" typeface="Mongolian Baiti"/>
+        <a:font script="Viet" typeface="Arial"/>
+        <a:font script="Uigh" typeface="Microsoft Uighur"/>
+        <a:font script="Geor" typeface="Sylfaen"/>
+        <a:font script="Armn" typeface="Arial"/>
+        <a:font script="Bugi" typeface="Leelawadee UI"/>
+        <a:font script="Bopo" typeface="Microsoft JhengHei"/>
+        <a:font script="Java" typeface="Javanese Text"/>
+        <a:font script="Lisu" typeface="Segoe UI"/>
+        <a:font script="Mymr" typeface="Myanmar Text"/>
+        <a:font script="Nkoo" typeface="Ebrima"/>
+        <a:font script="Olck" typeface="Nirmala UI"/>
+        <a:font script="Osma" typeface="Ebrima"/>
+        <a:font script="Phag" typeface="Phagspa"/>
+        <a:font script="Syrn" typeface="Estrangelo Edessa"/>
+        <a:font script="Syrj" typeface="Estrangelo Edessa"/>
+        <a:font script="Syre" typeface="Estrangelo Edessa"/>
+        <a:font script="Sora" typeface="Nirmala UI"/>
+        <a:font script="Tale" typeface="Microsoft Tai Le"/>
+        <a:font script="Talu" typeface="Microsoft New Tai Lue"/>
+        <a:font script="Tfng" typeface="Ebrima"/>
+      </a:minorFont>
+    </a:fontScheme>
+    <a:fmtScheme name="Office">
+      <a:fillStyleLst>
+        <a:solidFill>
+          <a:schemeClr val="phClr"/>
+        </a:solidFill>
+        <a:gradFill rotWithShape="1">
+          <a:gsLst>
+            <a:gs pos="0">
+              <a:schemeClr val="phClr">
+                <a:lumMod val="110000"/>
+                <a:satMod val="105000"/>
+                <a:tint val="67000"/>
+              </a:schemeClr>
+            </a:gs>
+            <a:gs pos="50000">
+              <a:schemeClr val="phClr">
+                <a:lumMod val="105000"/>
+                <a:satMod val="103000"/>
+                <a:tint val="73000"/>
+              </a:schemeClr>
+            </a:gs>
+            <a:gs pos="100000">
+              <a:schemeClr val="phClr">
+                <a:lumMod val="105000"/>
+                <a:satMod val="109000"/>
+                <a:tint val="81000"/>
+              </a:schemeClr>
+            </a:gs>
+          </a:gsLst>
+          <a:lin ang="5400000" scaled="0"/>
+        </a:gradFill>
+        <a:gradFill rotWithShape="1">
+          <a:gsLst>
+            <a:gs pos="0">
+              <a:schemeClr val="phClr">
+                <a:satMod val="103000"/>
+                <a:lumMod val="102000"/>
+                <a:tint val="94000"/>
+              </a:schemeClr>
+            </a:gs>
+            <a:gs pos="50000">
+              <a:schemeClr val="phClr">
+                <a:satMod val="110000"/>
+                <a:lumMod val="100000"/>
+                <a:shade val="100000"/>
+              </a:schemeClr>
+            </a:gs>
+            <a:gs pos="100000">
+              <a:schemeClr val="phClr">
+                <a:lumMod val="99000"/>
+                <a:satMod val="120000"/>
+                <a:shade val="78000"/>
+              </a:schemeClr>
+            </a:gs>
+          </a:gsLst>
+          <a:lin ang="5400000" scaled="0"/>
+        </a:gradFill>
+      </a:fillStyleLst>
+      <a:lnStyleLst>
+        <a:ln w="6350" cap="flat" cmpd="sng" algn="ctr">
+          <a:solidFill>
+            <a:schemeClr val="phClr"/>
+          </a:solidFill>
+          <a:prstDash val="solid"/>
+          <a:miter lim="800000"/>
+        </a:ln>
+        <a:ln w="12700" cap="flat" cmpd="sng" algn="ctr">
+          <a:solidFill>
+            <a:schemeClr val="phClr"/>
+          </a:solidFill>
+          <a:prstDash val="solid"/>
+          <a:miter lim="800000"/>
+        </a:ln>
+        <a:ln w="19050" cap="flat" cmpd="sng" algn="ctr">
+          <a:solidFill>
+            <a:schemeClr val="phClr"/>
+          </a:solidFill>
+          <a:prstDash val="solid"/>
+          <a:miter lim="800000"/>
+        </a:ln>
+      </a:lnStyleLst>
+      <a:effectStyleLst>
+        <a:effectStyle>
+          <a:effectLst/>
+        </a:effectStyle>
+        <a:effectStyle>
+          <a:effectLst/>
+        </a:effectStyle>
+        <a:effectStyle>
+          <a:effectLst>
+            <a:outerShdw blurRad="57150" dist="19050" dir="5400000" algn="ctr" rotWithShape="0">
+              <a:srgbClr val="000000">
+                <a:alpha val="63000"/>
+              </a:srgbClr>
+            </a:outerShdw>
+          </a:effectLst>
+        </a:effectStyle>
+      </a:effectStyleLst>
+      <a:bgFillStyleLst>
+        <a:solidFill>
+          <a:schemeClr val="phClr"/>
+        </a:solidFill>
+        <a:solidFill>
+          <a:schemeClr val="phClr">
+            <a:tint val="95000"/>
+            <a:satMod val="170000"/>
+          </a:schemeClr>
+        </a:solidFill>
+        <a:gradFill rotWithShape="1">
+          <a:gsLst>
+            <a:gs pos="0">
+              <a:schemeClr val="phClr">
+                <a:tint val="93000"/>
+                <a:satMod val="150000"/>
+                <a:shade val="98000"/>
+                <a:lumMod val="102000"/>
+              </a:schemeClr>
+            </a:gs>
+            <a:gs pos="50000">
+              <a:schemeClr val="phClr">
+                <a:tint val="98000"/>
+                <a:satMod val="130000"/>
+                <a:shade val="90000"/>
+                <a:lumMod val="103000"/>
+              </a:schemeClr>
+            </a:gs>
+            <a:gs pos="100000">
+              <a:schemeClr val="phClr">
+                <a:shade val="63000"/>
+                <a:satMod val="120000"/>
+              </a:schemeClr>
+            </a:gs>
+          </a:gsLst>
+          <a:lin ang="5400000" scaled="0"/>
+        </a:gradFill>
+      </a:bgFillStyleLst>
+    </a:fmtScheme>
+  </a:themeElements>
+  <a:objectDefaults/>
+  <a:extraClrSchemeLst/>
+  <a:extLst>
+    <a:ext uri="{05A4C25C-085E-4340-85A3-A5531E510DB2}">
+      <thm15:themeFamily xmlns:thm15="http://schemas.microsoft.com/office/thememl/2012/main" name="Office Theme" id="{62F939B6-93AF-4DB8-9C6B-D6C7DFDC589F}" vid="{4A3C46E8-61CC-4603-A589-7422A47A8E4A}"/>
+    </a:ext>
+  </a:extLst>
+</a:theme>
 </file>
--- a/2016_07_21/ResearchTalkPresentation.pptx
+++ b/2016_07_21/ResearchTalkPresentation.pptx
@@ -234,7 +234,7 @@
           <a:p>
             <a:fld id="{7C6177D2-C595-4CF9-A043-EBA2FE90BA9D}" type="datetimeFigureOut">
               <a:rPr lang="en-CA" smtClean="0"/>
-              <a:t>2016-07-20</a:t>
+              <a:t>2016-07-25</a:t>
             </a:fld>
             <a:endParaRPr lang="en-CA"/>
           </a:p>
@@ -1285,7 +1285,7 @@
           <a:p>
             <a:fld id="{0EBCD917-A173-4357-BB80-6B8DD0C06E56}" type="datetimeFigureOut">
               <a:rPr lang="en-CA" smtClean="0"/>
-              <a:t>2016-07-20</a:t>
+              <a:t>2016-07-25</a:t>
             </a:fld>
             <a:endParaRPr lang="en-CA"/>
           </a:p>
@@ -1455,7 +1455,7 @@
           <a:p>
             <a:fld id="{0EBCD917-A173-4357-BB80-6B8DD0C06E56}" type="datetimeFigureOut">
               <a:rPr lang="en-CA" smtClean="0"/>
-              <a:t>2016-07-20</a:t>
+              <a:t>2016-07-25</a:t>
             </a:fld>
             <a:endParaRPr lang="en-CA"/>
           </a:p>
@@ -1635,7 +1635,7 @@
           <a:p>
             <a:fld id="{0EBCD917-A173-4357-BB80-6B8DD0C06E56}" type="datetimeFigureOut">
               <a:rPr lang="en-CA" smtClean="0"/>
-              <a:t>2016-07-20</a:t>
+              <a:t>2016-07-25</a:t>
             </a:fld>
             <a:endParaRPr lang="en-CA"/>
           </a:p>
@@ -1805,7 +1805,7 @@
           <a:p>
             <a:fld id="{0EBCD917-A173-4357-BB80-6B8DD0C06E56}" type="datetimeFigureOut">
               <a:rPr lang="en-CA" smtClean="0"/>
-              <a:t>2016-07-20</a:t>
+              <a:t>2016-07-25</a:t>
             </a:fld>
             <a:endParaRPr lang="en-CA"/>
           </a:p>
@@ -2051,7 +2051,7 @@
           <a:p>
             <a:fld id="{0EBCD917-A173-4357-BB80-6B8DD0C06E56}" type="datetimeFigureOut">
               <a:rPr lang="en-CA" smtClean="0"/>
-              <a:t>2016-07-20</a:t>
+              <a:t>2016-07-25</a:t>
             </a:fld>
             <a:endParaRPr lang="en-CA"/>
           </a:p>
@@ -2283,7 +2283,7 @@
           <a:p>
             <a:fld id="{0EBCD917-A173-4357-BB80-6B8DD0C06E56}" type="datetimeFigureOut">
               <a:rPr lang="en-CA" smtClean="0"/>
-              <a:t>2016-07-20</a:t>
+              <a:t>2016-07-25</a:t>
             </a:fld>
             <a:endParaRPr lang="en-CA"/>
           </a:p>
@@ -2650,7 +2650,7 @@
           <a:p>
             <a:fld id="{0EBCD917-A173-4357-BB80-6B8DD0C06E56}" type="datetimeFigureOut">
               <a:rPr lang="en-CA" smtClean="0"/>
-              <a:t>2016-07-20</a:t>
+              <a:t>2016-07-25</a:t>
             </a:fld>
             <a:endParaRPr lang="en-CA"/>
           </a:p>
@@ -2768,7 +2768,7 @@
           <a:p>
             <a:fld id="{0EBCD917-A173-4357-BB80-6B8DD0C06E56}" type="datetimeFigureOut">
               <a:rPr lang="en-CA" smtClean="0"/>
-              <a:t>2016-07-20</a:t>
+              <a:t>2016-07-25</a:t>
             </a:fld>
             <a:endParaRPr lang="en-CA"/>
           </a:p>
@@ -2863,7 +2863,7 @@
           <a:p>
             <a:fld id="{0EBCD917-A173-4357-BB80-6B8DD0C06E56}" type="datetimeFigureOut">
               <a:rPr lang="en-CA" smtClean="0"/>
-              <a:t>2016-07-20</a:t>
+              <a:t>2016-07-25</a:t>
             </a:fld>
             <a:endParaRPr lang="en-CA"/>
           </a:p>
@@ -3140,7 +3140,7 @@
           <a:p>
             <a:fld id="{0EBCD917-A173-4357-BB80-6B8DD0C06E56}" type="datetimeFigureOut">
               <a:rPr lang="en-CA" smtClean="0"/>
-              <a:t>2016-07-20</a:t>
+              <a:t>2016-07-25</a:t>
             </a:fld>
             <a:endParaRPr lang="en-CA"/>
           </a:p>
@@ -3393,7 +3393,7 @@
           <a:p>
             <a:fld id="{0EBCD917-A173-4357-BB80-6B8DD0C06E56}" type="datetimeFigureOut">
               <a:rPr lang="en-CA" smtClean="0"/>
-              <a:t>2016-07-20</a:t>
+              <a:t>2016-07-25</a:t>
             </a:fld>
             <a:endParaRPr lang="en-CA"/>
           </a:p>
@@ -3606,7 +3606,7 @@
           <a:p>
             <a:fld id="{0EBCD917-A173-4357-BB80-6B8DD0C06E56}" type="datetimeFigureOut">
               <a:rPr lang="en-CA" smtClean="0"/>
-              <a:t>2016-07-20</a:t>
+              <a:t>2016-07-25</a:t>
             </a:fld>
             <a:endParaRPr lang="en-CA"/>
           </a:p>
@@ -5999,16 +5999,16 @@
       </p:sp>
       <p:sp>
         <p:nvSpPr>
-          <p:cNvPr id="34" name="Up-Down Arrow 33"/>
+          <p:cNvPr id="35" name="Curved Down Arrow 34"/>
           <p:cNvSpPr/>
           <p:nvPr/>
         </p:nvSpPr>
         <p:spPr>
-          <a:xfrm>
-            <a:off x="5366084" y="2550695"/>
-            <a:ext cx="192505" cy="457200"/>
-          </a:xfrm>
-          <a:prstGeom prst="upDownArrow">
+          <a:xfrm rot="1612626">
+            <a:off x="6241838" y="2079978"/>
+            <a:ext cx="2025069" cy="586046"/>
+          </a:xfrm>
+          <a:prstGeom prst="curvedDownArrow">
             <a:avLst/>
           </a:prstGeom>
         </p:spPr>
@@ -6033,100 +6033,11 @@
           <a:lstStyle/>
           <a:p>
             <a:pPr algn="ctr"/>
-            <a:endParaRPr lang="en-CA"/>
-          </a:p>
-        </p:txBody>
-      </p:sp>
-      <p:sp>
-        <p:nvSpPr>
-          <p:cNvPr id="35" name="Curved Down Arrow 34"/>
-          <p:cNvSpPr/>
-          <p:nvPr/>
-        </p:nvSpPr>
-        <p:spPr>
-          <a:xfrm rot="1612626">
-            <a:off x="6241838" y="2079978"/>
-            <a:ext cx="2025069" cy="586046"/>
-          </a:xfrm>
-          <a:prstGeom prst="curvedDownArrow">
-            <a:avLst/>
-          </a:prstGeom>
-        </p:spPr>
-        <p:style>
-          <a:lnRef idx="2">
-            <a:schemeClr val="accent1">
-              <a:shade val="50000"/>
-            </a:schemeClr>
-          </a:lnRef>
-          <a:fillRef idx="1">
-            <a:schemeClr val="accent1"/>
-          </a:fillRef>
-          <a:effectRef idx="0">
-            <a:schemeClr val="accent1"/>
-          </a:effectRef>
-          <a:fontRef idx="minor">
-            <a:schemeClr val="lt1"/>
-          </a:fontRef>
-        </p:style>
-        <p:txBody>
-          <a:bodyPr rtlCol="0" anchor="ctr"/>
-          <a:lstStyle/>
-          <a:p>
-            <a:pPr algn="ctr"/>
             <a:endParaRPr lang="en-CA">
               <a:solidFill>
                 <a:schemeClr val="tx1"/>
               </a:solidFill>
             </a:endParaRPr>
-          </a:p>
-        </p:txBody>
-      </p:sp>
-      <p:sp>
-        <p:nvSpPr>
-          <p:cNvPr id="37" name="Oval 36"/>
-          <p:cNvSpPr/>
-          <p:nvPr/>
-        </p:nvSpPr>
-        <p:spPr>
-          <a:xfrm>
-            <a:off x="4251960" y="2791326"/>
-            <a:ext cx="2386584" cy="1046748"/>
-          </a:xfrm>
-          <a:prstGeom prst="ellipse">
-            <a:avLst/>
-          </a:prstGeom>
-          <a:noFill/>
-          <a:ln w="47625">
-            <a:solidFill>
-              <a:schemeClr val="accent6">
-                <a:lumMod val="75000"/>
-              </a:schemeClr>
-            </a:solidFill>
-            <a:prstDash val="lgDash"/>
-          </a:ln>
-        </p:spPr>
-        <p:style>
-          <a:lnRef idx="2">
-            <a:schemeClr val="accent1">
-              <a:shade val="50000"/>
-            </a:schemeClr>
-          </a:lnRef>
-          <a:fillRef idx="1">
-            <a:schemeClr val="accent1"/>
-          </a:fillRef>
-          <a:effectRef idx="0">
-            <a:schemeClr val="accent1"/>
-          </a:effectRef>
-          <a:fontRef idx="minor">
-            <a:schemeClr val="lt1"/>
-          </a:fontRef>
-        </p:style>
-        <p:txBody>
-          <a:bodyPr rtlCol="0" anchor="ctr"/>
-          <a:lstStyle/>
-          <a:p>
-            <a:pPr algn="ctr"/>
-            <a:endParaRPr lang="en-CA"/>
           </a:p>
         </p:txBody>
       </p:sp>
@@ -6194,7 +6105,7 @@
         </p:nvSpPr>
         <p:spPr>
           <a:xfrm rot="5400000">
-            <a:off x="4912069" y="5724852"/>
+            <a:off x="4912069" y="5724853"/>
             <a:ext cx="373870" cy="207865"/>
           </a:xfrm>
           <a:prstGeom prst="rightArrow">
@@ -6359,6 +6270,95 @@
         <p:spPr>
           <a:xfrm>
             <a:off x="3919728" y="5714358"/>
+            <a:ext cx="2386584" cy="1046748"/>
+          </a:xfrm>
+          <a:prstGeom prst="ellipse">
+            <a:avLst/>
+          </a:prstGeom>
+          <a:noFill/>
+          <a:ln w="47625">
+            <a:solidFill>
+              <a:schemeClr val="accent6">
+                <a:lumMod val="75000"/>
+              </a:schemeClr>
+            </a:solidFill>
+            <a:prstDash val="lgDash"/>
+          </a:ln>
+        </p:spPr>
+        <p:style>
+          <a:lnRef idx="2">
+            <a:schemeClr val="accent1">
+              <a:shade val="50000"/>
+            </a:schemeClr>
+          </a:lnRef>
+          <a:fillRef idx="1">
+            <a:schemeClr val="accent1"/>
+          </a:fillRef>
+          <a:effectRef idx="0">
+            <a:schemeClr val="accent1"/>
+          </a:effectRef>
+          <a:fontRef idx="minor">
+            <a:schemeClr val="lt1"/>
+          </a:fontRef>
+        </p:style>
+        <p:txBody>
+          <a:bodyPr rtlCol="0" anchor="ctr"/>
+          <a:lstStyle/>
+          <a:p>
+            <a:pPr algn="ctr"/>
+            <a:endParaRPr lang="en-CA"/>
+          </a:p>
+        </p:txBody>
+      </p:sp>
+      <p:sp>
+        <p:nvSpPr>
+          <p:cNvPr id="27" name="Right Arrow 26"/>
+          <p:cNvSpPr/>
+          <p:nvPr/>
+        </p:nvSpPr>
+        <p:spPr>
+          <a:xfrm rot="5400000">
+            <a:off x="5243578" y="2662714"/>
+            <a:ext cx="373870" cy="207865"/>
+          </a:xfrm>
+          <a:prstGeom prst="rightArrow">
+            <a:avLst/>
+          </a:prstGeom>
+        </p:spPr>
+        <p:style>
+          <a:lnRef idx="2">
+            <a:schemeClr val="accent1">
+              <a:shade val="50000"/>
+            </a:schemeClr>
+          </a:lnRef>
+          <a:fillRef idx="1">
+            <a:schemeClr val="accent1"/>
+          </a:fillRef>
+          <a:effectRef idx="0">
+            <a:schemeClr val="accent1"/>
+          </a:effectRef>
+          <a:fontRef idx="minor">
+            <a:schemeClr val="lt1"/>
+          </a:fontRef>
+        </p:style>
+        <p:txBody>
+          <a:bodyPr rtlCol="0" anchor="ctr"/>
+          <a:lstStyle/>
+          <a:p>
+            <a:pPr algn="ctr"/>
+            <a:endParaRPr lang="en-CA"/>
+          </a:p>
+        </p:txBody>
+      </p:sp>
+      <p:sp>
+        <p:nvSpPr>
+          <p:cNvPr id="37" name="Oval 36"/>
+          <p:cNvSpPr/>
+          <p:nvPr/>
+        </p:nvSpPr>
+        <p:spPr>
+          <a:xfrm>
+            <a:off x="4251960" y="2791326"/>
             <a:ext cx="2386584" cy="1046748"/>
           </a:xfrm>
           <a:prstGeom prst="ellipse">
@@ -6868,6 +6868,41 @@
                                   </p:childTnLst>
                                 </p:cTn>
                               </p:par>
+                              <p:par>
+                                <p:cTn id="44" presetID="10" presetClass="entr" presetSubtype="0" fill="hold" grpId="0" nodeType="withEffect">
+                                  <p:stCondLst>
+                                    <p:cond delay="0"/>
+                                  </p:stCondLst>
+                                  <p:childTnLst>
+                                    <p:set>
+                                      <p:cBhvr>
+                                        <p:cTn id="45" dur="1" fill="hold">
+                                          <p:stCondLst>
+                                            <p:cond delay="0"/>
+                                          </p:stCondLst>
+                                        </p:cTn>
+                                        <p:tgtEl>
+                                          <p:spTgt spid="27"/>
+                                        </p:tgtEl>
+                                        <p:attrNameLst>
+                                          <p:attrName>style.visibility</p:attrName>
+                                        </p:attrNameLst>
+                                      </p:cBhvr>
+                                      <p:to>
+                                        <p:strVal val="visible"/>
+                                      </p:to>
+                                    </p:set>
+                                    <p:animEffect transition="in" filter="fade">
+                                      <p:cBhvr>
+                                        <p:cTn id="46" dur="500"/>
+                                        <p:tgtEl>
+                                          <p:spTgt spid="27"/>
+                                        </p:tgtEl>
+                                      </p:cBhvr>
+                                    </p:animEffect>
+                                  </p:childTnLst>
+                                </p:cTn>
+                              </p:par>
                             </p:childTnLst>
                           </p:cTn>
                         </p:par>
@@ -6900,13 +6935,14 @@
       <p:bldP spid="30" grpId="0" animBg="1"/>
       <p:bldP spid="31" grpId="0" animBg="1"/>
       <p:bldP spid="32" grpId="0" animBg="1"/>
-      <p:bldP spid="37" grpId="0" animBg="1"/>
       <p:bldP spid="38" grpId="0" animBg="1"/>
       <p:bldP spid="39" grpId="0" animBg="1"/>
       <p:bldP spid="41" grpId="0" animBg="1"/>
       <p:bldP spid="42" grpId="0" animBg="1"/>
       <p:bldP spid="43" grpId="0" animBg="1"/>
       <p:bldP spid="44" grpId="0" animBg="1"/>
+      <p:bldP spid="27" grpId="0" animBg="1"/>
+      <p:bldP spid="37" grpId="0" animBg="1"/>
     </p:bldLst>
   </p:timing>
 </p:sld>
